--- a/0PPT/UML概述.pptx
+++ b/0PPT/UML概述.pptx
@@ -17,13 +17,15 @@
     <p:sldId id="271" r:id="rId11"/>
     <p:sldId id="268" r:id="rId12"/>
     <p:sldId id="269" r:id="rId13"/>
-    <p:sldId id="293" r:id="rId14"/>
-    <p:sldId id="294" r:id="rId15"/>
-    <p:sldId id="265" r:id="rId16"/>
-    <p:sldId id="295" r:id="rId17"/>
-    <p:sldId id="266" r:id="rId18"/>
-    <p:sldId id="262" r:id="rId19"/>
-    <p:sldId id="279" r:id="rId20"/>
+    <p:sldId id="296" r:id="rId14"/>
+    <p:sldId id="297" r:id="rId15"/>
+    <p:sldId id="293" r:id="rId16"/>
+    <p:sldId id="294" r:id="rId17"/>
+    <p:sldId id="265" r:id="rId18"/>
+    <p:sldId id="295" r:id="rId19"/>
+    <p:sldId id="266" r:id="rId20"/>
+    <p:sldId id="262" r:id="rId21"/>
+    <p:sldId id="279" r:id="rId22"/>
   </p:sldIdLst>
   <p:sldSz cx="12192000" cy="6858000"/>
   <p:notesSz cx="6858000" cy="9144000"/>
@@ -7643,8 +7645,15 @@
                     </a:srgbClr>
                   </a:solidFill>
                 </a:rPr>
-                <a:t>通信图</a:t>
+                <a:t>顺序图</a:t>
               </a:r>
+              <a:endParaRPr lang="zh-CN" altLang="en-US" sz="2800" dirty="0" smtClean="0">
+                <a:solidFill>
+                  <a:srgbClr val="DEAB81">
+                    <a:lumMod val="50000"/>
+                  </a:srgbClr>
+                </a:solidFill>
+              </a:endParaRPr>
             </a:p>
           </p:txBody>
         </p:sp>
@@ -8337,8 +8346,15 @@
                     </a:srgbClr>
                   </a:solidFill>
                 </a:rPr>
-                <a:t>活动图</a:t>
+                <a:t>部署图</a:t>
               </a:r>
+              <a:endParaRPr lang="zh-CN" altLang="en-US" sz="2800" dirty="0" smtClean="0">
+                <a:solidFill>
+                  <a:srgbClr val="DEAB81">
+                    <a:lumMod val="50000"/>
+                  </a:srgbClr>
+                </a:solidFill>
+              </a:endParaRPr>
             </a:p>
           </p:txBody>
         </p:sp>
@@ -8861,8 +8877,15 @@
                     </a:srgbClr>
                   </a:solidFill>
                 </a:rPr>
-                <a:t>部署图</a:t>
+                <a:t>组件图</a:t>
               </a:r>
+              <a:endParaRPr lang="zh-CN" altLang="en-US" sz="2800" dirty="0" smtClean="0">
+                <a:solidFill>
+                  <a:srgbClr val="DEAB81">
+                    <a:lumMod val="50000"/>
+                  </a:srgbClr>
+                </a:solidFill>
+              </a:endParaRPr>
             </a:p>
           </p:txBody>
         </p:sp>
@@ -9385,8 +9408,15 @@
                     </a:srgbClr>
                   </a:solidFill>
                 </a:rPr>
-                <a:t>状态图</a:t>
+                <a:t>包图</a:t>
               </a:r>
+              <a:endParaRPr lang="zh-CN" altLang="en-US" sz="2800" dirty="0" smtClean="0">
+                <a:solidFill>
+                  <a:srgbClr val="DEAB81">
+                    <a:lumMod val="50000"/>
+                  </a:srgbClr>
+                </a:solidFill>
+              </a:endParaRPr>
             </a:p>
           </p:txBody>
         </p:sp>
@@ -9909,8 +9939,15 @@
                     </a:srgbClr>
                   </a:solidFill>
                 </a:rPr>
-                <a:t>包图</a:t>
+                <a:t>交互图</a:t>
               </a:r>
+              <a:endParaRPr lang="zh-CN" altLang="en-US" sz="2800" dirty="0" smtClean="0">
+                <a:solidFill>
+                  <a:srgbClr val="DEAB81">
+                    <a:lumMod val="50000"/>
+                  </a:srgbClr>
+                </a:solidFill>
+              </a:endParaRPr>
             </a:p>
           </p:txBody>
         </p:sp>
@@ -10433,8 +10470,15 @@
                     </a:srgbClr>
                   </a:solidFill>
                 </a:rPr>
-                <a:t>定时图</a:t>
+                <a:t>时间图</a:t>
               </a:r>
+              <a:endParaRPr lang="zh-CN" altLang="en-US" sz="2800" dirty="0" smtClean="0">
+                <a:solidFill>
+                  <a:srgbClr val="DEAB81">
+                    <a:lumMod val="50000"/>
+                  </a:srgbClr>
+                </a:solidFill>
+              </a:endParaRPr>
             </a:p>
           </p:txBody>
         </p:sp>
@@ -10957,8 +11001,15 @@
                     </a:srgbClr>
                   </a:solidFill>
                 </a:rPr>
-                <a:t>交互概览图</a:t>
+                <a:t>复合结构图</a:t>
               </a:r>
+              <a:endParaRPr lang="zh-CN" altLang="en-US" sz="2800" dirty="0" smtClean="0">
+                <a:solidFill>
+                  <a:srgbClr val="DEAB81">
+                    <a:lumMod val="50000"/>
+                  </a:srgbClr>
+                </a:solidFill>
+              </a:endParaRPr>
             </a:p>
           </p:txBody>
         </p:sp>
@@ -11481,8 +11532,15 @@
                     </a:srgbClr>
                   </a:solidFill>
                 </a:rPr>
-                <a:t>顺序图</a:t>
+                <a:t>通信图</a:t>
               </a:r>
+              <a:endParaRPr lang="zh-CN" altLang="en-US" sz="2800" dirty="0" smtClean="0">
+                <a:solidFill>
+                  <a:srgbClr val="DEAB81">
+                    <a:lumMod val="50000"/>
+                  </a:srgbClr>
+                </a:solidFill>
+              </a:endParaRPr>
             </a:p>
           </p:txBody>
         </p:sp>
@@ -12005,8 +12063,15 @@
                     </a:srgbClr>
                   </a:solidFill>
                 </a:rPr>
-                <a:t>构件图</a:t>
+                <a:t>对象图</a:t>
               </a:r>
+              <a:endParaRPr lang="zh-CN" altLang="en-US" sz="2800" dirty="0" smtClean="0">
+                <a:solidFill>
+                  <a:srgbClr val="DEAB81">
+                    <a:lumMod val="50000"/>
+                  </a:srgbClr>
+                </a:solidFill>
+              </a:endParaRPr>
             </a:p>
           </p:txBody>
         </p:sp>
@@ -12529,8 +12594,15 @@
                     </a:srgbClr>
                   </a:solidFill>
                 </a:rPr>
-                <a:t>用况图</a:t>
+                <a:t>状态肌图</a:t>
               </a:r>
+              <a:endParaRPr lang="zh-CN" altLang="en-US" sz="2800" dirty="0" smtClean="0">
+                <a:solidFill>
+                  <a:srgbClr val="DEAB81">
+                    <a:lumMod val="50000"/>
+                  </a:srgbClr>
+                </a:solidFill>
+              </a:endParaRPr>
             </a:p>
           </p:txBody>
         </p:sp>
@@ -13053,8 +13125,15 @@
                     </a:srgbClr>
                   </a:solidFill>
                 </a:rPr>
-                <a:t>对象图</a:t>
+                <a:t>类图</a:t>
               </a:r>
+              <a:endParaRPr lang="zh-CN" altLang="en-US" sz="2800" dirty="0" smtClean="0">
+                <a:solidFill>
+                  <a:srgbClr val="DEAB81">
+                    <a:lumMod val="50000"/>
+                  </a:srgbClr>
+                </a:solidFill>
+              </a:endParaRPr>
             </a:p>
           </p:txBody>
         </p:sp>
@@ -13577,8 +13656,15 @@
                     </a:srgbClr>
                   </a:solidFill>
                 </a:rPr>
-                <a:t>组合结构图</a:t>
+                <a:t>活动图</a:t>
               </a:r>
+              <a:endParaRPr lang="zh-CN" altLang="en-US" sz="2800" dirty="0" smtClean="0">
+                <a:solidFill>
+                  <a:srgbClr val="DEAB81">
+                    <a:lumMod val="50000"/>
+                  </a:srgbClr>
+                </a:solidFill>
+              </a:endParaRPr>
             </a:p>
           </p:txBody>
         </p:sp>
@@ -14101,8 +14187,15 @@
                     </a:srgbClr>
                   </a:solidFill>
                 </a:rPr>
-                <a:t>类图</a:t>
+                <a:t>用例图</a:t>
               </a:r>
+              <a:endParaRPr lang="zh-CN" altLang="en-US" sz="2800" dirty="0" smtClean="0">
+                <a:solidFill>
+                  <a:srgbClr val="DEAB81">
+                    <a:lumMod val="50000"/>
+                  </a:srgbClr>
+                </a:solidFill>
+              </a:endParaRPr>
             </a:p>
           </p:txBody>
         </p:sp>
@@ -14626,6 +14719,1513 @@
           <a:chExt cx="0" cy="0"/>
         </a:xfrm>
       </p:grpSpPr>
+      <p:cxnSp>
+        <p:nvCxnSpPr>
+          <p:cNvPr id="2" name="直接连接符 16"/>
+          <p:cNvCxnSpPr/>
+          <p:nvPr/>
+        </p:nvCxnSpPr>
+        <p:spPr>
+          <a:xfrm>
+            <a:off x="1617663" y="1922463"/>
+            <a:ext cx="3384550" cy="0"/>
+          </a:xfrm>
+          <a:prstGeom prst="line">
+            <a:avLst/>
+          </a:prstGeom>
+          <a:ln w="12700" cap="flat" cmpd="sng">
+            <a:solidFill>
+              <a:srgbClr val="FFC000"/>
+            </a:solidFill>
+            <a:prstDash val="solid"/>
+            <a:headEnd type="none" w="med" len="med"/>
+            <a:tailEnd type="none" w="med" len="med"/>
+          </a:ln>
+        </p:spPr>
+      </p:cxnSp>
+      <p:sp>
+        <p:nvSpPr>
+          <p:cNvPr id="3" name="文本框 17"/>
+          <p:cNvSpPr txBox="1"/>
+          <p:nvPr/>
+        </p:nvSpPr>
+        <p:spPr>
+          <a:xfrm>
+            <a:off x="1496060" y="1201420"/>
+            <a:ext cx="1397000" cy="645160"/>
+          </a:xfrm>
+          <a:prstGeom prst="rect">
+            <a:avLst/>
+          </a:prstGeom>
+          <a:noFill/>
+          <a:ln w="9525">
+            <a:noFill/>
+          </a:ln>
+        </p:spPr>
+        <p:txBody>
+          <a:bodyPr wrap="square">
+            <a:spAutoFit/>
+          </a:bodyPr>
+          <a:lstStyle>
+            <a:lvl1pPr marL="228600" lvl="0" indent="-228600" algn="l" defTabSz="914400" eaLnBrk="0" fontAlgn="base" latinLnBrk="0" hangingPunct="0">
+              <a:lnSpc>
+                <a:spcPct val="90000"/>
+              </a:lnSpc>
+              <a:spcBef>
+                <a:spcPts val="1000"/>
+              </a:spcBef>
+              <a:spcAft>
+                <a:spcPct val="0"/>
+              </a:spcAft>
+              <a:buFont typeface="Arial" panose="020B0604020202020204" pitchFamily="34" charset="0"/>
+              <a:buChar char="•"/>
+              <a:defRPr sz="2800" u="none" kern="1200" baseline="0">
+                <a:solidFill>
+                  <a:schemeClr val="tx1"/>
+                </a:solidFill>
+                <a:latin typeface="Calibri" panose="020F0502020204030204" pitchFamily="2" charset="0"/>
+                <a:ea typeface="宋体" panose="02010600030101010101" pitchFamily="2" charset="-122"/>
+              </a:defRPr>
+            </a:lvl1pPr>
+            <a:lvl2pPr marL="685800" lvl="1" indent="-228600" algn="l" defTabSz="914400" eaLnBrk="0" fontAlgn="base" latinLnBrk="0" hangingPunct="0">
+              <a:lnSpc>
+                <a:spcPct val="90000"/>
+              </a:lnSpc>
+              <a:spcBef>
+                <a:spcPts val="500"/>
+              </a:spcBef>
+              <a:spcAft>
+                <a:spcPct val="0"/>
+              </a:spcAft>
+              <a:buFont typeface="Arial" panose="020B0604020202020204" pitchFamily="34" charset="0"/>
+              <a:buChar char="•"/>
+              <a:defRPr sz="2400" u="none" kern="1200" baseline="0">
+                <a:solidFill>
+                  <a:schemeClr val="tx1"/>
+                </a:solidFill>
+                <a:latin typeface="Calibri" panose="020F0502020204030204" pitchFamily="2" charset="0"/>
+                <a:ea typeface="宋体" panose="02010600030101010101" pitchFamily="2" charset="-122"/>
+              </a:defRPr>
+            </a:lvl2pPr>
+            <a:lvl3pPr marL="1143000" lvl="2" indent="-228600" algn="l" defTabSz="914400" eaLnBrk="0" fontAlgn="base" latinLnBrk="0" hangingPunct="0">
+              <a:lnSpc>
+                <a:spcPct val="90000"/>
+              </a:lnSpc>
+              <a:spcBef>
+                <a:spcPts val="500"/>
+              </a:spcBef>
+              <a:spcAft>
+                <a:spcPct val="0"/>
+              </a:spcAft>
+              <a:buFont typeface="Arial" panose="020B0604020202020204" pitchFamily="34" charset="0"/>
+              <a:buChar char="•"/>
+              <a:defRPr sz="2000" u="none" kern="1200" baseline="0">
+                <a:solidFill>
+                  <a:schemeClr val="tx1"/>
+                </a:solidFill>
+                <a:latin typeface="Calibri" panose="020F0502020204030204" pitchFamily="2" charset="0"/>
+                <a:ea typeface="宋体" panose="02010600030101010101" pitchFamily="2" charset="-122"/>
+              </a:defRPr>
+            </a:lvl3pPr>
+            <a:lvl4pPr marL="1600200" lvl="3" indent="-228600" algn="l" defTabSz="914400" eaLnBrk="0" fontAlgn="base" latinLnBrk="0" hangingPunct="0">
+              <a:lnSpc>
+                <a:spcPct val="90000"/>
+              </a:lnSpc>
+              <a:spcBef>
+                <a:spcPts val="500"/>
+              </a:spcBef>
+              <a:spcAft>
+                <a:spcPct val="0"/>
+              </a:spcAft>
+              <a:buFont typeface="Arial" panose="020B0604020202020204" pitchFamily="34" charset="0"/>
+              <a:buChar char="•"/>
+              <a:defRPr sz="1800" u="none" kern="1200" baseline="0">
+                <a:solidFill>
+                  <a:schemeClr val="tx1"/>
+                </a:solidFill>
+                <a:latin typeface="Calibri" panose="020F0502020204030204" pitchFamily="2" charset="0"/>
+                <a:ea typeface="宋体" panose="02010600030101010101" pitchFamily="2" charset="-122"/>
+              </a:defRPr>
+            </a:lvl4pPr>
+            <a:lvl5pPr marL="2057400" lvl="4" indent="-228600" algn="l" defTabSz="914400" eaLnBrk="0" fontAlgn="base" latinLnBrk="0" hangingPunct="0">
+              <a:lnSpc>
+                <a:spcPct val="90000"/>
+              </a:lnSpc>
+              <a:spcBef>
+                <a:spcPts val="500"/>
+              </a:spcBef>
+              <a:spcAft>
+                <a:spcPct val="0"/>
+              </a:spcAft>
+              <a:buFont typeface="Arial" panose="020B0604020202020204" pitchFamily="34" charset="0"/>
+              <a:buChar char="•"/>
+              <a:defRPr sz="1800" u="none" kern="1200" baseline="0">
+                <a:solidFill>
+                  <a:schemeClr val="tx1"/>
+                </a:solidFill>
+                <a:latin typeface="Calibri" panose="020F0502020204030204" pitchFamily="2" charset="0"/>
+                <a:ea typeface="宋体" panose="02010600030101010101" pitchFamily="2" charset="-122"/>
+              </a:defRPr>
+            </a:lvl5pPr>
+          </a:lstStyle>
+          <a:p>
+            <a:pPr marL="0" lvl="0" indent="0" algn="ctr" eaLnBrk="1" hangingPunct="1">
+              <a:lnSpc>
+                <a:spcPct val="100000"/>
+              </a:lnSpc>
+              <a:spcBef>
+                <a:spcPct val="0"/>
+              </a:spcBef>
+              <a:buNone/>
+            </a:pPr>
+            <a:r>
+              <a:rPr lang="zh-CN" sz="3600" dirty="0">
+                <a:solidFill>
+                  <a:schemeClr val="bg1"/>
+                </a:solidFill>
+              </a:rPr>
+              <a:t>图</a:t>
+            </a:r>
+          </a:p>
+        </p:txBody>
+      </p:sp>
+      <p:sp>
+        <p:nvSpPr>
+          <p:cNvPr id="4" name="文本框 3"/>
+          <p:cNvSpPr txBox="1"/>
+          <p:nvPr/>
+        </p:nvSpPr>
+        <p:spPr>
+          <a:xfrm>
+            <a:off x="1695635" y="2228295"/>
+            <a:ext cx="7430610" cy="4247317"/>
+          </a:xfrm>
+          <a:prstGeom prst="rect">
+            <a:avLst/>
+          </a:prstGeom>
+          <a:noFill/>
+        </p:spPr>
+        <p:txBody>
+          <a:bodyPr wrap="square" rtlCol="0">
+            <a:spAutoFit/>
+          </a:bodyPr>
+          <a:lstStyle/>
+          <a:p>
+            <a:r>
+              <a:rPr lang="en-US" altLang="zh-CN" dirty="0" smtClean="0">
+                <a:solidFill>
+                  <a:schemeClr val="bg1"/>
+                </a:solidFill>
+              </a:rPr>
+              <a:t>1.</a:t>
+            </a:r>
+            <a:r>
+              <a:rPr lang="zh-CN" altLang="en-US" b="1" dirty="0" smtClean="0">
+                <a:solidFill>
+                  <a:schemeClr val="bg1"/>
+                </a:solidFill>
+              </a:rPr>
+              <a:t>用</a:t>
+            </a:r>
+            <a:r>
+              <a:rPr lang="zh-CN" altLang="en-US" b="1" dirty="0">
+                <a:solidFill>
+                  <a:schemeClr val="bg1"/>
+                </a:solidFill>
+              </a:rPr>
+              <a:t>例图：</a:t>
+            </a:r>
+            <a:r>
+              <a:rPr lang="zh-CN" altLang="en-US" dirty="0">
+                <a:solidFill>
+                  <a:schemeClr val="bg1"/>
+                </a:solidFill>
+              </a:rPr>
+              <a:t>对系统的使用方式分类</a:t>
+            </a:r>
+            <a:r>
+              <a:rPr lang="en-US" altLang="zh-CN" dirty="0">
+                <a:solidFill>
+                  <a:schemeClr val="bg1"/>
+                </a:solidFill>
+              </a:rPr>
+              <a:t>.</a:t>
+            </a:r>
+            <a:br>
+              <a:rPr lang="en-US" altLang="zh-CN" dirty="0">
+                <a:solidFill>
+                  <a:schemeClr val="bg1"/>
+                </a:solidFill>
+              </a:rPr>
+            </a:br>
+            <a:r>
+              <a:rPr lang="en-US" altLang="zh-CN" dirty="0">
+                <a:solidFill>
+                  <a:schemeClr val="bg1"/>
+                </a:solidFill>
+              </a:rPr>
+              <a:t>2.</a:t>
+            </a:r>
+            <a:r>
+              <a:rPr lang="zh-CN" altLang="en-US" b="1" dirty="0">
+                <a:solidFill>
+                  <a:schemeClr val="bg1"/>
+                </a:solidFill>
+              </a:rPr>
+              <a:t>类</a:t>
+            </a:r>
+            <a:r>
+              <a:rPr lang="zh-CN" altLang="en-US" b="1" dirty="0" smtClean="0">
+                <a:solidFill>
+                  <a:schemeClr val="bg1"/>
+                </a:solidFill>
+              </a:rPr>
+              <a:t>图：</a:t>
+            </a:r>
+            <a:r>
+              <a:rPr lang="zh-CN" altLang="en-US" dirty="0" smtClean="0">
+                <a:solidFill>
+                  <a:schemeClr val="bg1"/>
+                </a:solidFill>
+              </a:rPr>
+              <a:t>显示</a:t>
+            </a:r>
+            <a:r>
+              <a:rPr lang="zh-CN" altLang="en-US" dirty="0">
+                <a:solidFill>
+                  <a:schemeClr val="bg1"/>
+                </a:solidFill>
+              </a:rPr>
+              <a:t>类和它们的相互关系。</a:t>
+            </a:r>
+            <a:br>
+              <a:rPr lang="zh-CN" altLang="en-US" dirty="0">
+                <a:solidFill>
+                  <a:schemeClr val="bg1"/>
+                </a:solidFill>
+              </a:rPr>
+            </a:br>
+            <a:r>
+              <a:rPr lang="en-US" altLang="zh-CN" dirty="0" smtClean="0">
+                <a:solidFill>
+                  <a:schemeClr val="bg1"/>
+                </a:solidFill>
+              </a:rPr>
+              <a:t>3</a:t>
+            </a:r>
+            <a:r>
+              <a:rPr lang="en-US" altLang="zh-CN" dirty="0">
+                <a:solidFill>
+                  <a:schemeClr val="bg1"/>
+                </a:solidFill>
+              </a:rPr>
+              <a:t>.</a:t>
+            </a:r>
+            <a:r>
+              <a:rPr lang="zh-CN" altLang="en-US" b="1" dirty="0" smtClean="0">
+                <a:solidFill>
+                  <a:schemeClr val="bg1"/>
+                </a:solidFill>
+              </a:rPr>
+              <a:t>对象</a:t>
+            </a:r>
+            <a:r>
+              <a:rPr lang="zh-CN" altLang="en-US" b="1" dirty="0">
+                <a:solidFill>
+                  <a:schemeClr val="bg1"/>
+                </a:solidFill>
+              </a:rPr>
+              <a:t>图：</a:t>
+            </a:r>
+            <a:r>
+              <a:rPr lang="zh-CN" altLang="en-US" dirty="0">
+                <a:solidFill>
+                  <a:schemeClr val="bg1"/>
+                </a:solidFill>
+              </a:rPr>
+              <a:t>只显示对象及它们的相互关系。</a:t>
+            </a:r>
+          </a:p>
+          <a:p>
+            <a:r>
+              <a:rPr lang="en-US" altLang="zh-CN" dirty="0" smtClean="0">
+                <a:solidFill>
+                  <a:schemeClr val="bg1"/>
+                </a:solidFill>
+              </a:rPr>
+              <a:t>4.</a:t>
+            </a:r>
+            <a:r>
+              <a:rPr lang="zh-CN" altLang="en-US" b="1" dirty="0" smtClean="0">
+                <a:solidFill>
+                  <a:schemeClr val="bg1"/>
+                </a:solidFill>
+              </a:rPr>
+              <a:t>活动图</a:t>
+            </a:r>
+            <a:r>
+              <a:rPr lang="zh-CN" altLang="en-US" b="1" dirty="0">
+                <a:solidFill>
+                  <a:schemeClr val="bg1"/>
+                </a:solidFill>
+              </a:rPr>
+              <a:t>：</a:t>
+            </a:r>
+            <a:r>
+              <a:rPr lang="zh-CN" altLang="en-US" dirty="0">
+                <a:solidFill>
+                  <a:schemeClr val="bg1"/>
+                </a:solidFill>
+              </a:rPr>
+              <a:t>显示人或对象的活动，其方式类似于流程图。</a:t>
+            </a:r>
+          </a:p>
+          <a:p>
+            <a:r>
+              <a:rPr lang="en-US" altLang="zh-CN" dirty="0" smtClean="0">
+                <a:solidFill>
+                  <a:schemeClr val="bg1"/>
+                </a:solidFill>
+              </a:rPr>
+              <a:t>5</a:t>
+            </a:r>
+            <a:r>
+              <a:rPr lang="en-US" altLang="zh-CN" dirty="0">
+                <a:solidFill>
+                  <a:schemeClr val="bg1"/>
+                </a:solidFill>
+              </a:rPr>
+              <a:t>.</a:t>
+            </a:r>
+            <a:r>
+              <a:rPr lang="zh-CN" altLang="en-US" b="1" dirty="0" smtClean="0">
+                <a:solidFill>
+                  <a:schemeClr val="bg1"/>
+                </a:solidFill>
+              </a:rPr>
+              <a:t>状态机</a:t>
+            </a:r>
+            <a:r>
+              <a:rPr lang="zh-CN" altLang="en-US" b="1" dirty="0">
+                <a:solidFill>
+                  <a:schemeClr val="bg1"/>
+                </a:solidFill>
+              </a:rPr>
+              <a:t>图</a:t>
+            </a:r>
+            <a:r>
+              <a:rPr lang="zh-CN" altLang="en-US" dirty="0">
+                <a:solidFill>
+                  <a:schemeClr val="bg1"/>
+                </a:solidFill>
+              </a:rPr>
+              <a:t>：显示生命周期比较有趣或复杂的对象的各种状态。</a:t>
+            </a:r>
+          </a:p>
+          <a:p>
+            <a:r>
+              <a:rPr lang="en-US" altLang="zh-CN" dirty="0" smtClean="0">
+                <a:solidFill>
+                  <a:schemeClr val="bg1"/>
+                </a:solidFill>
+              </a:rPr>
+              <a:t>6</a:t>
+            </a:r>
+            <a:r>
+              <a:rPr lang="en-US" altLang="zh-CN" dirty="0">
+                <a:solidFill>
+                  <a:schemeClr val="bg1"/>
+                </a:solidFill>
+              </a:rPr>
+              <a:t>.</a:t>
+            </a:r>
+            <a:r>
+              <a:rPr lang="zh-CN" altLang="en-US" b="1" dirty="0" smtClean="0">
+                <a:solidFill>
+                  <a:schemeClr val="bg1"/>
+                </a:solidFill>
+              </a:rPr>
+              <a:t>通信</a:t>
+            </a:r>
+            <a:r>
+              <a:rPr lang="zh-CN" altLang="en-US" b="1" dirty="0">
+                <a:solidFill>
+                  <a:schemeClr val="bg1"/>
+                </a:solidFill>
+              </a:rPr>
+              <a:t>图：</a:t>
+            </a:r>
+            <a:r>
+              <a:rPr lang="zh-CN" altLang="en-US" dirty="0">
+                <a:solidFill>
+                  <a:schemeClr val="bg1"/>
+                </a:solidFill>
+              </a:rPr>
+              <a:t>显示在某种情形下对象之间发送的消息。</a:t>
+            </a:r>
+          </a:p>
+          <a:p>
+            <a:r>
+              <a:rPr lang="en-US" altLang="zh-CN" dirty="0" smtClean="0">
+                <a:solidFill>
+                  <a:schemeClr val="bg1"/>
+                </a:solidFill>
+              </a:rPr>
+              <a:t>7</a:t>
+            </a:r>
+            <a:r>
+              <a:rPr lang="en-US" altLang="zh-CN" dirty="0">
+                <a:solidFill>
+                  <a:schemeClr val="bg1"/>
+                </a:solidFill>
+              </a:rPr>
+              <a:t>.</a:t>
+            </a:r>
+            <a:r>
+              <a:rPr lang="zh-CN" altLang="en-US" b="1" dirty="0" smtClean="0">
+                <a:solidFill>
+                  <a:schemeClr val="bg1"/>
+                </a:solidFill>
+              </a:rPr>
+              <a:t>顺序</a:t>
+            </a:r>
+            <a:r>
+              <a:rPr lang="zh-CN" altLang="en-US" b="1" dirty="0">
+                <a:solidFill>
+                  <a:schemeClr val="bg1"/>
+                </a:solidFill>
+              </a:rPr>
+              <a:t>图：</a:t>
+            </a:r>
+            <a:r>
+              <a:rPr lang="zh-CN" altLang="en-US" dirty="0">
+                <a:solidFill>
+                  <a:schemeClr val="bg1"/>
+                </a:solidFill>
+              </a:rPr>
+              <a:t>显示与通信图类以的信息，但强调的是顺序，而不是连接。</a:t>
+            </a:r>
+          </a:p>
+          <a:p>
+            <a:r>
+              <a:rPr lang="en-US" altLang="zh-CN" dirty="0" smtClean="0">
+                <a:solidFill>
+                  <a:schemeClr val="bg1"/>
+                </a:solidFill>
+              </a:rPr>
+              <a:t>8</a:t>
+            </a:r>
+            <a:r>
+              <a:rPr lang="en-US" altLang="zh-CN" dirty="0">
+                <a:solidFill>
+                  <a:schemeClr val="bg1"/>
+                </a:solidFill>
+              </a:rPr>
+              <a:t>.</a:t>
+            </a:r>
+            <a:r>
+              <a:rPr lang="zh-CN" altLang="en-US" b="1" dirty="0" smtClean="0">
+                <a:solidFill>
+                  <a:schemeClr val="bg1"/>
+                </a:solidFill>
+              </a:rPr>
+              <a:t>包图</a:t>
+            </a:r>
+            <a:r>
+              <a:rPr lang="zh-CN" altLang="en-US" b="1" dirty="0">
+                <a:solidFill>
+                  <a:schemeClr val="bg1"/>
+                </a:solidFill>
+              </a:rPr>
+              <a:t>：</a:t>
+            </a:r>
+            <a:r>
+              <a:rPr lang="zh-CN" altLang="en-US" dirty="0">
+                <a:solidFill>
+                  <a:schemeClr val="bg1"/>
+                </a:solidFill>
+              </a:rPr>
+              <a:t>显示相关的类如何组合，对开发人员有用。</a:t>
+            </a:r>
+          </a:p>
+          <a:p>
+            <a:r>
+              <a:rPr lang="en-US" altLang="zh-CN" dirty="0" smtClean="0">
+                <a:solidFill>
+                  <a:schemeClr val="bg1"/>
+                </a:solidFill>
+              </a:rPr>
+              <a:t>9</a:t>
+            </a:r>
+            <a:r>
+              <a:rPr lang="en-US" altLang="zh-CN" dirty="0">
+                <a:solidFill>
+                  <a:schemeClr val="bg1"/>
+                </a:solidFill>
+              </a:rPr>
+              <a:t>.</a:t>
+            </a:r>
+            <a:r>
+              <a:rPr lang="zh-CN" altLang="en-US" b="1" dirty="0" smtClean="0">
+                <a:solidFill>
+                  <a:schemeClr val="bg1"/>
+                </a:solidFill>
+              </a:rPr>
+              <a:t>部署</a:t>
+            </a:r>
+            <a:r>
+              <a:rPr lang="zh-CN" altLang="en-US" b="1" dirty="0">
+                <a:solidFill>
+                  <a:schemeClr val="bg1"/>
+                </a:solidFill>
+              </a:rPr>
+              <a:t>图：</a:t>
+            </a:r>
+            <a:r>
+              <a:rPr lang="zh-CN" altLang="en-US" dirty="0">
+                <a:solidFill>
+                  <a:schemeClr val="bg1"/>
+                </a:solidFill>
+              </a:rPr>
+              <a:t>显示安装已完成系统的机器、过程和部署制品。</a:t>
+            </a:r>
+          </a:p>
+          <a:p>
+            <a:r>
+              <a:rPr lang="en-US" altLang="zh-CN" dirty="0" smtClean="0">
+                <a:solidFill>
+                  <a:schemeClr val="bg1"/>
+                </a:solidFill>
+              </a:rPr>
+              <a:t>10</a:t>
+            </a:r>
+            <a:r>
+              <a:rPr lang="en-US" altLang="zh-CN" dirty="0">
+                <a:solidFill>
+                  <a:schemeClr val="bg1"/>
+                </a:solidFill>
+              </a:rPr>
+              <a:t>.</a:t>
+            </a:r>
+            <a:r>
+              <a:rPr lang="zh-CN" altLang="en-US" b="1" dirty="0" smtClean="0">
+                <a:solidFill>
+                  <a:schemeClr val="bg1"/>
+                </a:solidFill>
+              </a:rPr>
+              <a:t>组件图：</a:t>
+            </a:r>
+            <a:r>
+              <a:rPr lang="zh-CN" altLang="en-US" dirty="0" smtClean="0">
+                <a:solidFill>
+                  <a:schemeClr val="bg1"/>
+                </a:solidFill>
+              </a:rPr>
+              <a:t>显示</a:t>
+            </a:r>
+            <a:r>
+              <a:rPr lang="zh-CN" altLang="en-US" dirty="0">
+                <a:solidFill>
+                  <a:schemeClr val="bg1"/>
+                </a:solidFill>
+              </a:rPr>
+              <a:t>可重用的组件（对象或子系统）及期接口。</a:t>
+            </a:r>
+          </a:p>
+          <a:p>
+            <a:r>
+              <a:rPr lang="en-US" altLang="zh-CN" dirty="0" smtClean="0">
+                <a:solidFill>
+                  <a:schemeClr val="bg1"/>
+                </a:solidFill>
+              </a:rPr>
+              <a:t>11</a:t>
+            </a:r>
+            <a:r>
+              <a:rPr lang="en-US" altLang="zh-CN" dirty="0">
+                <a:solidFill>
+                  <a:schemeClr val="bg1"/>
+                </a:solidFill>
+              </a:rPr>
+              <a:t>.</a:t>
+            </a:r>
+            <a:r>
+              <a:rPr lang="zh-CN" altLang="en-US" b="1" dirty="0" smtClean="0">
+                <a:solidFill>
+                  <a:schemeClr val="bg1"/>
+                </a:solidFill>
+              </a:rPr>
+              <a:t>交互</a:t>
+            </a:r>
+            <a:r>
+              <a:rPr lang="zh-CN" altLang="en-US" b="1" dirty="0">
+                <a:solidFill>
+                  <a:schemeClr val="bg1"/>
+                </a:solidFill>
+              </a:rPr>
+              <a:t>总图：</a:t>
+            </a:r>
+            <a:r>
+              <a:rPr lang="zh-CN" altLang="en-US" dirty="0">
+                <a:solidFill>
+                  <a:schemeClr val="bg1"/>
+                </a:solidFill>
+              </a:rPr>
+              <a:t>使用顺序图喧赤活动的务个步骤。</a:t>
+            </a:r>
+          </a:p>
+          <a:p>
+            <a:r>
+              <a:rPr lang="en-US" altLang="zh-CN" dirty="0" smtClean="0">
+                <a:solidFill>
+                  <a:schemeClr val="bg1"/>
+                </a:solidFill>
+              </a:rPr>
+              <a:t>12</a:t>
+            </a:r>
+            <a:r>
+              <a:rPr lang="en-US" altLang="zh-CN" dirty="0">
+                <a:solidFill>
+                  <a:schemeClr val="bg1"/>
+                </a:solidFill>
+              </a:rPr>
+              <a:t>.</a:t>
+            </a:r>
+            <a:r>
+              <a:rPr lang="zh-CN" altLang="en-US" b="1" dirty="0" smtClean="0">
+                <a:solidFill>
+                  <a:schemeClr val="bg1"/>
+                </a:solidFill>
+              </a:rPr>
+              <a:t>时间</a:t>
+            </a:r>
+            <a:r>
+              <a:rPr lang="zh-CN" altLang="en-US" b="1" dirty="0">
+                <a:solidFill>
+                  <a:schemeClr val="bg1"/>
+                </a:solidFill>
+              </a:rPr>
+              <a:t>图：</a:t>
+            </a:r>
+            <a:r>
+              <a:rPr lang="zh-CN" altLang="en-US" dirty="0">
+                <a:solidFill>
+                  <a:schemeClr val="bg1"/>
+                </a:solidFill>
+              </a:rPr>
+              <a:t>显示消息和对象状态的准确时间限制。</a:t>
+            </a:r>
+          </a:p>
+          <a:p>
+            <a:r>
+              <a:rPr lang="en-US" altLang="zh-CN" dirty="0" smtClean="0">
+                <a:solidFill>
+                  <a:schemeClr val="bg1"/>
+                </a:solidFill>
+              </a:rPr>
+              <a:t>13</a:t>
+            </a:r>
+            <a:r>
+              <a:rPr lang="en-US" altLang="zh-CN" dirty="0">
+                <a:solidFill>
+                  <a:schemeClr val="bg1"/>
+                </a:solidFill>
+              </a:rPr>
+              <a:t>.</a:t>
+            </a:r>
+            <a:r>
+              <a:rPr lang="zh-CN" altLang="en-US" b="1" dirty="0" smtClean="0">
+                <a:solidFill>
+                  <a:schemeClr val="bg1"/>
+                </a:solidFill>
+              </a:rPr>
+              <a:t>复合</a:t>
+            </a:r>
+            <a:r>
+              <a:rPr lang="zh-CN" altLang="en-US" b="1" dirty="0">
+                <a:solidFill>
+                  <a:schemeClr val="bg1"/>
+                </a:solidFill>
+              </a:rPr>
+              <a:t>结构图：</a:t>
+            </a:r>
+            <a:r>
+              <a:rPr lang="zh-CN" altLang="en-US" dirty="0">
+                <a:solidFill>
+                  <a:schemeClr val="bg1"/>
+                </a:solidFill>
+              </a:rPr>
+              <a:t>显示对象在聚合或复合中的相互关系，显示接口和协作的对象</a:t>
+            </a:r>
+          </a:p>
+          <a:p>
+            <a:endParaRPr lang="zh-CN" altLang="en-US" dirty="0"/>
+          </a:p>
+        </p:txBody>
+      </p:sp>
+    </p:spTree>
+    <p:extLst>
+      <p:ext uri="{BB962C8B-B14F-4D97-AF65-F5344CB8AC3E}">
+        <p14:creationId xmlns:p14="http://schemas.microsoft.com/office/powerpoint/2010/main" val="2653369605"/>
+      </p:ext>
+    </p:extLst>
+  </p:cSld>
+  <p:clrMapOvr>
+    <a:masterClrMapping/>
+  </p:clrMapOvr>
+  <p:timing>
+    <p:tnLst>
+      <p:par>
+        <p:cTn id="1" dur="indefinite" restart="never" nodeType="tmRoot"/>
+      </p:par>
+    </p:tnLst>
+  </p:timing>
+</p:sld>
+</file>
+
+<file path=ppt/slides/slide14.xml><?xml version="1.0" encoding="utf-8"?>
+<p:sld xmlns:a="http://schemas.openxmlformats.org/drawingml/2006/main" xmlns:r="http://schemas.openxmlformats.org/officeDocument/2006/relationships" xmlns:p="http://schemas.openxmlformats.org/presentationml/2006/main">
+  <p:cSld>
+    <p:spTree>
+      <p:nvGrpSpPr>
+        <p:cNvPr id="1" name=""/>
+        <p:cNvGrpSpPr/>
+        <p:nvPr/>
+      </p:nvGrpSpPr>
+      <p:grpSpPr>
+        <a:xfrm>
+          <a:off x="0" y="0"/>
+          <a:ext cx="0" cy="0"/>
+          <a:chOff x="0" y="0"/>
+          <a:chExt cx="0" cy="0"/>
+        </a:xfrm>
+      </p:grpSpPr>
+      <p:sp>
+        <p:nvSpPr>
+          <p:cNvPr id="2" name="矩形 1"/>
+          <p:cNvSpPr/>
+          <p:nvPr/>
+        </p:nvSpPr>
+        <p:spPr>
+          <a:xfrm>
+            <a:off x="1617663" y="4819070"/>
+            <a:ext cx="8593455" cy="1543050"/>
+          </a:xfrm>
+          <a:prstGeom prst="rect">
+            <a:avLst/>
+          </a:prstGeom>
+          <a:noFill/>
+          <a:ln w="12700" cap="flat" cmpd="sng">
+            <a:solidFill>
+              <a:srgbClr val="FFC000"/>
+            </a:solidFill>
+            <a:prstDash val="solid"/>
+            <a:miter/>
+            <a:headEnd type="none" w="med" len="med"/>
+            <a:tailEnd type="none" w="med" len="med"/>
+          </a:ln>
+        </p:spPr>
+        <p:txBody>
+          <a:bodyPr anchor="ctr"/>
+          <a:lstStyle/>
+          <a:p>
+            <a:pPr eaLnBrk="1" hangingPunct="1">
+              <a:lnSpc>
+                <a:spcPct val="120000"/>
+              </a:lnSpc>
+            </a:pPr>
+            <a:r>
+              <a:rPr lang="en-US" altLang="zh-CN" sz="2400" dirty="0">
+                <a:solidFill>
+                  <a:schemeClr val="bg1"/>
+                </a:solidFill>
+              </a:rPr>
+              <a:t>UML</a:t>
+            </a:r>
+            <a:r>
+              <a:rPr lang="zh-CN" altLang="en-US" sz="2400" dirty="0">
+                <a:solidFill>
+                  <a:schemeClr val="bg1"/>
+                </a:solidFill>
+              </a:rPr>
+              <a:t>静态图主要包括用例图，类图，组件图，对象图，部署图，而</a:t>
+            </a:r>
+            <a:r>
+              <a:rPr lang="en-US" altLang="zh-CN" sz="2400" dirty="0">
+                <a:solidFill>
+                  <a:schemeClr val="bg1"/>
+                </a:solidFill>
+              </a:rPr>
+              <a:t>UML</a:t>
+            </a:r>
+            <a:r>
+              <a:rPr lang="zh-CN" altLang="en-US" sz="2400" dirty="0">
+                <a:solidFill>
+                  <a:schemeClr val="bg1"/>
+                </a:solidFill>
+              </a:rPr>
+              <a:t>动态图包括活动图，状态图，时序图，协作图。</a:t>
+            </a:r>
+            <a:endParaRPr lang="zh-CN" altLang="en-US" sz="2400" dirty="0">
+              <a:solidFill>
+                <a:schemeClr val="bg1"/>
+              </a:solidFill>
+            </a:endParaRPr>
+          </a:p>
+        </p:txBody>
+      </p:sp>
+      <p:sp>
+        <p:nvSpPr>
+          <p:cNvPr id="3" name="文本框 2"/>
+          <p:cNvSpPr txBox="1"/>
+          <p:nvPr/>
+        </p:nvSpPr>
+        <p:spPr>
+          <a:xfrm>
+            <a:off x="1617663" y="4214399"/>
+            <a:ext cx="8593455" cy="523220"/>
+          </a:xfrm>
+          <a:prstGeom prst="rect">
+            <a:avLst/>
+          </a:prstGeom>
+          <a:noFill/>
+        </p:spPr>
+        <p:txBody>
+          <a:bodyPr wrap="square" rtlCol="0">
+            <a:spAutoFit/>
+          </a:bodyPr>
+          <a:lstStyle/>
+          <a:p>
+            <a:r>
+              <a:rPr lang="zh-CN" altLang="en-US" sz="2800" b="1" dirty="0" smtClean="0">
+                <a:solidFill>
+                  <a:srgbClr val="FFC000"/>
+                </a:solidFill>
+              </a:rPr>
+              <a:t>Q</a:t>
+            </a:r>
+            <a:r>
+              <a:rPr lang="en-US" altLang="zh-CN" sz="2800" b="1" dirty="0">
+                <a:solidFill>
+                  <a:srgbClr val="FFC000"/>
+                </a:solidFill>
+              </a:rPr>
+              <a:t>5</a:t>
+            </a:r>
+            <a:r>
+              <a:rPr lang="zh-CN" altLang="en-US" sz="2400" b="1" dirty="0" smtClean="0">
+                <a:solidFill>
+                  <a:srgbClr val="FFFFFF"/>
+                </a:solidFill>
+              </a:rPr>
+              <a:t>：</a:t>
+            </a:r>
+            <a:r>
+              <a:rPr lang="en-US" altLang="zh-CN" sz="2400" dirty="0" smtClean="0">
+                <a:solidFill>
+                  <a:srgbClr val="FFFFFF"/>
+                </a:solidFill>
+              </a:rPr>
+              <a:t> </a:t>
+            </a:r>
+            <a:r>
+              <a:rPr lang="zh-CN" altLang="en-US" sz="2400" dirty="0" smtClean="0">
+                <a:solidFill>
+                  <a:srgbClr val="FFFFFF"/>
+                </a:solidFill>
+              </a:rPr>
+              <a:t>哪些是静态图，哪些是动态图？</a:t>
+            </a:r>
+            <a:endParaRPr lang="zh-CN" altLang="en-US" sz="2800" b="1" dirty="0">
+              <a:solidFill>
+                <a:srgbClr val="FFC000"/>
+              </a:solidFill>
+              <a:sym typeface="+mn-ea"/>
+            </a:endParaRPr>
+          </a:p>
+        </p:txBody>
+      </p:sp>
+      <p:cxnSp>
+        <p:nvCxnSpPr>
+          <p:cNvPr id="4" name="直接连接符 16"/>
+          <p:cNvCxnSpPr/>
+          <p:nvPr/>
+        </p:nvCxnSpPr>
+        <p:spPr>
+          <a:xfrm>
+            <a:off x="1617663" y="1922463"/>
+            <a:ext cx="3384550" cy="0"/>
+          </a:xfrm>
+          <a:prstGeom prst="line">
+            <a:avLst/>
+          </a:prstGeom>
+          <a:ln w="12700" cap="flat" cmpd="sng">
+            <a:solidFill>
+              <a:srgbClr val="FFC000"/>
+            </a:solidFill>
+            <a:prstDash val="solid"/>
+            <a:headEnd type="none" w="med" len="med"/>
+            <a:tailEnd type="none" w="med" len="med"/>
+          </a:ln>
+        </p:spPr>
+      </p:cxnSp>
+      <p:sp>
+        <p:nvSpPr>
+          <p:cNvPr id="5" name="文本框 17"/>
+          <p:cNvSpPr txBox="1"/>
+          <p:nvPr/>
+        </p:nvSpPr>
+        <p:spPr>
+          <a:xfrm>
+            <a:off x="1496060" y="1201420"/>
+            <a:ext cx="1397000" cy="645160"/>
+          </a:xfrm>
+          <a:prstGeom prst="rect">
+            <a:avLst/>
+          </a:prstGeom>
+          <a:noFill/>
+          <a:ln w="9525">
+            <a:noFill/>
+          </a:ln>
+        </p:spPr>
+        <p:txBody>
+          <a:bodyPr wrap="square">
+            <a:spAutoFit/>
+          </a:bodyPr>
+          <a:lstStyle>
+            <a:lvl1pPr marL="228600" lvl="0" indent="-228600" algn="l" defTabSz="914400" eaLnBrk="0" fontAlgn="base" latinLnBrk="0" hangingPunct="0">
+              <a:lnSpc>
+                <a:spcPct val="90000"/>
+              </a:lnSpc>
+              <a:spcBef>
+                <a:spcPts val="1000"/>
+              </a:spcBef>
+              <a:spcAft>
+                <a:spcPct val="0"/>
+              </a:spcAft>
+              <a:buFont typeface="Arial" panose="020B0604020202020204" pitchFamily="34" charset="0"/>
+              <a:buChar char="•"/>
+              <a:defRPr sz="2800" u="none" kern="1200" baseline="0">
+                <a:solidFill>
+                  <a:schemeClr val="tx1"/>
+                </a:solidFill>
+                <a:latin typeface="Calibri" panose="020F0502020204030204" pitchFamily="2" charset="0"/>
+                <a:ea typeface="宋体" panose="02010600030101010101" pitchFamily="2" charset="-122"/>
+              </a:defRPr>
+            </a:lvl1pPr>
+            <a:lvl2pPr marL="685800" lvl="1" indent="-228600" algn="l" defTabSz="914400" eaLnBrk="0" fontAlgn="base" latinLnBrk="0" hangingPunct="0">
+              <a:lnSpc>
+                <a:spcPct val="90000"/>
+              </a:lnSpc>
+              <a:spcBef>
+                <a:spcPts val="500"/>
+              </a:spcBef>
+              <a:spcAft>
+                <a:spcPct val="0"/>
+              </a:spcAft>
+              <a:buFont typeface="Arial" panose="020B0604020202020204" pitchFamily="34" charset="0"/>
+              <a:buChar char="•"/>
+              <a:defRPr sz="2400" u="none" kern="1200" baseline="0">
+                <a:solidFill>
+                  <a:schemeClr val="tx1"/>
+                </a:solidFill>
+                <a:latin typeface="Calibri" panose="020F0502020204030204" pitchFamily="2" charset="0"/>
+                <a:ea typeface="宋体" panose="02010600030101010101" pitchFamily="2" charset="-122"/>
+              </a:defRPr>
+            </a:lvl2pPr>
+            <a:lvl3pPr marL="1143000" lvl="2" indent="-228600" algn="l" defTabSz="914400" eaLnBrk="0" fontAlgn="base" latinLnBrk="0" hangingPunct="0">
+              <a:lnSpc>
+                <a:spcPct val="90000"/>
+              </a:lnSpc>
+              <a:spcBef>
+                <a:spcPts val="500"/>
+              </a:spcBef>
+              <a:spcAft>
+                <a:spcPct val="0"/>
+              </a:spcAft>
+              <a:buFont typeface="Arial" panose="020B0604020202020204" pitchFamily="34" charset="0"/>
+              <a:buChar char="•"/>
+              <a:defRPr sz="2000" u="none" kern="1200" baseline="0">
+                <a:solidFill>
+                  <a:schemeClr val="tx1"/>
+                </a:solidFill>
+                <a:latin typeface="Calibri" panose="020F0502020204030204" pitchFamily="2" charset="0"/>
+                <a:ea typeface="宋体" panose="02010600030101010101" pitchFamily="2" charset="-122"/>
+              </a:defRPr>
+            </a:lvl3pPr>
+            <a:lvl4pPr marL="1600200" lvl="3" indent="-228600" algn="l" defTabSz="914400" eaLnBrk="0" fontAlgn="base" latinLnBrk="0" hangingPunct="0">
+              <a:lnSpc>
+                <a:spcPct val="90000"/>
+              </a:lnSpc>
+              <a:spcBef>
+                <a:spcPts val="500"/>
+              </a:spcBef>
+              <a:spcAft>
+                <a:spcPct val="0"/>
+              </a:spcAft>
+              <a:buFont typeface="Arial" panose="020B0604020202020204" pitchFamily="34" charset="0"/>
+              <a:buChar char="•"/>
+              <a:defRPr sz="1800" u="none" kern="1200" baseline="0">
+                <a:solidFill>
+                  <a:schemeClr val="tx1"/>
+                </a:solidFill>
+                <a:latin typeface="Calibri" panose="020F0502020204030204" pitchFamily="2" charset="0"/>
+                <a:ea typeface="宋体" panose="02010600030101010101" pitchFamily="2" charset="-122"/>
+              </a:defRPr>
+            </a:lvl4pPr>
+            <a:lvl5pPr marL="2057400" lvl="4" indent="-228600" algn="l" defTabSz="914400" eaLnBrk="0" fontAlgn="base" latinLnBrk="0" hangingPunct="0">
+              <a:lnSpc>
+                <a:spcPct val="90000"/>
+              </a:lnSpc>
+              <a:spcBef>
+                <a:spcPts val="500"/>
+              </a:spcBef>
+              <a:spcAft>
+                <a:spcPct val="0"/>
+              </a:spcAft>
+              <a:buFont typeface="Arial" panose="020B0604020202020204" pitchFamily="34" charset="0"/>
+              <a:buChar char="•"/>
+              <a:defRPr sz="1800" u="none" kern="1200" baseline="0">
+                <a:solidFill>
+                  <a:schemeClr val="tx1"/>
+                </a:solidFill>
+                <a:latin typeface="Calibri" panose="020F0502020204030204" pitchFamily="2" charset="0"/>
+                <a:ea typeface="宋体" panose="02010600030101010101" pitchFamily="2" charset="-122"/>
+              </a:defRPr>
+            </a:lvl5pPr>
+          </a:lstStyle>
+          <a:p>
+            <a:pPr marL="0" lvl="0" indent="0" algn="ctr" eaLnBrk="1" hangingPunct="1">
+              <a:lnSpc>
+                <a:spcPct val="100000"/>
+              </a:lnSpc>
+              <a:spcBef>
+                <a:spcPct val="0"/>
+              </a:spcBef>
+              <a:buNone/>
+            </a:pPr>
+            <a:r>
+              <a:rPr lang="zh-CN" sz="3600" dirty="0">
+                <a:solidFill>
+                  <a:schemeClr val="bg1"/>
+                </a:solidFill>
+              </a:rPr>
+              <a:t>图</a:t>
+            </a:r>
+          </a:p>
+        </p:txBody>
+      </p:sp>
+      <p:sp>
+        <p:nvSpPr>
+          <p:cNvPr id="6" name="矩形 5"/>
+          <p:cNvSpPr/>
+          <p:nvPr/>
+        </p:nvSpPr>
+        <p:spPr>
+          <a:xfrm>
+            <a:off x="1617663" y="2534647"/>
+            <a:ext cx="8593455" cy="1543050"/>
+          </a:xfrm>
+          <a:prstGeom prst="rect">
+            <a:avLst/>
+          </a:prstGeom>
+          <a:noFill/>
+          <a:ln w="12700" cap="flat" cmpd="sng">
+            <a:solidFill>
+              <a:srgbClr val="FFC000"/>
+            </a:solidFill>
+            <a:prstDash val="solid"/>
+            <a:miter/>
+            <a:headEnd type="none" w="med" len="med"/>
+            <a:tailEnd type="none" w="med" len="med"/>
+          </a:ln>
+        </p:spPr>
+        <p:txBody>
+          <a:bodyPr anchor="ctr"/>
+          <a:lstStyle/>
+          <a:p>
+            <a:pPr eaLnBrk="1" hangingPunct="1">
+              <a:lnSpc>
+                <a:spcPct val="120000"/>
+              </a:lnSpc>
+            </a:pPr>
+            <a:r>
+              <a:rPr lang="zh-CN" altLang="en-US" sz="2400" dirty="0" smtClean="0">
+                <a:solidFill>
+                  <a:schemeClr val="bg1"/>
+                </a:solidFill>
+              </a:rPr>
+              <a:t>静态图描述</a:t>
+            </a:r>
+            <a:r>
+              <a:rPr lang="zh-CN" altLang="en-US" sz="2400" dirty="0">
+                <a:solidFill>
+                  <a:schemeClr val="bg1"/>
+                </a:solidFill>
+              </a:rPr>
+              <a:t>的是一个静态的事物（系统需要实现什么功能以及各功能之间的关系</a:t>
+            </a:r>
+            <a:r>
+              <a:rPr lang="zh-CN" altLang="en-US" sz="2400" dirty="0" smtClean="0">
+                <a:solidFill>
+                  <a:schemeClr val="bg1"/>
+                </a:solidFill>
+              </a:rPr>
+              <a:t>）</a:t>
+            </a:r>
+            <a:endParaRPr lang="en-US" altLang="zh-CN" sz="2400" dirty="0" smtClean="0">
+              <a:solidFill>
+                <a:schemeClr val="bg1"/>
+              </a:solidFill>
+            </a:endParaRPr>
+          </a:p>
+          <a:p>
+            <a:pPr eaLnBrk="1" hangingPunct="1">
+              <a:lnSpc>
+                <a:spcPct val="120000"/>
+              </a:lnSpc>
+            </a:pPr>
+            <a:r>
+              <a:rPr lang="zh-CN" altLang="en-US" sz="2400" dirty="0" smtClean="0">
+                <a:solidFill>
+                  <a:schemeClr val="bg1"/>
+                </a:solidFill>
+              </a:rPr>
+              <a:t>动态图</a:t>
+            </a:r>
+            <a:r>
+              <a:rPr lang="zh-CN" altLang="en-US" sz="2400" dirty="0">
+                <a:solidFill>
+                  <a:schemeClr val="bg1"/>
+                </a:solidFill>
+              </a:rPr>
+              <a:t>描述系统的动态行为</a:t>
+            </a:r>
+            <a:endParaRPr lang="zh-CN" altLang="en-US" sz="2400" dirty="0">
+              <a:solidFill>
+                <a:schemeClr val="bg1"/>
+              </a:solidFill>
+            </a:endParaRPr>
+          </a:p>
+        </p:txBody>
+      </p:sp>
+      <p:sp>
+        <p:nvSpPr>
+          <p:cNvPr id="7" name="文本框 6"/>
+          <p:cNvSpPr txBox="1"/>
+          <p:nvPr/>
+        </p:nvSpPr>
+        <p:spPr>
+          <a:xfrm>
+            <a:off x="1617663" y="1964783"/>
+            <a:ext cx="8593455" cy="523220"/>
+          </a:xfrm>
+          <a:prstGeom prst="rect">
+            <a:avLst/>
+          </a:prstGeom>
+          <a:noFill/>
+        </p:spPr>
+        <p:txBody>
+          <a:bodyPr wrap="square" rtlCol="0">
+            <a:spAutoFit/>
+          </a:bodyPr>
+          <a:lstStyle/>
+          <a:p>
+            <a:r>
+              <a:rPr lang="zh-CN" altLang="en-US" sz="2800" b="1" dirty="0" smtClean="0">
+                <a:solidFill>
+                  <a:srgbClr val="FFC000"/>
+                </a:solidFill>
+              </a:rPr>
+              <a:t>Q</a:t>
+            </a:r>
+            <a:r>
+              <a:rPr lang="en-US" altLang="zh-CN" sz="2800" b="1" dirty="0">
+                <a:solidFill>
+                  <a:srgbClr val="FFC000"/>
+                </a:solidFill>
+              </a:rPr>
+              <a:t>4</a:t>
+            </a:r>
+            <a:r>
+              <a:rPr lang="zh-CN" altLang="en-US" sz="2400" b="1" dirty="0" smtClean="0">
+                <a:solidFill>
+                  <a:srgbClr val="FFFFFF"/>
+                </a:solidFill>
+              </a:rPr>
+              <a:t>：</a:t>
+            </a:r>
+            <a:r>
+              <a:rPr lang="en-US" altLang="zh-CN" sz="2400" dirty="0" smtClean="0">
+                <a:solidFill>
+                  <a:srgbClr val="FFFFFF"/>
+                </a:solidFill>
+              </a:rPr>
+              <a:t> </a:t>
+            </a:r>
+            <a:r>
+              <a:rPr lang="zh-CN" altLang="en-US" sz="2400" dirty="0" smtClean="0">
+                <a:solidFill>
+                  <a:srgbClr val="FFFFFF"/>
+                </a:solidFill>
+              </a:rPr>
+              <a:t>静态图、动态图？</a:t>
+            </a:r>
+            <a:endParaRPr lang="zh-CN" altLang="en-US" sz="2800" b="1" dirty="0">
+              <a:solidFill>
+                <a:srgbClr val="FFC000"/>
+              </a:solidFill>
+              <a:sym typeface="+mn-ea"/>
+            </a:endParaRPr>
+          </a:p>
+        </p:txBody>
+      </p:sp>
+    </p:spTree>
+    <p:extLst>
+      <p:ext uri="{BB962C8B-B14F-4D97-AF65-F5344CB8AC3E}">
+        <p14:creationId xmlns:p14="http://schemas.microsoft.com/office/powerpoint/2010/main" val="1030430419"/>
+      </p:ext>
+    </p:extLst>
+  </p:cSld>
+  <p:clrMapOvr>
+    <a:masterClrMapping/>
+  </p:clrMapOvr>
+  <p:timing>
+    <p:tnLst>
+      <p:par>
+        <p:cTn id="1" dur="indefinite" restart="never" nodeType="tmRoot">
+          <p:childTnLst>
+            <p:seq concurrent="1" nextAc="seek">
+              <p:cTn id="2" dur="indefinite" nodeType="mainSeq">
+                <p:childTnLst>
+                  <p:par>
+                    <p:cTn id="3" fill="hold">
+                      <p:stCondLst>
+                        <p:cond delay="indefinite"/>
+                      </p:stCondLst>
+                      <p:childTnLst>
+                        <p:par>
+                          <p:cTn id="4" fill="hold">
+                            <p:stCondLst>
+                              <p:cond delay="0"/>
+                            </p:stCondLst>
+                            <p:childTnLst>
+                              <p:par>
+                                <p:cTn id="5" presetID="2" presetClass="entr" presetSubtype="4" fill="hold" grpId="0" nodeType="clickEffect">
+                                  <p:stCondLst>
+                                    <p:cond delay="0"/>
+                                  </p:stCondLst>
+                                  <p:childTnLst>
+                                    <p:set>
+                                      <p:cBhvr>
+                                        <p:cTn id="6" dur="1" fill="hold">
+                                          <p:stCondLst>
+                                            <p:cond delay="0"/>
+                                          </p:stCondLst>
+                                        </p:cTn>
+                                        <p:tgtEl>
+                                          <p:spTgt spid="6"/>
+                                        </p:tgtEl>
+                                        <p:attrNameLst>
+                                          <p:attrName>style.visibility</p:attrName>
+                                        </p:attrNameLst>
+                                      </p:cBhvr>
+                                      <p:to>
+                                        <p:strVal val="visible"/>
+                                      </p:to>
+                                    </p:set>
+                                    <p:anim calcmode="lin" valueType="num">
+                                      <p:cBhvr additive="base">
+                                        <p:cTn id="7" dur="500" fill="hold"/>
+                                        <p:tgtEl>
+                                          <p:spTgt spid="6"/>
+                                        </p:tgtEl>
+                                        <p:attrNameLst>
+                                          <p:attrName>ppt_x</p:attrName>
+                                        </p:attrNameLst>
+                                      </p:cBhvr>
+                                      <p:tavLst>
+                                        <p:tav tm="0">
+                                          <p:val>
+                                            <p:strVal val="#ppt_x"/>
+                                          </p:val>
+                                        </p:tav>
+                                        <p:tav tm="100000">
+                                          <p:val>
+                                            <p:strVal val="#ppt_x"/>
+                                          </p:val>
+                                        </p:tav>
+                                      </p:tavLst>
+                                    </p:anim>
+                                    <p:anim calcmode="lin" valueType="num">
+                                      <p:cBhvr additive="base">
+                                        <p:cTn id="8" dur="500" fill="hold"/>
+                                        <p:tgtEl>
+                                          <p:spTgt spid="6"/>
+                                        </p:tgtEl>
+                                        <p:attrNameLst>
+                                          <p:attrName>ppt_y</p:attrName>
+                                        </p:attrNameLst>
+                                      </p:cBhvr>
+                                      <p:tavLst>
+                                        <p:tav tm="0">
+                                          <p:val>
+                                            <p:strVal val="1+#ppt_h/2"/>
+                                          </p:val>
+                                        </p:tav>
+                                        <p:tav tm="100000">
+                                          <p:val>
+                                            <p:strVal val="#ppt_y"/>
+                                          </p:val>
+                                        </p:tav>
+                                      </p:tavLst>
+                                    </p:anim>
+                                  </p:childTnLst>
+                                </p:cTn>
+                              </p:par>
+                            </p:childTnLst>
+                          </p:cTn>
+                        </p:par>
+                      </p:childTnLst>
+                    </p:cTn>
+                  </p:par>
+                  <p:par>
+                    <p:cTn id="9" fill="hold">
+                      <p:stCondLst>
+                        <p:cond delay="indefinite"/>
+                      </p:stCondLst>
+                      <p:childTnLst>
+                        <p:par>
+                          <p:cTn id="10" fill="hold">
+                            <p:stCondLst>
+                              <p:cond delay="0"/>
+                            </p:stCondLst>
+                            <p:childTnLst>
+                              <p:par>
+                                <p:cTn id="11" presetID="2" presetClass="entr" presetSubtype="4" fill="hold" grpId="0" nodeType="clickEffect">
+                                  <p:stCondLst>
+                                    <p:cond delay="0"/>
+                                  </p:stCondLst>
+                                  <p:childTnLst>
+                                    <p:set>
+                                      <p:cBhvr>
+                                        <p:cTn id="12" dur="1" fill="hold">
+                                          <p:stCondLst>
+                                            <p:cond delay="0"/>
+                                          </p:stCondLst>
+                                        </p:cTn>
+                                        <p:tgtEl>
+                                          <p:spTgt spid="2"/>
+                                        </p:tgtEl>
+                                        <p:attrNameLst>
+                                          <p:attrName>style.visibility</p:attrName>
+                                        </p:attrNameLst>
+                                      </p:cBhvr>
+                                      <p:to>
+                                        <p:strVal val="visible"/>
+                                      </p:to>
+                                    </p:set>
+                                    <p:anim calcmode="lin" valueType="num">
+                                      <p:cBhvr additive="base">
+                                        <p:cTn id="13" dur="500" fill="hold"/>
+                                        <p:tgtEl>
+                                          <p:spTgt spid="2"/>
+                                        </p:tgtEl>
+                                        <p:attrNameLst>
+                                          <p:attrName>ppt_x</p:attrName>
+                                        </p:attrNameLst>
+                                      </p:cBhvr>
+                                      <p:tavLst>
+                                        <p:tav tm="0">
+                                          <p:val>
+                                            <p:strVal val="#ppt_x"/>
+                                          </p:val>
+                                        </p:tav>
+                                        <p:tav tm="100000">
+                                          <p:val>
+                                            <p:strVal val="#ppt_x"/>
+                                          </p:val>
+                                        </p:tav>
+                                      </p:tavLst>
+                                    </p:anim>
+                                    <p:anim calcmode="lin" valueType="num">
+                                      <p:cBhvr additive="base">
+                                        <p:cTn id="14" dur="500" fill="hold"/>
+                                        <p:tgtEl>
+                                          <p:spTgt spid="2"/>
+                                        </p:tgtEl>
+                                        <p:attrNameLst>
+                                          <p:attrName>ppt_y</p:attrName>
+                                        </p:attrNameLst>
+                                      </p:cBhvr>
+                                      <p:tavLst>
+                                        <p:tav tm="0">
+                                          <p:val>
+                                            <p:strVal val="1+#ppt_h/2"/>
+                                          </p:val>
+                                        </p:tav>
+                                        <p:tav tm="100000">
+                                          <p:val>
+                                            <p:strVal val="#ppt_y"/>
+                                          </p:val>
+                                        </p:tav>
+                                      </p:tavLst>
+                                    </p:anim>
+                                  </p:childTnLst>
+                                </p:cTn>
+                              </p:par>
+                            </p:childTnLst>
+                          </p:cTn>
+                        </p:par>
+                      </p:childTnLst>
+                    </p:cTn>
+                  </p:par>
+                </p:childTnLst>
+              </p:cTn>
+              <p:prevCondLst>
+                <p:cond evt="onPrev" delay="0">
+                  <p:tgtEl>
+                    <p:sldTgt/>
+                  </p:tgtEl>
+                </p:cond>
+              </p:prevCondLst>
+              <p:nextCondLst>
+                <p:cond evt="onNext" delay="0">
+                  <p:tgtEl>
+                    <p:sldTgt/>
+                  </p:tgtEl>
+                </p:cond>
+              </p:nextCondLst>
+            </p:seq>
+          </p:childTnLst>
+        </p:cTn>
+      </p:par>
+    </p:tnLst>
+    <p:bldLst>
+      <p:bldP spid="2" grpId="0" animBg="1"/>
+      <p:bldP spid="6" grpId="0" animBg="1"/>
+    </p:bldLst>
+  </p:timing>
+</p:sld>
+</file>
+
+<file path=ppt/slides/slide15.xml><?xml version="1.0" encoding="utf-8"?>
+<p:sld xmlns:a="http://schemas.openxmlformats.org/drawingml/2006/main" xmlns:r="http://schemas.openxmlformats.org/officeDocument/2006/relationships" xmlns:p="http://schemas.openxmlformats.org/presentationml/2006/main">
+  <p:cSld>
+    <p:spTree>
+      <p:nvGrpSpPr>
+        <p:cNvPr id="1" name=""/>
+        <p:cNvGrpSpPr/>
+        <p:nvPr/>
+      </p:nvGrpSpPr>
+      <p:grpSpPr>
+        <a:xfrm>
+          <a:off x="0" y="0"/>
+          <a:ext cx="0" cy="0"/>
+          <a:chOff x="0" y="0"/>
+          <a:chExt cx="0" cy="0"/>
+        </a:xfrm>
+      </p:grpSpPr>
       <p:grpSp>
         <p:nvGrpSpPr>
           <p:cNvPr id="4" name="组合 3"/>
@@ -17447,7 +19047,7 @@
 </p:sld>
 </file>
 
-<file path=ppt/slides/slide14.xml><?xml version="1.0" encoding="utf-8"?>
+<file path=ppt/slides/slide16.xml><?xml version="1.0" encoding="utf-8"?>
 <p:sld xmlns:a="http://schemas.openxmlformats.org/drawingml/2006/main" xmlns:r="http://schemas.openxmlformats.org/officeDocument/2006/relationships" xmlns:p="http://schemas.openxmlformats.org/presentationml/2006/main">
   <p:cSld>
     <p:spTree>
@@ -17770,7 +19370,15 @@
                   <a:srgbClr val="FF0000"/>
                 </a:solidFill>
               </a:rPr>
-              <a:t>部署视图：</a:t>
+              <a:t>部署视图</a:t>
+            </a:r>
+            <a:r>
+              <a:rPr lang="zh-CN" altLang="en-US" b="1" dirty="0" smtClean="0">
+                <a:solidFill>
+                  <a:srgbClr val="FF0000"/>
+                </a:solidFill>
+              </a:rPr>
+              <a:t>：</a:t>
             </a:r>
             <a:r>
               <a:rPr lang="zh-CN" altLang="en-US" dirty="0" smtClean="0">
@@ -17808,7 +19416,7 @@
 </p:sld>
 </file>
 
-<file path=ppt/slides/slide15.xml><?xml version="1.0" encoding="utf-8"?>
+<file path=ppt/slides/slide17.xml><?xml version="1.0" encoding="utf-8"?>
 <p:sld xmlns:a="http://schemas.openxmlformats.org/drawingml/2006/main" xmlns:r="http://schemas.openxmlformats.org/officeDocument/2006/relationships" xmlns:p="http://schemas.openxmlformats.org/presentationml/2006/main">
   <p:cSld>
     <p:spTree>
@@ -18128,7 +19736,7 @@
 </p:sld>
 </file>
 
-<file path=ppt/slides/slide16.xml><?xml version="1.0" encoding="utf-8"?>
+<file path=ppt/slides/slide18.xml><?xml version="1.0" encoding="utf-8"?>
 <p:sld xmlns:a="http://schemas.openxmlformats.org/drawingml/2006/main" xmlns:r="http://schemas.openxmlformats.org/officeDocument/2006/relationships" xmlns:p="http://schemas.openxmlformats.org/presentationml/2006/main">
   <p:cSld>
     <p:spTree>
@@ -19918,7 +21526,7 @@
 </p:sld>
 </file>
 
-<file path=ppt/slides/slide17.xml><?xml version="1.0" encoding="utf-8"?>
+<file path=ppt/slides/slide19.xml><?xml version="1.0" encoding="utf-8"?>
 <p:sld xmlns:a="http://schemas.openxmlformats.org/drawingml/2006/main" xmlns:r="http://schemas.openxmlformats.org/officeDocument/2006/relationships" xmlns:p="http://schemas.openxmlformats.org/presentationml/2006/main">
   <p:cSld>
     <p:spTree>
@@ -21500,7 +23108,2252 @@
 </p:sld>
 </file>
 
-<file path=ppt/slides/slide18.xml><?xml version="1.0" encoding="utf-8"?>
+<file path=ppt/slides/slide2.xml><?xml version="1.0" encoding="utf-8"?>
+<p:sld xmlns:a="http://schemas.openxmlformats.org/drawingml/2006/main" xmlns:r="http://schemas.openxmlformats.org/officeDocument/2006/relationships" xmlns:p="http://schemas.openxmlformats.org/presentationml/2006/main">
+  <p:cSld>
+    <p:spTree>
+      <p:nvGrpSpPr>
+        <p:cNvPr id="1" name=""/>
+        <p:cNvGrpSpPr/>
+        <p:nvPr/>
+      </p:nvGrpSpPr>
+      <p:grpSpPr>
+        <a:xfrm>
+          <a:off x="0" y="0"/>
+          <a:ext cx="0" cy="0"/>
+          <a:chOff x="0" y="0"/>
+          <a:chExt cx="0" cy="0"/>
+        </a:xfrm>
+      </p:grpSpPr>
+      <p:sp>
+        <p:nvSpPr>
+          <p:cNvPr id="4098" name="文本框 14"/>
+          <p:cNvSpPr txBox="1"/>
+          <p:nvPr/>
+        </p:nvSpPr>
+        <p:spPr>
+          <a:xfrm>
+            <a:off x="1687830" y="706755"/>
+            <a:ext cx="1925955" cy="829945"/>
+          </a:xfrm>
+          <a:prstGeom prst="rect">
+            <a:avLst/>
+          </a:prstGeom>
+          <a:noFill/>
+          <a:ln w="9525">
+            <a:noFill/>
+          </a:ln>
+        </p:spPr>
+        <p:txBody>
+          <a:bodyPr wrap="square">
+            <a:spAutoFit/>
+          </a:bodyPr>
+          <a:lstStyle>
+            <a:lvl1pPr marL="228600" lvl="0" indent="-228600" algn="l" defTabSz="914400" eaLnBrk="0" fontAlgn="base" latinLnBrk="0" hangingPunct="0">
+              <a:lnSpc>
+                <a:spcPct val="90000"/>
+              </a:lnSpc>
+              <a:spcBef>
+                <a:spcPts val="1000"/>
+              </a:spcBef>
+              <a:spcAft>
+                <a:spcPct val="0"/>
+              </a:spcAft>
+              <a:buFont typeface="Arial" panose="020B0604020202020204" pitchFamily="34" charset="0"/>
+              <a:buChar char="•"/>
+              <a:defRPr sz="2800" u="none" kern="1200" baseline="0">
+                <a:solidFill>
+                  <a:schemeClr val="tx1"/>
+                </a:solidFill>
+                <a:latin typeface="Calibri" panose="020F0502020204030204" pitchFamily="2" charset="0"/>
+                <a:ea typeface="宋体" panose="02010600030101010101" pitchFamily="2" charset="-122"/>
+              </a:defRPr>
+            </a:lvl1pPr>
+            <a:lvl2pPr marL="685800" lvl="1" indent="-228600" algn="l" defTabSz="914400" eaLnBrk="0" fontAlgn="base" latinLnBrk="0" hangingPunct="0">
+              <a:lnSpc>
+                <a:spcPct val="90000"/>
+              </a:lnSpc>
+              <a:spcBef>
+                <a:spcPts val="500"/>
+              </a:spcBef>
+              <a:spcAft>
+                <a:spcPct val="0"/>
+              </a:spcAft>
+              <a:buFont typeface="Arial" panose="020B0604020202020204" pitchFamily="34" charset="0"/>
+              <a:buChar char="•"/>
+              <a:defRPr sz="2400" u="none" kern="1200" baseline="0">
+                <a:solidFill>
+                  <a:schemeClr val="tx1"/>
+                </a:solidFill>
+                <a:latin typeface="Calibri" panose="020F0502020204030204" pitchFamily="2" charset="0"/>
+                <a:ea typeface="宋体" panose="02010600030101010101" pitchFamily="2" charset="-122"/>
+              </a:defRPr>
+            </a:lvl2pPr>
+            <a:lvl3pPr marL="1143000" lvl="2" indent="-228600" algn="l" defTabSz="914400" eaLnBrk="0" fontAlgn="base" latinLnBrk="0" hangingPunct="0">
+              <a:lnSpc>
+                <a:spcPct val="90000"/>
+              </a:lnSpc>
+              <a:spcBef>
+                <a:spcPts val="500"/>
+              </a:spcBef>
+              <a:spcAft>
+                <a:spcPct val="0"/>
+              </a:spcAft>
+              <a:buFont typeface="Arial" panose="020B0604020202020204" pitchFamily="34" charset="0"/>
+              <a:buChar char="•"/>
+              <a:defRPr sz="2000" u="none" kern="1200" baseline="0">
+                <a:solidFill>
+                  <a:schemeClr val="tx1"/>
+                </a:solidFill>
+                <a:latin typeface="Calibri" panose="020F0502020204030204" pitchFamily="2" charset="0"/>
+                <a:ea typeface="宋体" panose="02010600030101010101" pitchFamily="2" charset="-122"/>
+              </a:defRPr>
+            </a:lvl3pPr>
+            <a:lvl4pPr marL="1600200" lvl="3" indent="-228600" algn="l" defTabSz="914400" eaLnBrk="0" fontAlgn="base" latinLnBrk="0" hangingPunct="0">
+              <a:lnSpc>
+                <a:spcPct val="90000"/>
+              </a:lnSpc>
+              <a:spcBef>
+                <a:spcPts val="500"/>
+              </a:spcBef>
+              <a:spcAft>
+                <a:spcPct val="0"/>
+              </a:spcAft>
+              <a:buFont typeface="Arial" panose="020B0604020202020204" pitchFamily="34" charset="0"/>
+              <a:buChar char="•"/>
+              <a:defRPr sz="1800" u="none" kern="1200" baseline="0">
+                <a:solidFill>
+                  <a:schemeClr val="tx1"/>
+                </a:solidFill>
+                <a:latin typeface="Calibri" panose="020F0502020204030204" pitchFamily="2" charset="0"/>
+                <a:ea typeface="宋体" panose="02010600030101010101" pitchFamily="2" charset="-122"/>
+              </a:defRPr>
+            </a:lvl4pPr>
+            <a:lvl5pPr marL="2057400" lvl="4" indent="-228600" algn="l" defTabSz="914400" eaLnBrk="0" fontAlgn="base" latinLnBrk="0" hangingPunct="0">
+              <a:lnSpc>
+                <a:spcPct val="90000"/>
+              </a:lnSpc>
+              <a:spcBef>
+                <a:spcPts val="500"/>
+              </a:spcBef>
+              <a:spcAft>
+                <a:spcPct val="0"/>
+              </a:spcAft>
+              <a:buFont typeface="Arial" panose="020B0604020202020204" pitchFamily="34" charset="0"/>
+              <a:buChar char="•"/>
+              <a:defRPr sz="1800" u="none" kern="1200" baseline="0">
+                <a:solidFill>
+                  <a:schemeClr val="tx1"/>
+                </a:solidFill>
+                <a:latin typeface="Calibri" panose="020F0502020204030204" pitchFamily="2" charset="0"/>
+                <a:ea typeface="宋体" panose="02010600030101010101" pitchFamily="2" charset="-122"/>
+              </a:defRPr>
+            </a:lvl5pPr>
+          </a:lstStyle>
+          <a:p>
+            <a:pPr marL="0" lvl="0" indent="0" eaLnBrk="1" hangingPunct="1">
+              <a:lnSpc>
+                <a:spcPct val="100000"/>
+              </a:lnSpc>
+              <a:spcBef>
+                <a:spcPct val="0"/>
+              </a:spcBef>
+              <a:buNone/>
+            </a:pPr>
+            <a:r>
+              <a:rPr lang="zh-CN" altLang="en-US" sz="4800">
+                <a:solidFill>
+                  <a:schemeClr val="bg1"/>
+                </a:solidFill>
+                <a:latin typeface="微软雅黑" panose="020B0503020204020204" pitchFamily="2" charset="-122"/>
+                <a:ea typeface="微软雅黑" panose="020B0503020204020204" pitchFamily="2" charset="-122"/>
+              </a:rPr>
+              <a:t>目录</a:t>
+            </a:r>
+          </a:p>
+        </p:txBody>
+      </p:sp>
+      <p:cxnSp>
+        <p:nvCxnSpPr>
+          <p:cNvPr id="4099" name="直接连接符 16"/>
+          <p:cNvCxnSpPr/>
+          <p:nvPr/>
+        </p:nvCxnSpPr>
+        <p:spPr>
+          <a:xfrm>
+            <a:off x="1687513" y="1678623"/>
+            <a:ext cx="3382962" cy="0"/>
+          </a:xfrm>
+          <a:prstGeom prst="line">
+            <a:avLst/>
+          </a:prstGeom>
+          <a:ln w="12700" cap="flat" cmpd="sng">
+            <a:solidFill>
+              <a:srgbClr val="FFC000"/>
+            </a:solidFill>
+            <a:prstDash val="solid"/>
+            <a:headEnd type="none" w="med" len="med"/>
+            <a:tailEnd type="none" w="med" len="med"/>
+          </a:ln>
+        </p:spPr>
+      </p:cxnSp>
+      <p:sp>
+        <p:nvSpPr>
+          <p:cNvPr id="4100" name="文本框 18"/>
+          <p:cNvSpPr txBox="1"/>
+          <p:nvPr/>
+        </p:nvSpPr>
+        <p:spPr>
+          <a:xfrm>
+            <a:off x="2319338" y="2621280"/>
+            <a:ext cx="3149600" cy="645160"/>
+          </a:xfrm>
+          <a:prstGeom prst="rect">
+            <a:avLst/>
+          </a:prstGeom>
+          <a:solidFill>
+            <a:schemeClr val="bg1">
+              <a:lumMod val="95000"/>
+            </a:schemeClr>
+          </a:solidFill>
+          <a:ln w="9525">
+            <a:noFill/>
+          </a:ln>
+        </p:spPr>
+        <p:txBody>
+          <a:bodyPr>
+            <a:spAutoFit/>
+          </a:bodyPr>
+          <a:lstStyle>
+            <a:lvl1pPr marL="228600" lvl="0" indent="-228600" algn="l" defTabSz="914400" eaLnBrk="0" fontAlgn="base" latinLnBrk="0" hangingPunct="0">
+              <a:lnSpc>
+                <a:spcPct val="90000"/>
+              </a:lnSpc>
+              <a:spcBef>
+                <a:spcPts val="1000"/>
+              </a:spcBef>
+              <a:spcAft>
+                <a:spcPct val="0"/>
+              </a:spcAft>
+              <a:buFont typeface="Arial" panose="020B0604020202020204" pitchFamily="34" charset="0"/>
+              <a:buChar char="•"/>
+              <a:defRPr sz="2800" u="none" kern="1200" baseline="0">
+                <a:solidFill>
+                  <a:schemeClr val="tx1"/>
+                </a:solidFill>
+                <a:latin typeface="Calibri" panose="020F0502020204030204" pitchFamily="2" charset="0"/>
+                <a:ea typeface="宋体" panose="02010600030101010101" pitchFamily="2" charset="-122"/>
+              </a:defRPr>
+            </a:lvl1pPr>
+            <a:lvl2pPr marL="685800" lvl="1" indent="-228600" algn="l" defTabSz="914400" eaLnBrk="0" fontAlgn="base" latinLnBrk="0" hangingPunct="0">
+              <a:lnSpc>
+                <a:spcPct val="90000"/>
+              </a:lnSpc>
+              <a:spcBef>
+                <a:spcPts val="500"/>
+              </a:spcBef>
+              <a:spcAft>
+                <a:spcPct val="0"/>
+              </a:spcAft>
+              <a:buFont typeface="Arial" panose="020B0604020202020204" pitchFamily="34" charset="0"/>
+              <a:buChar char="•"/>
+              <a:defRPr sz="2400" u="none" kern="1200" baseline="0">
+                <a:solidFill>
+                  <a:schemeClr val="tx1"/>
+                </a:solidFill>
+                <a:latin typeface="Calibri" panose="020F0502020204030204" pitchFamily="2" charset="0"/>
+                <a:ea typeface="宋体" panose="02010600030101010101" pitchFamily="2" charset="-122"/>
+              </a:defRPr>
+            </a:lvl2pPr>
+            <a:lvl3pPr marL="1143000" lvl="2" indent="-228600" algn="l" defTabSz="914400" eaLnBrk="0" fontAlgn="base" latinLnBrk="0" hangingPunct="0">
+              <a:lnSpc>
+                <a:spcPct val="90000"/>
+              </a:lnSpc>
+              <a:spcBef>
+                <a:spcPts val="500"/>
+              </a:spcBef>
+              <a:spcAft>
+                <a:spcPct val="0"/>
+              </a:spcAft>
+              <a:buFont typeface="Arial" panose="020B0604020202020204" pitchFamily="34" charset="0"/>
+              <a:buChar char="•"/>
+              <a:defRPr sz="2000" u="none" kern="1200" baseline="0">
+                <a:solidFill>
+                  <a:schemeClr val="tx1"/>
+                </a:solidFill>
+                <a:latin typeface="Calibri" panose="020F0502020204030204" pitchFamily="2" charset="0"/>
+                <a:ea typeface="宋体" panose="02010600030101010101" pitchFamily="2" charset="-122"/>
+              </a:defRPr>
+            </a:lvl3pPr>
+            <a:lvl4pPr marL="1600200" lvl="3" indent="-228600" algn="l" defTabSz="914400" eaLnBrk="0" fontAlgn="base" latinLnBrk="0" hangingPunct="0">
+              <a:lnSpc>
+                <a:spcPct val="90000"/>
+              </a:lnSpc>
+              <a:spcBef>
+                <a:spcPts val="500"/>
+              </a:spcBef>
+              <a:spcAft>
+                <a:spcPct val="0"/>
+              </a:spcAft>
+              <a:buFont typeface="Arial" panose="020B0604020202020204" pitchFamily="34" charset="0"/>
+              <a:buChar char="•"/>
+              <a:defRPr sz="1800" u="none" kern="1200" baseline="0">
+                <a:solidFill>
+                  <a:schemeClr val="tx1"/>
+                </a:solidFill>
+                <a:latin typeface="Calibri" panose="020F0502020204030204" pitchFamily="2" charset="0"/>
+                <a:ea typeface="宋体" panose="02010600030101010101" pitchFamily="2" charset="-122"/>
+              </a:defRPr>
+            </a:lvl4pPr>
+            <a:lvl5pPr marL="2057400" lvl="4" indent="-228600" algn="l" defTabSz="914400" eaLnBrk="0" fontAlgn="base" latinLnBrk="0" hangingPunct="0">
+              <a:lnSpc>
+                <a:spcPct val="90000"/>
+              </a:lnSpc>
+              <a:spcBef>
+                <a:spcPts val="500"/>
+              </a:spcBef>
+              <a:spcAft>
+                <a:spcPct val="0"/>
+              </a:spcAft>
+              <a:buFont typeface="Arial" panose="020B0604020202020204" pitchFamily="34" charset="0"/>
+              <a:buChar char="•"/>
+              <a:defRPr sz="1800" u="none" kern="1200" baseline="0">
+                <a:solidFill>
+                  <a:schemeClr val="tx1"/>
+                </a:solidFill>
+                <a:latin typeface="Calibri" panose="020F0502020204030204" pitchFamily="2" charset="0"/>
+                <a:ea typeface="宋体" panose="02010600030101010101" pitchFamily="2" charset="-122"/>
+              </a:defRPr>
+            </a:lvl5pPr>
+          </a:lstStyle>
+          <a:p>
+            <a:pPr marL="0" lvl="0" indent="0" eaLnBrk="1" hangingPunct="1">
+              <a:lnSpc>
+                <a:spcPct val="100000"/>
+              </a:lnSpc>
+              <a:spcBef>
+                <a:spcPct val="0"/>
+              </a:spcBef>
+              <a:buNone/>
+            </a:pPr>
+            <a:r>
+              <a:rPr lang="zh-CN" sz="3600" dirty="0">
+                <a:solidFill>
+                  <a:schemeClr val="bg1"/>
+                </a:solidFill>
+                <a:hlinkClick r:id="rId2" action="ppaction://hlinksldjump"/>
+              </a:rPr>
+              <a:t>什么是</a:t>
+            </a:r>
+            <a:r>
+              <a:rPr lang="en-US" altLang="zh-CN" sz="3600" dirty="0">
+                <a:solidFill>
+                  <a:schemeClr val="bg1"/>
+                </a:solidFill>
+                <a:hlinkClick r:id="rId2" action="ppaction://hlinksldjump"/>
+              </a:rPr>
+              <a:t>UML</a:t>
+            </a:r>
+            <a:endParaRPr lang="en-US" altLang="zh-CN" sz="3600" dirty="0">
+              <a:solidFill>
+                <a:schemeClr val="bg1"/>
+              </a:solidFill>
+            </a:endParaRPr>
+          </a:p>
+        </p:txBody>
+      </p:sp>
+      <p:cxnSp>
+        <p:nvCxnSpPr>
+          <p:cNvPr id="4101" name="直接连接符 2"/>
+          <p:cNvCxnSpPr/>
+          <p:nvPr/>
+        </p:nvCxnSpPr>
+        <p:spPr>
+          <a:xfrm flipH="1">
+            <a:off x="1971675" y="2719388"/>
+            <a:ext cx="347663" cy="447675"/>
+          </a:xfrm>
+          <a:prstGeom prst="line">
+            <a:avLst/>
+          </a:prstGeom>
+          <a:ln w="6350" cap="flat" cmpd="sng">
+            <a:solidFill>
+              <a:srgbClr val="FFC000"/>
+            </a:solidFill>
+            <a:prstDash val="solid"/>
+            <a:headEnd type="none" w="med" len="med"/>
+            <a:tailEnd type="none" w="med" len="med"/>
+          </a:ln>
+        </p:spPr>
+      </p:cxnSp>
+      <p:sp>
+        <p:nvSpPr>
+          <p:cNvPr id="4102" name="文本框 15"/>
+          <p:cNvSpPr txBox="1"/>
+          <p:nvPr/>
+        </p:nvSpPr>
+        <p:spPr>
+          <a:xfrm>
+            <a:off x="1687513" y="2614613"/>
+            <a:ext cx="325437" cy="522287"/>
+          </a:xfrm>
+          <a:prstGeom prst="rect">
+            <a:avLst/>
+          </a:prstGeom>
+          <a:noFill/>
+          <a:ln w="9525">
+            <a:noFill/>
+          </a:ln>
+        </p:spPr>
+        <p:txBody>
+          <a:bodyPr>
+            <a:spAutoFit/>
+          </a:bodyPr>
+          <a:lstStyle>
+            <a:lvl1pPr marL="228600" lvl="0" indent="-228600" algn="l" defTabSz="914400" eaLnBrk="0" fontAlgn="base" latinLnBrk="0" hangingPunct="0">
+              <a:lnSpc>
+                <a:spcPct val="90000"/>
+              </a:lnSpc>
+              <a:spcBef>
+                <a:spcPts val="1000"/>
+              </a:spcBef>
+              <a:spcAft>
+                <a:spcPct val="0"/>
+              </a:spcAft>
+              <a:buFont typeface="Arial" panose="020B0604020202020204" pitchFamily="34" charset="0"/>
+              <a:buChar char="•"/>
+              <a:defRPr sz="2800" u="none" kern="1200" baseline="0">
+                <a:solidFill>
+                  <a:schemeClr val="tx1"/>
+                </a:solidFill>
+                <a:latin typeface="Calibri" panose="020F0502020204030204" pitchFamily="2" charset="0"/>
+                <a:ea typeface="宋体" panose="02010600030101010101" pitchFamily="2" charset="-122"/>
+              </a:defRPr>
+            </a:lvl1pPr>
+            <a:lvl2pPr marL="685800" lvl="1" indent="-228600" algn="l" defTabSz="914400" eaLnBrk="0" fontAlgn="base" latinLnBrk="0" hangingPunct="0">
+              <a:lnSpc>
+                <a:spcPct val="90000"/>
+              </a:lnSpc>
+              <a:spcBef>
+                <a:spcPts val="500"/>
+              </a:spcBef>
+              <a:spcAft>
+                <a:spcPct val="0"/>
+              </a:spcAft>
+              <a:buFont typeface="Arial" panose="020B0604020202020204" pitchFamily="34" charset="0"/>
+              <a:buChar char="•"/>
+              <a:defRPr sz="2400" u="none" kern="1200" baseline="0">
+                <a:solidFill>
+                  <a:schemeClr val="tx1"/>
+                </a:solidFill>
+                <a:latin typeface="Calibri" panose="020F0502020204030204" pitchFamily="2" charset="0"/>
+                <a:ea typeface="宋体" panose="02010600030101010101" pitchFamily="2" charset="-122"/>
+              </a:defRPr>
+            </a:lvl2pPr>
+            <a:lvl3pPr marL="1143000" lvl="2" indent="-228600" algn="l" defTabSz="914400" eaLnBrk="0" fontAlgn="base" latinLnBrk="0" hangingPunct="0">
+              <a:lnSpc>
+                <a:spcPct val="90000"/>
+              </a:lnSpc>
+              <a:spcBef>
+                <a:spcPts val="500"/>
+              </a:spcBef>
+              <a:spcAft>
+                <a:spcPct val="0"/>
+              </a:spcAft>
+              <a:buFont typeface="Arial" panose="020B0604020202020204" pitchFamily="34" charset="0"/>
+              <a:buChar char="•"/>
+              <a:defRPr sz="2000" u="none" kern="1200" baseline="0">
+                <a:solidFill>
+                  <a:schemeClr val="tx1"/>
+                </a:solidFill>
+                <a:latin typeface="Calibri" panose="020F0502020204030204" pitchFamily="2" charset="0"/>
+                <a:ea typeface="宋体" panose="02010600030101010101" pitchFamily="2" charset="-122"/>
+              </a:defRPr>
+            </a:lvl3pPr>
+            <a:lvl4pPr marL="1600200" lvl="3" indent="-228600" algn="l" defTabSz="914400" eaLnBrk="0" fontAlgn="base" latinLnBrk="0" hangingPunct="0">
+              <a:lnSpc>
+                <a:spcPct val="90000"/>
+              </a:lnSpc>
+              <a:spcBef>
+                <a:spcPts val="500"/>
+              </a:spcBef>
+              <a:spcAft>
+                <a:spcPct val="0"/>
+              </a:spcAft>
+              <a:buFont typeface="Arial" panose="020B0604020202020204" pitchFamily="34" charset="0"/>
+              <a:buChar char="•"/>
+              <a:defRPr sz="1800" u="none" kern="1200" baseline="0">
+                <a:solidFill>
+                  <a:schemeClr val="tx1"/>
+                </a:solidFill>
+                <a:latin typeface="Calibri" panose="020F0502020204030204" pitchFamily="2" charset="0"/>
+                <a:ea typeface="宋体" panose="02010600030101010101" pitchFamily="2" charset="-122"/>
+              </a:defRPr>
+            </a:lvl4pPr>
+            <a:lvl5pPr marL="2057400" lvl="4" indent="-228600" algn="l" defTabSz="914400" eaLnBrk="0" fontAlgn="base" latinLnBrk="0" hangingPunct="0">
+              <a:lnSpc>
+                <a:spcPct val="90000"/>
+              </a:lnSpc>
+              <a:spcBef>
+                <a:spcPts val="500"/>
+              </a:spcBef>
+              <a:spcAft>
+                <a:spcPct val="0"/>
+              </a:spcAft>
+              <a:buFont typeface="Arial" panose="020B0604020202020204" pitchFamily="34" charset="0"/>
+              <a:buChar char="•"/>
+              <a:defRPr sz="1800" u="none" kern="1200" baseline="0">
+                <a:solidFill>
+                  <a:schemeClr val="tx1"/>
+                </a:solidFill>
+                <a:latin typeface="Calibri" panose="020F0502020204030204" pitchFamily="2" charset="0"/>
+                <a:ea typeface="宋体" panose="02010600030101010101" pitchFamily="2" charset="-122"/>
+              </a:defRPr>
+            </a:lvl5pPr>
+          </a:lstStyle>
+          <a:p>
+            <a:pPr marL="0" lvl="0" indent="0" eaLnBrk="1" hangingPunct="1">
+              <a:lnSpc>
+                <a:spcPct val="100000"/>
+              </a:lnSpc>
+              <a:spcBef>
+                <a:spcPct val="0"/>
+              </a:spcBef>
+              <a:buNone/>
+            </a:pPr>
+            <a:r>
+              <a:rPr lang="en-US" altLang="x-none" dirty="0">
+                <a:solidFill>
+                  <a:schemeClr val="bg1"/>
+                </a:solidFill>
+              </a:rPr>
+              <a:t>1</a:t>
+            </a:r>
+            <a:endParaRPr lang="zh-CN" altLang="en-US" dirty="0">
+              <a:solidFill>
+                <a:schemeClr val="bg1"/>
+              </a:solidFill>
+            </a:endParaRPr>
+          </a:p>
+        </p:txBody>
+      </p:sp>
+      <p:sp>
+        <p:nvSpPr>
+          <p:cNvPr id="4103" name="文本框 17"/>
+          <p:cNvSpPr txBox="1"/>
+          <p:nvPr/>
+        </p:nvSpPr>
+        <p:spPr>
+          <a:xfrm>
+            <a:off x="2319655" y="3507105"/>
+            <a:ext cx="3683000" cy="645160"/>
+          </a:xfrm>
+          <a:prstGeom prst="rect">
+            <a:avLst/>
+          </a:prstGeom>
+          <a:solidFill>
+            <a:schemeClr val="bg1">
+              <a:lumMod val="95000"/>
+            </a:schemeClr>
+          </a:solidFill>
+          <a:ln w="9525">
+            <a:noFill/>
+          </a:ln>
+        </p:spPr>
+        <p:txBody>
+          <a:bodyPr wrap="square">
+            <a:spAutoFit/>
+          </a:bodyPr>
+          <a:lstStyle>
+            <a:lvl1pPr marL="228600" lvl="0" indent="-228600" algn="l" defTabSz="914400" eaLnBrk="0" fontAlgn="base" latinLnBrk="0" hangingPunct="0">
+              <a:lnSpc>
+                <a:spcPct val="90000"/>
+              </a:lnSpc>
+              <a:spcBef>
+                <a:spcPts val="1000"/>
+              </a:spcBef>
+              <a:spcAft>
+                <a:spcPct val="0"/>
+              </a:spcAft>
+              <a:buFont typeface="Arial" panose="020B0604020202020204" pitchFamily="34" charset="0"/>
+              <a:buChar char="•"/>
+              <a:defRPr sz="2800" u="none" kern="1200" baseline="0">
+                <a:solidFill>
+                  <a:schemeClr val="tx1"/>
+                </a:solidFill>
+                <a:latin typeface="Calibri" panose="020F0502020204030204" pitchFamily="2" charset="0"/>
+                <a:ea typeface="宋体" panose="02010600030101010101" pitchFamily="2" charset="-122"/>
+              </a:defRPr>
+            </a:lvl1pPr>
+            <a:lvl2pPr marL="685800" lvl="1" indent="-228600" algn="l" defTabSz="914400" eaLnBrk="0" fontAlgn="base" latinLnBrk="0" hangingPunct="0">
+              <a:lnSpc>
+                <a:spcPct val="90000"/>
+              </a:lnSpc>
+              <a:spcBef>
+                <a:spcPts val="500"/>
+              </a:spcBef>
+              <a:spcAft>
+                <a:spcPct val="0"/>
+              </a:spcAft>
+              <a:buFont typeface="Arial" panose="020B0604020202020204" pitchFamily="34" charset="0"/>
+              <a:buChar char="•"/>
+              <a:defRPr sz="2400" u="none" kern="1200" baseline="0">
+                <a:solidFill>
+                  <a:schemeClr val="tx1"/>
+                </a:solidFill>
+                <a:latin typeface="Calibri" panose="020F0502020204030204" pitchFamily="2" charset="0"/>
+                <a:ea typeface="宋体" panose="02010600030101010101" pitchFamily="2" charset="-122"/>
+              </a:defRPr>
+            </a:lvl2pPr>
+            <a:lvl3pPr marL="1143000" lvl="2" indent="-228600" algn="l" defTabSz="914400" eaLnBrk="0" fontAlgn="base" latinLnBrk="0" hangingPunct="0">
+              <a:lnSpc>
+                <a:spcPct val="90000"/>
+              </a:lnSpc>
+              <a:spcBef>
+                <a:spcPts val="500"/>
+              </a:spcBef>
+              <a:spcAft>
+                <a:spcPct val="0"/>
+              </a:spcAft>
+              <a:buFont typeface="Arial" panose="020B0604020202020204" pitchFamily="34" charset="0"/>
+              <a:buChar char="•"/>
+              <a:defRPr sz="2000" u="none" kern="1200" baseline="0">
+                <a:solidFill>
+                  <a:schemeClr val="tx1"/>
+                </a:solidFill>
+                <a:latin typeface="Calibri" panose="020F0502020204030204" pitchFamily="2" charset="0"/>
+                <a:ea typeface="宋体" panose="02010600030101010101" pitchFamily="2" charset="-122"/>
+              </a:defRPr>
+            </a:lvl3pPr>
+            <a:lvl4pPr marL="1600200" lvl="3" indent="-228600" algn="l" defTabSz="914400" eaLnBrk="0" fontAlgn="base" latinLnBrk="0" hangingPunct="0">
+              <a:lnSpc>
+                <a:spcPct val="90000"/>
+              </a:lnSpc>
+              <a:spcBef>
+                <a:spcPts val="500"/>
+              </a:spcBef>
+              <a:spcAft>
+                <a:spcPct val="0"/>
+              </a:spcAft>
+              <a:buFont typeface="Arial" panose="020B0604020202020204" pitchFamily="34" charset="0"/>
+              <a:buChar char="•"/>
+              <a:defRPr sz="1800" u="none" kern="1200" baseline="0">
+                <a:solidFill>
+                  <a:schemeClr val="tx1"/>
+                </a:solidFill>
+                <a:latin typeface="Calibri" panose="020F0502020204030204" pitchFamily="2" charset="0"/>
+                <a:ea typeface="宋体" panose="02010600030101010101" pitchFamily="2" charset="-122"/>
+              </a:defRPr>
+            </a:lvl4pPr>
+            <a:lvl5pPr marL="2057400" lvl="4" indent="-228600" algn="l" defTabSz="914400" eaLnBrk="0" fontAlgn="base" latinLnBrk="0" hangingPunct="0">
+              <a:lnSpc>
+                <a:spcPct val="90000"/>
+              </a:lnSpc>
+              <a:spcBef>
+                <a:spcPts val="500"/>
+              </a:spcBef>
+              <a:spcAft>
+                <a:spcPct val="0"/>
+              </a:spcAft>
+              <a:buFont typeface="Arial" panose="020B0604020202020204" pitchFamily="34" charset="0"/>
+              <a:buChar char="•"/>
+              <a:defRPr sz="1800" u="none" kern="1200" baseline="0">
+                <a:solidFill>
+                  <a:schemeClr val="tx1"/>
+                </a:solidFill>
+                <a:latin typeface="Calibri" panose="020F0502020204030204" pitchFamily="2" charset="0"/>
+                <a:ea typeface="宋体" panose="02010600030101010101" pitchFamily="2" charset="-122"/>
+              </a:defRPr>
+            </a:lvl5pPr>
+          </a:lstStyle>
+          <a:p>
+            <a:pPr marL="0" lvl="0" indent="0" eaLnBrk="1" hangingPunct="1">
+              <a:lnSpc>
+                <a:spcPct val="100000"/>
+              </a:lnSpc>
+              <a:spcBef>
+                <a:spcPct val="0"/>
+              </a:spcBef>
+              <a:buNone/>
+            </a:pPr>
+            <a:r>
+              <a:rPr lang="en-US" sz="3600" dirty="0">
+                <a:solidFill>
+                  <a:schemeClr val="bg1"/>
+                </a:solidFill>
+                <a:hlinkClick r:id="rId3" action="ppaction://hlinksldjump"/>
+              </a:rPr>
+              <a:t>UML</a:t>
+            </a:r>
+            <a:r>
+              <a:rPr lang="zh-CN" altLang="en-US" sz="3600" dirty="0">
+                <a:solidFill>
+                  <a:schemeClr val="bg1"/>
+                </a:solidFill>
+                <a:hlinkClick r:id="rId3" action="ppaction://hlinksldjump"/>
+              </a:rPr>
+              <a:t>的发展历程</a:t>
+            </a:r>
+            <a:endParaRPr lang="zh-CN" altLang="en-US" sz="3600" dirty="0">
+              <a:solidFill>
+                <a:schemeClr val="bg1"/>
+              </a:solidFill>
+            </a:endParaRPr>
+          </a:p>
+        </p:txBody>
+      </p:sp>
+      <p:cxnSp>
+        <p:nvCxnSpPr>
+          <p:cNvPr id="4104" name="直接连接符 19"/>
+          <p:cNvCxnSpPr/>
+          <p:nvPr/>
+        </p:nvCxnSpPr>
+        <p:spPr>
+          <a:xfrm flipH="1">
+            <a:off x="1971675" y="3605213"/>
+            <a:ext cx="347663" cy="447675"/>
+          </a:xfrm>
+          <a:prstGeom prst="line">
+            <a:avLst/>
+          </a:prstGeom>
+          <a:ln w="6350" cap="flat" cmpd="sng">
+            <a:solidFill>
+              <a:srgbClr val="FFC000"/>
+            </a:solidFill>
+            <a:prstDash val="solid"/>
+            <a:headEnd type="none" w="med" len="med"/>
+            <a:tailEnd type="none" w="med" len="med"/>
+          </a:ln>
+        </p:spPr>
+      </p:cxnSp>
+      <p:sp>
+        <p:nvSpPr>
+          <p:cNvPr id="4105" name="文本框 25"/>
+          <p:cNvSpPr txBox="1"/>
+          <p:nvPr/>
+        </p:nvSpPr>
+        <p:spPr>
+          <a:xfrm>
+            <a:off x="1687513" y="3498850"/>
+            <a:ext cx="325437" cy="523875"/>
+          </a:xfrm>
+          <a:prstGeom prst="rect">
+            <a:avLst/>
+          </a:prstGeom>
+          <a:noFill/>
+          <a:ln w="9525">
+            <a:noFill/>
+          </a:ln>
+        </p:spPr>
+        <p:txBody>
+          <a:bodyPr>
+            <a:spAutoFit/>
+          </a:bodyPr>
+          <a:lstStyle>
+            <a:lvl1pPr marL="228600" lvl="0" indent="-228600" algn="l" defTabSz="914400" eaLnBrk="0" fontAlgn="base" latinLnBrk="0" hangingPunct="0">
+              <a:lnSpc>
+                <a:spcPct val="90000"/>
+              </a:lnSpc>
+              <a:spcBef>
+                <a:spcPts val="1000"/>
+              </a:spcBef>
+              <a:spcAft>
+                <a:spcPct val="0"/>
+              </a:spcAft>
+              <a:buFont typeface="Arial" panose="020B0604020202020204" pitchFamily="34" charset="0"/>
+              <a:buChar char="•"/>
+              <a:defRPr sz="2800" u="none" kern="1200" baseline="0">
+                <a:solidFill>
+                  <a:schemeClr val="tx1"/>
+                </a:solidFill>
+                <a:latin typeface="Calibri" panose="020F0502020204030204" pitchFamily="2" charset="0"/>
+                <a:ea typeface="宋体" panose="02010600030101010101" pitchFamily="2" charset="-122"/>
+              </a:defRPr>
+            </a:lvl1pPr>
+            <a:lvl2pPr marL="685800" lvl="1" indent="-228600" algn="l" defTabSz="914400" eaLnBrk="0" fontAlgn="base" latinLnBrk="0" hangingPunct="0">
+              <a:lnSpc>
+                <a:spcPct val="90000"/>
+              </a:lnSpc>
+              <a:spcBef>
+                <a:spcPts val="500"/>
+              </a:spcBef>
+              <a:spcAft>
+                <a:spcPct val="0"/>
+              </a:spcAft>
+              <a:buFont typeface="Arial" panose="020B0604020202020204" pitchFamily="34" charset="0"/>
+              <a:buChar char="•"/>
+              <a:defRPr sz="2400" u="none" kern="1200" baseline="0">
+                <a:solidFill>
+                  <a:schemeClr val="tx1"/>
+                </a:solidFill>
+                <a:latin typeface="Calibri" panose="020F0502020204030204" pitchFamily="2" charset="0"/>
+                <a:ea typeface="宋体" panose="02010600030101010101" pitchFamily="2" charset="-122"/>
+              </a:defRPr>
+            </a:lvl2pPr>
+            <a:lvl3pPr marL="1143000" lvl="2" indent="-228600" algn="l" defTabSz="914400" eaLnBrk="0" fontAlgn="base" latinLnBrk="0" hangingPunct="0">
+              <a:lnSpc>
+                <a:spcPct val="90000"/>
+              </a:lnSpc>
+              <a:spcBef>
+                <a:spcPts val="500"/>
+              </a:spcBef>
+              <a:spcAft>
+                <a:spcPct val="0"/>
+              </a:spcAft>
+              <a:buFont typeface="Arial" panose="020B0604020202020204" pitchFamily="34" charset="0"/>
+              <a:buChar char="•"/>
+              <a:defRPr sz="2000" u="none" kern="1200" baseline="0">
+                <a:solidFill>
+                  <a:schemeClr val="tx1"/>
+                </a:solidFill>
+                <a:latin typeface="Calibri" panose="020F0502020204030204" pitchFamily="2" charset="0"/>
+                <a:ea typeface="宋体" panose="02010600030101010101" pitchFamily="2" charset="-122"/>
+              </a:defRPr>
+            </a:lvl3pPr>
+            <a:lvl4pPr marL="1600200" lvl="3" indent="-228600" algn="l" defTabSz="914400" eaLnBrk="0" fontAlgn="base" latinLnBrk="0" hangingPunct="0">
+              <a:lnSpc>
+                <a:spcPct val="90000"/>
+              </a:lnSpc>
+              <a:spcBef>
+                <a:spcPts val="500"/>
+              </a:spcBef>
+              <a:spcAft>
+                <a:spcPct val="0"/>
+              </a:spcAft>
+              <a:buFont typeface="Arial" panose="020B0604020202020204" pitchFamily="34" charset="0"/>
+              <a:buChar char="•"/>
+              <a:defRPr sz="1800" u="none" kern="1200" baseline="0">
+                <a:solidFill>
+                  <a:schemeClr val="tx1"/>
+                </a:solidFill>
+                <a:latin typeface="Calibri" panose="020F0502020204030204" pitchFamily="2" charset="0"/>
+                <a:ea typeface="宋体" panose="02010600030101010101" pitchFamily="2" charset="-122"/>
+              </a:defRPr>
+            </a:lvl4pPr>
+            <a:lvl5pPr marL="2057400" lvl="4" indent="-228600" algn="l" defTabSz="914400" eaLnBrk="0" fontAlgn="base" latinLnBrk="0" hangingPunct="0">
+              <a:lnSpc>
+                <a:spcPct val="90000"/>
+              </a:lnSpc>
+              <a:spcBef>
+                <a:spcPts val="500"/>
+              </a:spcBef>
+              <a:spcAft>
+                <a:spcPct val="0"/>
+              </a:spcAft>
+              <a:buFont typeface="Arial" panose="020B0604020202020204" pitchFamily="34" charset="0"/>
+              <a:buChar char="•"/>
+              <a:defRPr sz="1800" u="none" kern="1200" baseline="0">
+                <a:solidFill>
+                  <a:schemeClr val="tx1"/>
+                </a:solidFill>
+                <a:latin typeface="Calibri" panose="020F0502020204030204" pitchFamily="2" charset="0"/>
+                <a:ea typeface="宋体" panose="02010600030101010101" pitchFamily="2" charset="-122"/>
+              </a:defRPr>
+            </a:lvl5pPr>
+          </a:lstStyle>
+          <a:p>
+            <a:pPr marL="0" lvl="0" indent="0" eaLnBrk="1" hangingPunct="1">
+              <a:lnSpc>
+                <a:spcPct val="100000"/>
+              </a:lnSpc>
+              <a:spcBef>
+                <a:spcPct val="0"/>
+              </a:spcBef>
+              <a:buNone/>
+            </a:pPr>
+            <a:r>
+              <a:rPr lang="en-US" altLang="x-none" dirty="0">
+                <a:solidFill>
+                  <a:schemeClr val="bg1"/>
+                </a:solidFill>
+              </a:rPr>
+              <a:t>2</a:t>
+            </a:r>
+            <a:endParaRPr lang="zh-CN" altLang="en-US" dirty="0">
+              <a:solidFill>
+                <a:schemeClr val="bg1"/>
+              </a:solidFill>
+            </a:endParaRPr>
+          </a:p>
+        </p:txBody>
+      </p:sp>
+      <p:sp>
+        <p:nvSpPr>
+          <p:cNvPr id="4106" name="文本框 26"/>
+          <p:cNvSpPr txBox="1"/>
+          <p:nvPr/>
+        </p:nvSpPr>
+        <p:spPr>
+          <a:xfrm>
+            <a:off x="2319338" y="4391025"/>
+            <a:ext cx="3149600" cy="645160"/>
+          </a:xfrm>
+          <a:prstGeom prst="rect">
+            <a:avLst/>
+          </a:prstGeom>
+          <a:solidFill>
+            <a:schemeClr val="bg1">
+              <a:lumMod val="95000"/>
+            </a:schemeClr>
+          </a:solidFill>
+          <a:ln w="9525">
+            <a:noFill/>
+          </a:ln>
+        </p:spPr>
+        <p:txBody>
+          <a:bodyPr>
+            <a:spAutoFit/>
+          </a:bodyPr>
+          <a:lstStyle>
+            <a:lvl1pPr marL="228600" lvl="0" indent="-228600" algn="l" defTabSz="914400" eaLnBrk="0" fontAlgn="base" latinLnBrk="0" hangingPunct="0">
+              <a:lnSpc>
+                <a:spcPct val="90000"/>
+              </a:lnSpc>
+              <a:spcBef>
+                <a:spcPts val="1000"/>
+              </a:spcBef>
+              <a:spcAft>
+                <a:spcPct val="0"/>
+              </a:spcAft>
+              <a:buFont typeface="Arial" panose="020B0604020202020204" pitchFamily="34" charset="0"/>
+              <a:buChar char="•"/>
+              <a:defRPr sz="2800" u="none" kern="1200" baseline="0">
+                <a:solidFill>
+                  <a:schemeClr val="tx1"/>
+                </a:solidFill>
+                <a:latin typeface="Calibri" panose="020F0502020204030204" pitchFamily="2" charset="0"/>
+                <a:ea typeface="宋体" panose="02010600030101010101" pitchFamily="2" charset="-122"/>
+              </a:defRPr>
+            </a:lvl1pPr>
+            <a:lvl2pPr marL="685800" lvl="1" indent="-228600" algn="l" defTabSz="914400" eaLnBrk="0" fontAlgn="base" latinLnBrk="0" hangingPunct="0">
+              <a:lnSpc>
+                <a:spcPct val="90000"/>
+              </a:lnSpc>
+              <a:spcBef>
+                <a:spcPts val="500"/>
+              </a:spcBef>
+              <a:spcAft>
+                <a:spcPct val="0"/>
+              </a:spcAft>
+              <a:buFont typeface="Arial" panose="020B0604020202020204" pitchFamily="34" charset="0"/>
+              <a:buChar char="•"/>
+              <a:defRPr sz="2400" u="none" kern="1200" baseline="0">
+                <a:solidFill>
+                  <a:schemeClr val="tx1"/>
+                </a:solidFill>
+                <a:latin typeface="Calibri" panose="020F0502020204030204" pitchFamily="2" charset="0"/>
+                <a:ea typeface="宋体" panose="02010600030101010101" pitchFamily="2" charset="-122"/>
+              </a:defRPr>
+            </a:lvl2pPr>
+            <a:lvl3pPr marL="1143000" lvl="2" indent="-228600" algn="l" defTabSz="914400" eaLnBrk="0" fontAlgn="base" latinLnBrk="0" hangingPunct="0">
+              <a:lnSpc>
+                <a:spcPct val="90000"/>
+              </a:lnSpc>
+              <a:spcBef>
+                <a:spcPts val="500"/>
+              </a:spcBef>
+              <a:spcAft>
+                <a:spcPct val="0"/>
+              </a:spcAft>
+              <a:buFont typeface="Arial" panose="020B0604020202020204" pitchFamily="34" charset="0"/>
+              <a:buChar char="•"/>
+              <a:defRPr sz="2000" u="none" kern="1200" baseline="0">
+                <a:solidFill>
+                  <a:schemeClr val="tx1"/>
+                </a:solidFill>
+                <a:latin typeface="Calibri" panose="020F0502020204030204" pitchFamily="2" charset="0"/>
+                <a:ea typeface="宋体" panose="02010600030101010101" pitchFamily="2" charset="-122"/>
+              </a:defRPr>
+            </a:lvl3pPr>
+            <a:lvl4pPr marL="1600200" lvl="3" indent="-228600" algn="l" defTabSz="914400" eaLnBrk="0" fontAlgn="base" latinLnBrk="0" hangingPunct="0">
+              <a:lnSpc>
+                <a:spcPct val="90000"/>
+              </a:lnSpc>
+              <a:spcBef>
+                <a:spcPts val="500"/>
+              </a:spcBef>
+              <a:spcAft>
+                <a:spcPct val="0"/>
+              </a:spcAft>
+              <a:buFont typeface="Arial" panose="020B0604020202020204" pitchFamily="34" charset="0"/>
+              <a:buChar char="•"/>
+              <a:defRPr sz="1800" u="none" kern="1200" baseline="0">
+                <a:solidFill>
+                  <a:schemeClr val="tx1"/>
+                </a:solidFill>
+                <a:latin typeface="Calibri" panose="020F0502020204030204" pitchFamily="2" charset="0"/>
+                <a:ea typeface="宋体" panose="02010600030101010101" pitchFamily="2" charset="-122"/>
+              </a:defRPr>
+            </a:lvl4pPr>
+            <a:lvl5pPr marL="2057400" lvl="4" indent="-228600" algn="l" defTabSz="914400" eaLnBrk="0" fontAlgn="base" latinLnBrk="0" hangingPunct="0">
+              <a:lnSpc>
+                <a:spcPct val="90000"/>
+              </a:lnSpc>
+              <a:spcBef>
+                <a:spcPts val="500"/>
+              </a:spcBef>
+              <a:spcAft>
+                <a:spcPct val="0"/>
+              </a:spcAft>
+              <a:buFont typeface="Arial" panose="020B0604020202020204" pitchFamily="34" charset="0"/>
+              <a:buChar char="•"/>
+              <a:defRPr sz="1800" u="none" kern="1200" baseline="0">
+                <a:solidFill>
+                  <a:schemeClr val="tx1"/>
+                </a:solidFill>
+                <a:latin typeface="Calibri" panose="020F0502020204030204" pitchFamily="2" charset="0"/>
+                <a:ea typeface="宋体" panose="02010600030101010101" pitchFamily="2" charset="-122"/>
+              </a:defRPr>
+            </a:lvl5pPr>
+          </a:lstStyle>
+          <a:p>
+            <a:pPr marL="0" lvl="0" indent="0" eaLnBrk="1" hangingPunct="1">
+              <a:lnSpc>
+                <a:spcPct val="100000"/>
+              </a:lnSpc>
+              <a:spcBef>
+                <a:spcPct val="0"/>
+              </a:spcBef>
+              <a:buNone/>
+            </a:pPr>
+            <a:r>
+              <a:rPr lang="en-US" sz="3600" dirty="0">
+                <a:solidFill>
+                  <a:schemeClr val="bg1"/>
+                </a:solidFill>
+                <a:hlinkClick r:id="rId4" action="ppaction://hlinksldjump"/>
+              </a:rPr>
+              <a:t>UML</a:t>
+            </a:r>
+            <a:r>
+              <a:rPr lang="zh-CN" altLang="en-US" sz="3600" dirty="0">
+                <a:solidFill>
+                  <a:schemeClr val="bg1"/>
+                </a:solidFill>
+                <a:hlinkClick r:id="rId4" action="ppaction://hlinksldjump"/>
+              </a:rPr>
+              <a:t>的特点</a:t>
+            </a:r>
+            <a:endParaRPr lang="zh-CN" altLang="en-US" sz="3600" dirty="0">
+              <a:solidFill>
+                <a:schemeClr val="bg1"/>
+              </a:solidFill>
+            </a:endParaRPr>
+          </a:p>
+        </p:txBody>
+      </p:sp>
+      <p:cxnSp>
+        <p:nvCxnSpPr>
+          <p:cNvPr id="4107" name="直接连接符 27"/>
+          <p:cNvCxnSpPr/>
+          <p:nvPr/>
+        </p:nvCxnSpPr>
+        <p:spPr>
+          <a:xfrm flipH="1">
+            <a:off x="1971675" y="4489450"/>
+            <a:ext cx="347663" cy="447675"/>
+          </a:xfrm>
+          <a:prstGeom prst="line">
+            <a:avLst/>
+          </a:prstGeom>
+          <a:ln w="6350" cap="flat" cmpd="sng">
+            <a:solidFill>
+              <a:srgbClr val="FFC000"/>
+            </a:solidFill>
+            <a:prstDash val="solid"/>
+            <a:headEnd type="none" w="med" len="med"/>
+            <a:tailEnd type="none" w="med" len="med"/>
+          </a:ln>
+        </p:spPr>
+      </p:cxnSp>
+      <p:sp>
+        <p:nvSpPr>
+          <p:cNvPr id="4108" name="文本框 28"/>
+          <p:cNvSpPr txBox="1"/>
+          <p:nvPr/>
+        </p:nvSpPr>
+        <p:spPr>
+          <a:xfrm>
+            <a:off x="1687513" y="4383088"/>
+            <a:ext cx="325437" cy="523875"/>
+          </a:xfrm>
+          <a:prstGeom prst="rect">
+            <a:avLst/>
+          </a:prstGeom>
+          <a:noFill/>
+          <a:ln w="9525">
+            <a:noFill/>
+          </a:ln>
+        </p:spPr>
+        <p:txBody>
+          <a:bodyPr>
+            <a:spAutoFit/>
+          </a:bodyPr>
+          <a:lstStyle>
+            <a:lvl1pPr marL="228600" lvl="0" indent="-228600" algn="l" defTabSz="914400" eaLnBrk="0" fontAlgn="base" latinLnBrk="0" hangingPunct="0">
+              <a:lnSpc>
+                <a:spcPct val="90000"/>
+              </a:lnSpc>
+              <a:spcBef>
+                <a:spcPts val="1000"/>
+              </a:spcBef>
+              <a:spcAft>
+                <a:spcPct val="0"/>
+              </a:spcAft>
+              <a:buFont typeface="Arial" panose="020B0604020202020204" pitchFamily="34" charset="0"/>
+              <a:buChar char="•"/>
+              <a:defRPr sz="2800" u="none" kern="1200" baseline="0">
+                <a:solidFill>
+                  <a:schemeClr val="tx1"/>
+                </a:solidFill>
+                <a:latin typeface="Calibri" panose="020F0502020204030204" pitchFamily="2" charset="0"/>
+                <a:ea typeface="宋体" panose="02010600030101010101" pitchFamily="2" charset="-122"/>
+              </a:defRPr>
+            </a:lvl1pPr>
+            <a:lvl2pPr marL="685800" lvl="1" indent="-228600" algn="l" defTabSz="914400" eaLnBrk="0" fontAlgn="base" latinLnBrk="0" hangingPunct="0">
+              <a:lnSpc>
+                <a:spcPct val="90000"/>
+              </a:lnSpc>
+              <a:spcBef>
+                <a:spcPts val="500"/>
+              </a:spcBef>
+              <a:spcAft>
+                <a:spcPct val="0"/>
+              </a:spcAft>
+              <a:buFont typeface="Arial" panose="020B0604020202020204" pitchFamily="34" charset="0"/>
+              <a:buChar char="•"/>
+              <a:defRPr sz="2400" u="none" kern="1200" baseline="0">
+                <a:solidFill>
+                  <a:schemeClr val="tx1"/>
+                </a:solidFill>
+                <a:latin typeface="Calibri" panose="020F0502020204030204" pitchFamily="2" charset="0"/>
+                <a:ea typeface="宋体" panose="02010600030101010101" pitchFamily="2" charset="-122"/>
+              </a:defRPr>
+            </a:lvl2pPr>
+            <a:lvl3pPr marL="1143000" lvl="2" indent="-228600" algn="l" defTabSz="914400" eaLnBrk="0" fontAlgn="base" latinLnBrk="0" hangingPunct="0">
+              <a:lnSpc>
+                <a:spcPct val="90000"/>
+              </a:lnSpc>
+              <a:spcBef>
+                <a:spcPts val="500"/>
+              </a:spcBef>
+              <a:spcAft>
+                <a:spcPct val="0"/>
+              </a:spcAft>
+              <a:buFont typeface="Arial" panose="020B0604020202020204" pitchFamily="34" charset="0"/>
+              <a:buChar char="•"/>
+              <a:defRPr sz="2000" u="none" kern="1200" baseline="0">
+                <a:solidFill>
+                  <a:schemeClr val="tx1"/>
+                </a:solidFill>
+                <a:latin typeface="Calibri" panose="020F0502020204030204" pitchFamily="2" charset="0"/>
+                <a:ea typeface="宋体" panose="02010600030101010101" pitchFamily="2" charset="-122"/>
+              </a:defRPr>
+            </a:lvl3pPr>
+            <a:lvl4pPr marL="1600200" lvl="3" indent="-228600" algn="l" defTabSz="914400" eaLnBrk="0" fontAlgn="base" latinLnBrk="0" hangingPunct="0">
+              <a:lnSpc>
+                <a:spcPct val="90000"/>
+              </a:lnSpc>
+              <a:spcBef>
+                <a:spcPts val="500"/>
+              </a:spcBef>
+              <a:spcAft>
+                <a:spcPct val="0"/>
+              </a:spcAft>
+              <a:buFont typeface="Arial" panose="020B0604020202020204" pitchFamily="34" charset="0"/>
+              <a:buChar char="•"/>
+              <a:defRPr sz="1800" u="none" kern="1200" baseline="0">
+                <a:solidFill>
+                  <a:schemeClr val="tx1"/>
+                </a:solidFill>
+                <a:latin typeface="Calibri" panose="020F0502020204030204" pitchFamily="2" charset="0"/>
+                <a:ea typeface="宋体" panose="02010600030101010101" pitchFamily="2" charset="-122"/>
+              </a:defRPr>
+            </a:lvl4pPr>
+            <a:lvl5pPr marL="2057400" lvl="4" indent="-228600" algn="l" defTabSz="914400" eaLnBrk="0" fontAlgn="base" latinLnBrk="0" hangingPunct="0">
+              <a:lnSpc>
+                <a:spcPct val="90000"/>
+              </a:lnSpc>
+              <a:spcBef>
+                <a:spcPts val="500"/>
+              </a:spcBef>
+              <a:spcAft>
+                <a:spcPct val="0"/>
+              </a:spcAft>
+              <a:buFont typeface="Arial" panose="020B0604020202020204" pitchFamily="34" charset="0"/>
+              <a:buChar char="•"/>
+              <a:defRPr sz="1800" u="none" kern="1200" baseline="0">
+                <a:solidFill>
+                  <a:schemeClr val="tx1"/>
+                </a:solidFill>
+                <a:latin typeface="Calibri" panose="020F0502020204030204" pitchFamily="2" charset="0"/>
+                <a:ea typeface="宋体" panose="02010600030101010101" pitchFamily="2" charset="-122"/>
+              </a:defRPr>
+            </a:lvl5pPr>
+          </a:lstStyle>
+          <a:p>
+            <a:pPr marL="0" lvl="0" indent="0" eaLnBrk="1" hangingPunct="1">
+              <a:lnSpc>
+                <a:spcPct val="100000"/>
+              </a:lnSpc>
+              <a:spcBef>
+                <a:spcPct val="0"/>
+              </a:spcBef>
+              <a:buNone/>
+            </a:pPr>
+            <a:r>
+              <a:rPr lang="en-US" altLang="x-none" dirty="0">
+                <a:solidFill>
+                  <a:schemeClr val="bg1"/>
+                </a:solidFill>
+              </a:rPr>
+              <a:t>3</a:t>
+            </a:r>
+            <a:endParaRPr lang="zh-CN" altLang="en-US" dirty="0">
+              <a:solidFill>
+                <a:schemeClr val="bg1"/>
+              </a:solidFill>
+            </a:endParaRPr>
+          </a:p>
+        </p:txBody>
+      </p:sp>
+      <p:sp>
+        <p:nvSpPr>
+          <p:cNvPr id="4109" name="文本框 29"/>
+          <p:cNvSpPr txBox="1"/>
+          <p:nvPr/>
+        </p:nvSpPr>
+        <p:spPr>
+          <a:xfrm>
+            <a:off x="7209155" y="2621280"/>
+            <a:ext cx="3958590" cy="645160"/>
+          </a:xfrm>
+          <a:prstGeom prst="rect">
+            <a:avLst/>
+          </a:prstGeom>
+          <a:solidFill>
+            <a:schemeClr val="bg1">
+              <a:lumMod val="95000"/>
+            </a:schemeClr>
+          </a:solidFill>
+          <a:ln w="9525">
+            <a:noFill/>
+          </a:ln>
+        </p:spPr>
+        <p:txBody>
+          <a:bodyPr wrap="square">
+            <a:spAutoFit/>
+          </a:bodyPr>
+          <a:lstStyle>
+            <a:lvl1pPr marL="228600" lvl="0" indent="-228600" algn="l" defTabSz="914400" eaLnBrk="0" fontAlgn="base" latinLnBrk="0" hangingPunct="0">
+              <a:lnSpc>
+                <a:spcPct val="90000"/>
+              </a:lnSpc>
+              <a:spcBef>
+                <a:spcPts val="1000"/>
+              </a:spcBef>
+              <a:spcAft>
+                <a:spcPct val="0"/>
+              </a:spcAft>
+              <a:buFont typeface="Arial" panose="020B0604020202020204" pitchFamily="34" charset="0"/>
+              <a:buChar char="•"/>
+              <a:defRPr sz="2800" u="none" kern="1200" baseline="0">
+                <a:solidFill>
+                  <a:schemeClr val="tx1"/>
+                </a:solidFill>
+                <a:latin typeface="Calibri" panose="020F0502020204030204" pitchFamily="2" charset="0"/>
+                <a:ea typeface="宋体" panose="02010600030101010101" pitchFamily="2" charset="-122"/>
+              </a:defRPr>
+            </a:lvl1pPr>
+            <a:lvl2pPr marL="685800" lvl="1" indent="-228600" algn="l" defTabSz="914400" eaLnBrk="0" fontAlgn="base" latinLnBrk="0" hangingPunct="0">
+              <a:lnSpc>
+                <a:spcPct val="90000"/>
+              </a:lnSpc>
+              <a:spcBef>
+                <a:spcPts val="500"/>
+              </a:spcBef>
+              <a:spcAft>
+                <a:spcPct val="0"/>
+              </a:spcAft>
+              <a:buFont typeface="Arial" panose="020B0604020202020204" pitchFamily="34" charset="0"/>
+              <a:buChar char="•"/>
+              <a:defRPr sz="2400" u="none" kern="1200" baseline="0">
+                <a:solidFill>
+                  <a:schemeClr val="tx1"/>
+                </a:solidFill>
+                <a:latin typeface="Calibri" panose="020F0502020204030204" pitchFamily="2" charset="0"/>
+                <a:ea typeface="宋体" panose="02010600030101010101" pitchFamily="2" charset="-122"/>
+              </a:defRPr>
+            </a:lvl2pPr>
+            <a:lvl3pPr marL="1143000" lvl="2" indent="-228600" algn="l" defTabSz="914400" eaLnBrk="0" fontAlgn="base" latinLnBrk="0" hangingPunct="0">
+              <a:lnSpc>
+                <a:spcPct val="90000"/>
+              </a:lnSpc>
+              <a:spcBef>
+                <a:spcPts val="500"/>
+              </a:spcBef>
+              <a:spcAft>
+                <a:spcPct val="0"/>
+              </a:spcAft>
+              <a:buFont typeface="Arial" panose="020B0604020202020204" pitchFamily="34" charset="0"/>
+              <a:buChar char="•"/>
+              <a:defRPr sz="2000" u="none" kern="1200" baseline="0">
+                <a:solidFill>
+                  <a:schemeClr val="tx1"/>
+                </a:solidFill>
+                <a:latin typeface="Calibri" panose="020F0502020204030204" pitchFamily="2" charset="0"/>
+                <a:ea typeface="宋体" panose="02010600030101010101" pitchFamily="2" charset="-122"/>
+              </a:defRPr>
+            </a:lvl3pPr>
+            <a:lvl4pPr marL="1600200" lvl="3" indent="-228600" algn="l" defTabSz="914400" eaLnBrk="0" fontAlgn="base" latinLnBrk="0" hangingPunct="0">
+              <a:lnSpc>
+                <a:spcPct val="90000"/>
+              </a:lnSpc>
+              <a:spcBef>
+                <a:spcPts val="500"/>
+              </a:spcBef>
+              <a:spcAft>
+                <a:spcPct val="0"/>
+              </a:spcAft>
+              <a:buFont typeface="Arial" panose="020B0604020202020204" pitchFamily="34" charset="0"/>
+              <a:buChar char="•"/>
+              <a:defRPr sz="1800" u="none" kern="1200" baseline="0">
+                <a:solidFill>
+                  <a:schemeClr val="tx1"/>
+                </a:solidFill>
+                <a:latin typeface="Calibri" panose="020F0502020204030204" pitchFamily="2" charset="0"/>
+                <a:ea typeface="宋体" panose="02010600030101010101" pitchFamily="2" charset="-122"/>
+              </a:defRPr>
+            </a:lvl4pPr>
+            <a:lvl5pPr marL="2057400" lvl="4" indent="-228600" algn="l" defTabSz="914400" eaLnBrk="0" fontAlgn="base" latinLnBrk="0" hangingPunct="0">
+              <a:lnSpc>
+                <a:spcPct val="90000"/>
+              </a:lnSpc>
+              <a:spcBef>
+                <a:spcPts val="500"/>
+              </a:spcBef>
+              <a:spcAft>
+                <a:spcPct val="0"/>
+              </a:spcAft>
+              <a:buFont typeface="Arial" panose="020B0604020202020204" pitchFamily="34" charset="0"/>
+              <a:buChar char="•"/>
+              <a:defRPr sz="1800" u="none" kern="1200" baseline="0">
+                <a:solidFill>
+                  <a:schemeClr val="tx1"/>
+                </a:solidFill>
+                <a:latin typeface="Calibri" panose="020F0502020204030204" pitchFamily="2" charset="0"/>
+                <a:ea typeface="宋体" panose="02010600030101010101" pitchFamily="2" charset="-122"/>
+              </a:defRPr>
+            </a:lvl5pPr>
+          </a:lstStyle>
+          <a:p>
+            <a:pPr marL="0" lvl="0" indent="0" eaLnBrk="1" hangingPunct="1">
+              <a:lnSpc>
+                <a:spcPct val="100000"/>
+              </a:lnSpc>
+              <a:spcBef>
+                <a:spcPct val="0"/>
+              </a:spcBef>
+              <a:buNone/>
+            </a:pPr>
+            <a:r>
+              <a:rPr lang="en-US" sz="3600" dirty="0">
+                <a:solidFill>
+                  <a:schemeClr val="bg1"/>
+                </a:solidFill>
+                <a:sym typeface="+mn-ea"/>
+                <a:hlinkClick r:id="rId5" action="ppaction://hlinksldjump"/>
+              </a:rPr>
+              <a:t>UML</a:t>
+            </a:r>
+            <a:r>
+              <a:rPr lang="zh-CN" altLang="en-US" sz="3600" dirty="0">
+                <a:solidFill>
+                  <a:schemeClr val="bg1"/>
+                </a:solidFill>
+                <a:sym typeface="+mn-ea"/>
+                <a:hlinkClick r:id="rId5" action="ppaction://hlinksldjump"/>
+              </a:rPr>
+              <a:t>的构造块</a:t>
+            </a:r>
+            <a:endParaRPr lang="zh-CN" altLang="en-US" sz="3600" dirty="0">
+              <a:solidFill>
+                <a:schemeClr val="bg1"/>
+              </a:solidFill>
+            </a:endParaRPr>
+          </a:p>
+        </p:txBody>
+      </p:sp>
+      <p:cxnSp>
+        <p:nvCxnSpPr>
+          <p:cNvPr id="4110" name="直接连接符 30"/>
+          <p:cNvCxnSpPr/>
+          <p:nvPr/>
+        </p:nvCxnSpPr>
+        <p:spPr>
+          <a:xfrm flipH="1">
+            <a:off x="6861175" y="2719388"/>
+            <a:ext cx="347663" cy="447675"/>
+          </a:xfrm>
+          <a:prstGeom prst="line">
+            <a:avLst/>
+          </a:prstGeom>
+          <a:ln w="6350" cap="flat" cmpd="sng">
+            <a:solidFill>
+              <a:srgbClr val="FFC000"/>
+            </a:solidFill>
+            <a:prstDash val="solid"/>
+            <a:headEnd type="none" w="med" len="med"/>
+            <a:tailEnd type="none" w="med" len="med"/>
+          </a:ln>
+        </p:spPr>
+      </p:cxnSp>
+      <p:sp>
+        <p:nvSpPr>
+          <p:cNvPr id="4111" name="文本框 31"/>
+          <p:cNvSpPr txBox="1"/>
+          <p:nvPr/>
+        </p:nvSpPr>
+        <p:spPr>
+          <a:xfrm>
+            <a:off x="6578600" y="2614613"/>
+            <a:ext cx="323850" cy="522287"/>
+          </a:xfrm>
+          <a:prstGeom prst="rect">
+            <a:avLst/>
+          </a:prstGeom>
+          <a:noFill/>
+          <a:ln w="9525">
+            <a:noFill/>
+          </a:ln>
+        </p:spPr>
+        <p:txBody>
+          <a:bodyPr>
+            <a:spAutoFit/>
+          </a:bodyPr>
+          <a:lstStyle>
+            <a:lvl1pPr marL="228600" lvl="0" indent="-228600" algn="l" defTabSz="914400" eaLnBrk="0" fontAlgn="base" latinLnBrk="0" hangingPunct="0">
+              <a:lnSpc>
+                <a:spcPct val="90000"/>
+              </a:lnSpc>
+              <a:spcBef>
+                <a:spcPts val="1000"/>
+              </a:spcBef>
+              <a:spcAft>
+                <a:spcPct val="0"/>
+              </a:spcAft>
+              <a:buFont typeface="Arial" panose="020B0604020202020204" pitchFamily="34" charset="0"/>
+              <a:buChar char="•"/>
+              <a:defRPr sz="2800" u="none" kern="1200" baseline="0">
+                <a:solidFill>
+                  <a:schemeClr val="tx1"/>
+                </a:solidFill>
+                <a:latin typeface="Calibri" panose="020F0502020204030204" pitchFamily="2" charset="0"/>
+                <a:ea typeface="宋体" panose="02010600030101010101" pitchFamily="2" charset="-122"/>
+              </a:defRPr>
+            </a:lvl1pPr>
+            <a:lvl2pPr marL="685800" lvl="1" indent="-228600" algn="l" defTabSz="914400" eaLnBrk="0" fontAlgn="base" latinLnBrk="0" hangingPunct="0">
+              <a:lnSpc>
+                <a:spcPct val="90000"/>
+              </a:lnSpc>
+              <a:spcBef>
+                <a:spcPts val="500"/>
+              </a:spcBef>
+              <a:spcAft>
+                <a:spcPct val="0"/>
+              </a:spcAft>
+              <a:buFont typeface="Arial" panose="020B0604020202020204" pitchFamily="34" charset="0"/>
+              <a:buChar char="•"/>
+              <a:defRPr sz="2400" u="none" kern="1200" baseline="0">
+                <a:solidFill>
+                  <a:schemeClr val="tx1"/>
+                </a:solidFill>
+                <a:latin typeface="Calibri" panose="020F0502020204030204" pitchFamily="2" charset="0"/>
+                <a:ea typeface="宋体" panose="02010600030101010101" pitchFamily="2" charset="-122"/>
+              </a:defRPr>
+            </a:lvl2pPr>
+            <a:lvl3pPr marL="1143000" lvl="2" indent="-228600" algn="l" defTabSz="914400" eaLnBrk="0" fontAlgn="base" latinLnBrk="0" hangingPunct="0">
+              <a:lnSpc>
+                <a:spcPct val="90000"/>
+              </a:lnSpc>
+              <a:spcBef>
+                <a:spcPts val="500"/>
+              </a:spcBef>
+              <a:spcAft>
+                <a:spcPct val="0"/>
+              </a:spcAft>
+              <a:buFont typeface="Arial" panose="020B0604020202020204" pitchFamily="34" charset="0"/>
+              <a:buChar char="•"/>
+              <a:defRPr sz="2000" u="none" kern="1200" baseline="0">
+                <a:solidFill>
+                  <a:schemeClr val="tx1"/>
+                </a:solidFill>
+                <a:latin typeface="Calibri" panose="020F0502020204030204" pitchFamily="2" charset="0"/>
+                <a:ea typeface="宋体" panose="02010600030101010101" pitchFamily="2" charset="-122"/>
+              </a:defRPr>
+            </a:lvl3pPr>
+            <a:lvl4pPr marL="1600200" lvl="3" indent="-228600" algn="l" defTabSz="914400" eaLnBrk="0" fontAlgn="base" latinLnBrk="0" hangingPunct="0">
+              <a:lnSpc>
+                <a:spcPct val="90000"/>
+              </a:lnSpc>
+              <a:spcBef>
+                <a:spcPts val="500"/>
+              </a:spcBef>
+              <a:spcAft>
+                <a:spcPct val="0"/>
+              </a:spcAft>
+              <a:buFont typeface="Arial" panose="020B0604020202020204" pitchFamily="34" charset="0"/>
+              <a:buChar char="•"/>
+              <a:defRPr sz="1800" u="none" kern="1200" baseline="0">
+                <a:solidFill>
+                  <a:schemeClr val="tx1"/>
+                </a:solidFill>
+                <a:latin typeface="Calibri" panose="020F0502020204030204" pitchFamily="2" charset="0"/>
+                <a:ea typeface="宋体" panose="02010600030101010101" pitchFamily="2" charset="-122"/>
+              </a:defRPr>
+            </a:lvl4pPr>
+            <a:lvl5pPr marL="2057400" lvl="4" indent="-228600" algn="l" defTabSz="914400" eaLnBrk="0" fontAlgn="base" latinLnBrk="0" hangingPunct="0">
+              <a:lnSpc>
+                <a:spcPct val="90000"/>
+              </a:lnSpc>
+              <a:spcBef>
+                <a:spcPts val="500"/>
+              </a:spcBef>
+              <a:spcAft>
+                <a:spcPct val="0"/>
+              </a:spcAft>
+              <a:buFont typeface="Arial" panose="020B0604020202020204" pitchFamily="34" charset="0"/>
+              <a:buChar char="•"/>
+              <a:defRPr sz="1800" u="none" kern="1200" baseline="0">
+                <a:solidFill>
+                  <a:schemeClr val="tx1"/>
+                </a:solidFill>
+                <a:latin typeface="Calibri" panose="020F0502020204030204" pitchFamily="2" charset="0"/>
+                <a:ea typeface="宋体" panose="02010600030101010101" pitchFamily="2" charset="-122"/>
+              </a:defRPr>
+            </a:lvl5pPr>
+          </a:lstStyle>
+          <a:p>
+            <a:pPr marL="0" lvl="0" indent="0" eaLnBrk="1" hangingPunct="1">
+              <a:lnSpc>
+                <a:spcPct val="100000"/>
+              </a:lnSpc>
+              <a:spcBef>
+                <a:spcPct val="0"/>
+              </a:spcBef>
+              <a:buNone/>
+            </a:pPr>
+            <a:r>
+              <a:rPr lang="en-US" altLang="x-none" dirty="0">
+                <a:solidFill>
+                  <a:schemeClr val="bg1"/>
+                </a:solidFill>
+              </a:rPr>
+              <a:t>4</a:t>
+            </a:r>
+            <a:endParaRPr lang="zh-CN" altLang="en-US" dirty="0">
+              <a:solidFill>
+                <a:schemeClr val="bg1"/>
+              </a:solidFill>
+            </a:endParaRPr>
+          </a:p>
+        </p:txBody>
+      </p:sp>
+      <p:sp>
+        <p:nvSpPr>
+          <p:cNvPr id="4112" name="文本框 32"/>
+          <p:cNvSpPr txBox="1"/>
+          <p:nvPr/>
+        </p:nvSpPr>
+        <p:spPr>
+          <a:xfrm>
+            <a:off x="7208838" y="3506788"/>
+            <a:ext cx="3151187" cy="645160"/>
+          </a:xfrm>
+          <a:prstGeom prst="rect">
+            <a:avLst/>
+          </a:prstGeom>
+          <a:solidFill>
+            <a:schemeClr val="bg1">
+              <a:lumMod val="95000"/>
+            </a:schemeClr>
+          </a:solidFill>
+          <a:ln w="9525">
+            <a:noFill/>
+          </a:ln>
+        </p:spPr>
+        <p:txBody>
+          <a:bodyPr>
+            <a:spAutoFit/>
+          </a:bodyPr>
+          <a:lstStyle>
+            <a:lvl1pPr marL="228600" lvl="0" indent="-228600" algn="l" defTabSz="914400" eaLnBrk="0" fontAlgn="base" latinLnBrk="0" hangingPunct="0">
+              <a:lnSpc>
+                <a:spcPct val="90000"/>
+              </a:lnSpc>
+              <a:spcBef>
+                <a:spcPts val="1000"/>
+              </a:spcBef>
+              <a:spcAft>
+                <a:spcPct val="0"/>
+              </a:spcAft>
+              <a:buFont typeface="Arial" panose="020B0604020202020204" pitchFamily="34" charset="0"/>
+              <a:buChar char="•"/>
+              <a:defRPr sz="2800" u="none" kern="1200" baseline="0">
+                <a:solidFill>
+                  <a:schemeClr val="tx1"/>
+                </a:solidFill>
+                <a:latin typeface="Calibri" panose="020F0502020204030204" pitchFamily="2" charset="0"/>
+                <a:ea typeface="宋体" panose="02010600030101010101" pitchFamily="2" charset="-122"/>
+              </a:defRPr>
+            </a:lvl1pPr>
+            <a:lvl2pPr marL="685800" lvl="1" indent="-228600" algn="l" defTabSz="914400" eaLnBrk="0" fontAlgn="base" latinLnBrk="0" hangingPunct="0">
+              <a:lnSpc>
+                <a:spcPct val="90000"/>
+              </a:lnSpc>
+              <a:spcBef>
+                <a:spcPts val="500"/>
+              </a:spcBef>
+              <a:spcAft>
+                <a:spcPct val="0"/>
+              </a:spcAft>
+              <a:buFont typeface="Arial" panose="020B0604020202020204" pitchFamily="34" charset="0"/>
+              <a:buChar char="•"/>
+              <a:defRPr sz="2400" u="none" kern="1200" baseline="0">
+                <a:solidFill>
+                  <a:schemeClr val="tx1"/>
+                </a:solidFill>
+                <a:latin typeface="Calibri" panose="020F0502020204030204" pitchFamily="2" charset="0"/>
+                <a:ea typeface="宋体" panose="02010600030101010101" pitchFamily="2" charset="-122"/>
+              </a:defRPr>
+            </a:lvl2pPr>
+            <a:lvl3pPr marL="1143000" lvl="2" indent="-228600" algn="l" defTabSz="914400" eaLnBrk="0" fontAlgn="base" latinLnBrk="0" hangingPunct="0">
+              <a:lnSpc>
+                <a:spcPct val="90000"/>
+              </a:lnSpc>
+              <a:spcBef>
+                <a:spcPts val="500"/>
+              </a:spcBef>
+              <a:spcAft>
+                <a:spcPct val="0"/>
+              </a:spcAft>
+              <a:buFont typeface="Arial" panose="020B0604020202020204" pitchFamily="34" charset="0"/>
+              <a:buChar char="•"/>
+              <a:defRPr sz="2000" u="none" kern="1200" baseline="0">
+                <a:solidFill>
+                  <a:schemeClr val="tx1"/>
+                </a:solidFill>
+                <a:latin typeface="Calibri" panose="020F0502020204030204" pitchFamily="2" charset="0"/>
+                <a:ea typeface="宋体" panose="02010600030101010101" pitchFamily="2" charset="-122"/>
+              </a:defRPr>
+            </a:lvl3pPr>
+            <a:lvl4pPr marL="1600200" lvl="3" indent="-228600" algn="l" defTabSz="914400" eaLnBrk="0" fontAlgn="base" latinLnBrk="0" hangingPunct="0">
+              <a:lnSpc>
+                <a:spcPct val="90000"/>
+              </a:lnSpc>
+              <a:spcBef>
+                <a:spcPts val="500"/>
+              </a:spcBef>
+              <a:spcAft>
+                <a:spcPct val="0"/>
+              </a:spcAft>
+              <a:buFont typeface="Arial" panose="020B0604020202020204" pitchFamily="34" charset="0"/>
+              <a:buChar char="•"/>
+              <a:defRPr sz="1800" u="none" kern="1200" baseline="0">
+                <a:solidFill>
+                  <a:schemeClr val="tx1"/>
+                </a:solidFill>
+                <a:latin typeface="Calibri" panose="020F0502020204030204" pitchFamily="2" charset="0"/>
+                <a:ea typeface="宋体" panose="02010600030101010101" pitchFamily="2" charset="-122"/>
+              </a:defRPr>
+            </a:lvl4pPr>
+            <a:lvl5pPr marL="2057400" lvl="4" indent="-228600" algn="l" defTabSz="914400" eaLnBrk="0" fontAlgn="base" latinLnBrk="0" hangingPunct="0">
+              <a:lnSpc>
+                <a:spcPct val="90000"/>
+              </a:lnSpc>
+              <a:spcBef>
+                <a:spcPts val="500"/>
+              </a:spcBef>
+              <a:spcAft>
+                <a:spcPct val="0"/>
+              </a:spcAft>
+              <a:buFont typeface="Arial" panose="020B0604020202020204" pitchFamily="34" charset="0"/>
+              <a:buChar char="•"/>
+              <a:defRPr sz="1800" u="none" kern="1200" baseline="0">
+                <a:solidFill>
+                  <a:schemeClr val="tx1"/>
+                </a:solidFill>
+                <a:latin typeface="Calibri" panose="020F0502020204030204" pitchFamily="2" charset="0"/>
+                <a:ea typeface="宋体" panose="02010600030101010101" pitchFamily="2" charset="-122"/>
+              </a:defRPr>
+            </a:lvl5pPr>
+          </a:lstStyle>
+          <a:p>
+            <a:pPr marL="0" lvl="0" indent="0" eaLnBrk="1" hangingPunct="1">
+              <a:lnSpc>
+                <a:spcPct val="100000"/>
+              </a:lnSpc>
+              <a:spcBef>
+                <a:spcPct val="0"/>
+              </a:spcBef>
+              <a:buNone/>
+            </a:pPr>
+            <a:r>
+              <a:rPr lang="en-US" sz="3600" dirty="0">
+                <a:solidFill>
+                  <a:schemeClr val="bg1"/>
+                </a:solidFill>
+                <a:sym typeface="+mn-ea"/>
+                <a:hlinkClick r:id="rId6" action="ppaction://hlinksldjump"/>
+              </a:rPr>
+              <a:t>UML</a:t>
+            </a:r>
+            <a:r>
+              <a:rPr lang="zh-CN" altLang="en-US" sz="3600" dirty="0">
+                <a:solidFill>
+                  <a:schemeClr val="bg1"/>
+                </a:solidFill>
+                <a:sym typeface="+mn-ea"/>
+                <a:hlinkClick r:id="rId6" action="ppaction://hlinksldjump"/>
+              </a:rPr>
+              <a:t>的规则</a:t>
+            </a:r>
+            <a:endParaRPr lang="zh-CN" sz="3600" dirty="0">
+              <a:solidFill>
+                <a:schemeClr val="bg1"/>
+              </a:solidFill>
+            </a:endParaRPr>
+          </a:p>
+        </p:txBody>
+      </p:sp>
+      <p:cxnSp>
+        <p:nvCxnSpPr>
+          <p:cNvPr id="4113" name="直接连接符 33"/>
+          <p:cNvCxnSpPr/>
+          <p:nvPr/>
+        </p:nvCxnSpPr>
+        <p:spPr>
+          <a:xfrm flipH="1">
+            <a:off x="6861175" y="3605213"/>
+            <a:ext cx="347663" cy="447675"/>
+          </a:xfrm>
+          <a:prstGeom prst="line">
+            <a:avLst/>
+          </a:prstGeom>
+          <a:ln w="6350" cap="flat" cmpd="sng">
+            <a:solidFill>
+              <a:srgbClr val="FFC000"/>
+            </a:solidFill>
+            <a:prstDash val="solid"/>
+            <a:headEnd type="none" w="med" len="med"/>
+            <a:tailEnd type="none" w="med" len="med"/>
+          </a:ln>
+        </p:spPr>
+      </p:cxnSp>
+      <p:sp>
+        <p:nvSpPr>
+          <p:cNvPr id="4114" name="文本框 34"/>
+          <p:cNvSpPr txBox="1"/>
+          <p:nvPr/>
+        </p:nvSpPr>
+        <p:spPr>
+          <a:xfrm>
+            <a:off x="6578600" y="3498850"/>
+            <a:ext cx="323850" cy="523875"/>
+          </a:xfrm>
+          <a:prstGeom prst="rect">
+            <a:avLst/>
+          </a:prstGeom>
+          <a:noFill/>
+          <a:ln w="9525">
+            <a:noFill/>
+          </a:ln>
+        </p:spPr>
+        <p:txBody>
+          <a:bodyPr>
+            <a:spAutoFit/>
+          </a:bodyPr>
+          <a:lstStyle>
+            <a:lvl1pPr marL="228600" lvl="0" indent="-228600" algn="l" defTabSz="914400" eaLnBrk="0" fontAlgn="base" latinLnBrk="0" hangingPunct="0">
+              <a:lnSpc>
+                <a:spcPct val="90000"/>
+              </a:lnSpc>
+              <a:spcBef>
+                <a:spcPts val="1000"/>
+              </a:spcBef>
+              <a:spcAft>
+                <a:spcPct val="0"/>
+              </a:spcAft>
+              <a:buFont typeface="Arial" panose="020B0604020202020204" pitchFamily="34" charset="0"/>
+              <a:buChar char="•"/>
+              <a:defRPr sz="2800" u="none" kern="1200" baseline="0">
+                <a:solidFill>
+                  <a:schemeClr val="tx1"/>
+                </a:solidFill>
+                <a:latin typeface="Calibri" panose="020F0502020204030204" pitchFamily="2" charset="0"/>
+                <a:ea typeface="宋体" panose="02010600030101010101" pitchFamily="2" charset="-122"/>
+              </a:defRPr>
+            </a:lvl1pPr>
+            <a:lvl2pPr marL="685800" lvl="1" indent="-228600" algn="l" defTabSz="914400" eaLnBrk="0" fontAlgn="base" latinLnBrk="0" hangingPunct="0">
+              <a:lnSpc>
+                <a:spcPct val="90000"/>
+              </a:lnSpc>
+              <a:spcBef>
+                <a:spcPts val="500"/>
+              </a:spcBef>
+              <a:spcAft>
+                <a:spcPct val="0"/>
+              </a:spcAft>
+              <a:buFont typeface="Arial" panose="020B0604020202020204" pitchFamily="34" charset="0"/>
+              <a:buChar char="•"/>
+              <a:defRPr sz="2400" u="none" kern="1200" baseline="0">
+                <a:solidFill>
+                  <a:schemeClr val="tx1"/>
+                </a:solidFill>
+                <a:latin typeface="Calibri" panose="020F0502020204030204" pitchFamily="2" charset="0"/>
+                <a:ea typeface="宋体" panose="02010600030101010101" pitchFamily="2" charset="-122"/>
+              </a:defRPr>
+            </a:lvl2pPr>
+            <a:lvl3pPr marL="1143000" lvl="2" indent="-228600" algn="l" defTabSz="914400" eaLnBrk="0" fontAlgn="base" latinLnBrk="0" hangingPunct="0">
+              <a:lnSpc>
+                <a:spcPct val="90000"/>
+              </a:lnSpc>
+              <a:spcBef>
+                <a:spcPts val="500"/>
+              </a:spcBef>
+              <a:spcAft>
+                <a:spcPct val="0"/>
+              </a:spcAft>
+              <a:buFont typeface="Arial" panose="020B0604020202020204" pitchFamily="34" charset="0"/>
+              <a:buChar char="•"/>
+              <a:defRPr sz="2000" u="none" kern="1200" baseline="0">
+                <a:solidFill>
+                  <a:schemeClr val="tx1"/>
+                </a:solidFill>
+                <a:latin typeface="Calibri" panose="020F0502020204030204" pitchFamily="2" charset="0"/>
+                <a:ea typeface="宋体" panose="02010600030101010101" pitchFamily="2" charset="-122"/>
+              </a:defRPr>
+            </a:lvl3pPr>
+            <a:lvl4pPr marL="1600200" lvl="3" indent="-228600" algn="l" defTabSz="914400" eaLnBrk="0" fontAlgn="base" latinLnBrk="0" hangingPunct="0">
+              <a:lnSpc>
+                <a:spcPct val="90000"/>
+              </a:lnSpc>
+              <a:spcBef>
+                <a:spcPts val="500"/>
+              </a:spcBef>
+              <a:spcAft>
+                <a:spcPct val="0"/>
+              </a:spcAft>
+              <a:buFont typeface="Arial" panose="020B0604020202020204" pitchFamily="34" charset="0"/>
+              <a:buChar char="•"/>
+              <a:defRPr sz="1800" u="none" kern="1200" baseline="0">
+                <a:solidFill>
+                  <a:schemeClr val="tx1"/>
+                </a:solidFill>
+                <a:latin typeface="Calibri" panose="020F0502020204030204" pitchFamily="2" charset="0"/>
+                <a:ea typeface="宋体" panose="02010600030101010101" pitchFamily="2" charset="-122"/>
+              </a:defRPr>
+            </a:lvl4pPr>
+            <a:lvl5pPr marL="2057400" lvl="4" indent="-228600" algn="l" defTabSz="914400" eaLnBrk="0" fontAlgn="base" latinLnBrk="0" hangingPunct="0">
+              <a:lnSpc>
+                <a:spcPct val="90000"/>
+              </a:lnSpc>
+              <a:spcBef>
+                <a:spcPts val="500"/>
+              </a:spcBef>
+              <a:spcAft>
+                <a:spcPct val="0"/>
+              </a:spcAft>
+              <a:buFont typeface="Arial" panose="020B0604020202020204" pitchFamily="34" charset="0"/>
+              <a:buChar char="•"/>
+              <a:defRPr sz="1800" u="none" kern="1200" baseline="0">
+                <a:solidFill>
+                  <a:schemeClr val="tx1"/>
+                </a:solidFill>
+                <a:latin typeface="Calibri" panose="020F0502020204030204" pitchFamily="2" charset="0"/>
+                <a:ea typeface="宋体" panose="02010600030101010101" pitchFamily="2" charset="-122"/>
+              </a:defRPr>
+            </a:lvl5pPr>
+          </a:lstStyle>
+          <a:p>
+            <a:pPr marL="0" lvl="0" indent="0" eaLnBrk="1" hangingPunct="1">
+              <a:lnSpc>
+                <a:spcPct val="100000"/>
+              </a:lnSpc>
+              <a:spcBef>
+                <a:spcPct val="0"/>
+              </a:spcBef>
+              <a:buNone/>
+            </a:pPr>
+            <a:r>
+              <a:rPr lang="en-US" altLang="x-none" dirty="0">
+                <a:solidFill>
+                  <a:schemeClr val="bg1"/>
+                </a:solidFill>
+              </a:rPr>
+              <a:t>5</a:t>
+            </a:r>
+            <a:endParaRPr lang="zh-CN" altLang="en-US" dirty="0">
+              <a:solidFill>
+                <a:schemeClr val="bg1"/>
+              </a:solidFill>
+            </a:endParaRPr>
+          </a:p>
+        </p:txBody>
+      </p:sp>
+      <p:sp>
+        <p:nvSpPr>
+          <p:cNvPr id="2" name="文本框 32"/>
+          <p:cNvSpPr txBox="1"/>
+          <p:nvPr/>
+        </p:nvSpPr>
+        <p:spPr>
+          <a:xfrm>
+            <a:off x="7209155" y="4489450"/>
+            <a:ext cx="3958590" cy="645160"/>
+          </a:xfrm>
+          <a:prstGeom prst="rect">
+            <a:avLst/>
+          </a:prstGeom>
+          <a:solidFill>
+            <a:schemeClr val="bg1">
+              <a:lumMod val="95000"/>
+            </a:schemeClr>
+          </a:solidFill>
+          <a:ln w="9525">
+            <a:noFill/>
+          </a:ln>
+        </p:spPr>
+        <p:txBody>
+          <a:bodyPr wrap="square">
+            <a:spAutoFit/>
+          </a:bodyPr>
+          <a:lstStyle>
+            <a:lvl1pPr marL="228600" lvl="0" indent="-228600" algn="l" defTabSz="914400" eaLnBrk="0" fontAlgn="base" latinLnBrk="0" hangingPunct="0">
+              <a:lnSpc>
+                <a:spcPct val="90000"/>
+              </a:lnSpc>
+              <a:spcBef>
+                <a:spcPts val="1000"/>
+              </a:spcBef>
+              <a:spcAft>
+                <a:spcPct val="0"/>
+              </a:spcAft>
+              <a:buFont typeface="Arial" panose="020B0604020202020204" pitchFamily="34" charset="0"/>
+              <a:buChar char="•"/>
+              <a:defRPr sz="2800" u="none" kern="1200" baseline="0">
+                <a:solidFill>
+                  <a:schemeClr val="tx1"/>
+                </a:solidFill>
+                <a:latin typeface="Calibri" panose="020F0502020204030204" pitchFamily="2" charset="0"/>
+                <a:ea typeface="宋体" panose="02010600030101010101" pitchFamily="2" charset="-122"/>
+              </a:defRPr>
+            </a:lvl1pPr>
+            <a:lvl2pPr marL="685800" lvl="1" indent="-228600" algn="l" defTabSz="914400" eaLnBrk="0" fontAlgn="base" latinLnBrk="0" hangingPunct="0">
+              <a:lnSpc>
+                <a:spcPct val="90000"/>
+              </a:lnSpc>
+              <a:spcBef>
+                <a:spcPts val="500"/>
+              </a:spcBef>
+              <a:spcAft>
+                <a:spcPct val="0"/>
+              </a:spcAft>
+              <a:buFont typeface="Arial" panose="020B0604020202020204" pitchFamily="34" charset="0"/>
+              <a:buChar char="•"/>
+              <a:defRPr sz="2400" u="none" kern="1200" baseline="0">
+                <a:solidFill>
+                  <a:schemeClr val="tx1"/>
+                </a:solidFill>
+                <a:latin typeface="Calibri" panose="020F0502020204030204" pitchFamily="2" charset="0"/>
+                <a:ea typeface="宋体" panose="02010600030101010101" pitchFamily="2" charset="-122"/>
+              </a:defRPr>
+            </a:lvl2pPr>
+            <a:lvl3pPr marL="1143000" lvl="2" indent="-228600" algn="l" defTabSz="914400" eaLnBrk="0" fontAlgn="base" latinLnBrk="0" hangingPunct="0">
+              <a:lnSpc>
+                <a:spcPct val="90000"/>
+              </a:lnSpc>
+              <a:spcBef>
+                <a:spcPts val="500"/>
+              </a:spcBef>
+              <a:spcAft>
+                <a:spcPct val="0"/>
+              </a:spcAft>
+              <a:buFont typeface="Arial" panose="020B0604020202020204" pitchFamily="34" charset="0"/>
+              <a:buChar char="•"/>
+              <a:defRPr sz="2000" u="none" kern="1200" baseline="0">
+                <a:solidFill>
+                  <a:schemeClr val="tx1"/>
+                </a:solidFill>
+                <a:latin typeface="Calibri" panose="020F0502020204030204" pitchFamily="2" charset="0"/>
+                <a:ea typeface="宋体" panose="02010600030101010101" pitchFamily="2" charset="-122"/>
+              </a:defRPr>
+            </a:lvl3pPr>
+            <a:lvl4pPr marL="1600200" lvl="3" indent="-228600" algn="l" defTabSz="914400" eaLnBrk="0" fontAlgn="base" latinLnBrk="0" hangingPunct="0">
+              <a:lnSpc>
+                <a:spcPct val="90000"/>
+              </a:lnSpc>
+              <a:spcBef>
+                <a:spcPts val="500"/>
+              </a:spcBef>
+              <a:spcAft>
+                <a:spcPct val="0"/>
+              </a:spcAft>
+              <a:buFont typeface="Arial" panose="020B0604020202020204" pitchFamily="34" charset="0"/>
+              <a:buChar char="•"/>
+              <a:defRPr sz="1800" u="none" kern="1200" baseline="0">
+                <a:solidFill>
+                  <a:schemeClr val="tx1"/>
+                </a:solidFill>
+                <a:latin typeface="Calibri" panose="020F0502020204030204" pitchFamily="2" charset="0"/>
+                <a:ea typeface="宋体" panose="02010600030101010101" pitchFamily="2" charset="-122"/>
+              </a:defRPr>
+            </a:lvl4pPr>
+            <a:lvl5pPr marL="2057400" lvl="4" indent="-228600" algn="l" defTabSz="914400" eaLnBrk="0" fontAlgn="base" latinLnBrk="0" hangingPunct="0">
+              <a:lnSpc>
+                <a:spcPct val="90000"/>
+              </a:lnSpc>
+              <a:spcBef>
+                <a:spcPts val="500"/>
+              </a:spcBef>
+              <a:spcAft>
+                <a:spcPct val="0"/>
+              </a:spcAft>
+              <a:buFont typeface="Arial" panose="020B0604020202020204" pitchFamily="34" charset="0"/>
+              <a:buChar char="•"/>
+              <a:defRPr sz="1800" u="none" kern="1200" baseline="0">
+                <a:solidFill>
+                  <a:schemeClr val="tx1"/>
+                </a:solidFill>
+                <a:latin typeface="Calibri" panose="020F0502020204030204" pitchFamily="2" charset="0"/>
+                <a:ea typeface="宋体" panose="02010600030101010101" pitchFamily="2" charset="-122"/>
+              </a:defRPr>
+            </a:lvl5pPr>
+          </a:lstStyle>
+          <a:p>
+            <a:pPr marL="0" lvl="0" indent="0" eaLnBrk="1" hangingPunct="1">
+              <a:lnSpc>
+                <a:spcPct val="100000"/>
+              </a:lnSpc>
+              <a:spcBef>
+                <a:spcPct val="0"/>
+              </a:spcBef>
+              <a:buNone/>
+            </a:pPr>
+            <a:r>
+              <a:rPr lang="en-US" sz="3600" dirty="0">
+                <a:solidFill>
+                  <a:schemeClr val="bg1"/>
+                </a:solidFill>
+                <a:sym typeface="+mn-ea"/>
+                <a:hlinkClick r:id="rId7" action="ppaction://hlinksldjump"/>
+              </a:rPr>
+              <a:t>UML</a:t>
+            </a:r>
+            <a:r>
+              <a:rPr lang="zh-CN" altLang="en-US" sz="3600" dirty="0">
+                <a:solidFill>
+                  <a:schemeClr val="bg1"/>
+                </a:solidFill>
+                <a:sym typeface="+mn-ea"/>
+                <a:hlinkClick r:id="rId7" action="ppaction://hlinksldjump"/>
+              </a:rPr>
+              <a:t>中的公共机制</a:t>
+            </a:r>
+            <a:endParaRPr lang="zh-CN" sz="3600" dirty="0">
+              <a:solidFill>
+                <a:schemeClr val="bg1"/>
+              </a:solidFill>
+            </a:endParaRPr>
+          </a:p>
+        </p:txBody>
+      </p:sp>
+      <p:cxnSp>
+        <p:nvCxnSpPr>
+          <p:cNvPr id="3" name="直接连接符 33"/>
+          <p:cNvCxnSpPr/>
+          <p:nvPr/>
+        </p:nvCxnSpPr>
+        <p:spPr>
+          <a:xfrm flipH="1">
+            <a:off x="6861175" y="4489768"/>
+            <a:ext cx="347663" cy="447675"/>
+          </a:xfrm>
+          <a:prstGeom prst="line">
+            <a:avLst/>
+          </a:prstGeom>
+          <a:ln w="6350" cap="flat" cmpd="sng">
+            <a:solidFill>
+              <a:srgbClr val="FFC000"/>
+            </a:solidFill>
+            <a:prstDash val="solid"/>
+            <a:headEnd type="none" w="med" len="med"/>
+            <a:tailEnd type="none" w="med" len="med"/>
+          </a:ln>
+        </p:spPr>
+      </p:cxnSp>
+      <p:sp>
+        <p:nvSpPr>
+          <p:cNvPr id="4" name="文本框 34"/>
+          <p:cNvSpPr txBox="1"/>
+          <p:nvPr/>
+        </p:nvSpPr>
+        <p:spPr>
+          <a:xfrm>
+            <a:off x="6578600" y="4390390"/>
+            <a:ext cx="282575" cy="521970"/>
+          </a:xfrm>
+          <a:prstGeom prst="rect">
+            <a:avLst/>
+          </a:prstGeom>
+          <a:noFill/>
+          <a:ln w="9525">
+            <a:noFill/>
+          </a:ln>
+        </p:spPr>
+        <p:txBody>
+          <a:bodyPr wrap="square">
+            <a:spAutoFit/>
+          </a:bodyPr>
+          <a:lstStyle>
+            <a:lvl1pPr marL="228600" lvl="0" indent="-228600" algn="l" defTabSz="914400" eaLnBrk="0" fontAlgn="base" latinLnBrk="0" hangingPunct="0">
+              <a:lnSpc>
+                <a:spcPct val="90000"/>
+              </a:lnSpc>
+              <a:spcBef>
+                <a:spcPts val="1000"/>
+              </a:spcBef>
+              <a:spcAft>
+                <a:spcPct val="0"/>
+              </a:spcAft>
+              <a:buFont typeface="Arial" panose="020B0604020202020204" pitchFamily="34" charset="0"/>
+              <a:buChar char="•"/>
+              <a:defRPr sz="2800" u="none" kern="1200" baseline="0">
+                <a:solidFill>
+                  <a:schemeClr val="tx1"/>
+                </a:solidFill>
+                <a:latin typeface="Calibri" panose="020F0502020204030204" pitchFamily="2" charset="0"/>
+                <a:ea typeface="宋体" panose="02010600030101010101" pitchFamily="2" charset="-122"/>
+              </a:defRPr>
+            </a:lvl1pPr>
+            <a:lvl2pPr marL="685800" lvl="1" indent="-228600" algn="l" defTabSz="914400" eaLnBrk="0" fontAlgn="base" latinLnBrk="0" hangingPunct="0">
+              <a:lnSpc>
+                <a:spcPct val="90000"/>
+              </a:lnSpc>
+              <a:spcBef>
+                <a:spcPts val="500"/>
+              </a:spcBef>
+              <a:spcAft>
+                <a:spcPct val="0"/>
+              </a:spcAft>
+              <a:buFont typeface="Arial" panose="020B0604020202020204" pitchFamily="34" charset="0"/>
+              <a:buChar char="•"/>
+              <a:defRPr sz="2400" u="none" kern="1200" baseline="0">
+                <a:solidFill>
+                  <a:schemeClr val="tx1"/>
+                </a:solidFill>
+                <a:latin typeface="Calibri" panose="020F0502020204030204" pitchFamily="2" charset="0"/>
+                <a:ea typeface="宋体" panose="02010600030101010101" pitchFamily="2" charset="-122"/>
+              </a:defRPr>
+            </a:lvl2pPr>
+            <a:lvl3pPr marL="1143000" lvl="2" indent="-228600" algn="l" defTabSz="914400" eaLnBrk="0" fontAlgn="base" latinLnBrk="0" hangingPunct="0">
+              <a:lnSpc>
+                <a:spcPct val="90000"/>
+              </a:lnSpc>
+              <a:spcBef>
+                <a:spcPts val="500"/>
+              </a:spcBef>
+              <a:spcAft>
+                <a:spcPct val="0"/>
+              </a:spcAft>
+              <a:buFont typeface="Arial" panose="020B0604020202020204" pitchFamily="34" charset="0"/>
+              <a:buChar char="•"/>
+              <a:defRPr sz="2000" u="none" kern="1200" baseline="0">
+                <a:solidFill>
+                  <a:schemeClr val="tx1"/>
+                </a:solidFill>
+                <a:latin typeface="Calibri" panose="020F0502020204030204" pitchFamily="2" charset="0"/>
+                <a:ea typeface="宋体" panose="02010600030101010101" pitchFamily="2" charset="-122"/>
+              </a:defRPr>
+            </a:lvl3pPr>
+            <a:lvl4pPr marL="1600200" lvl="3" indent="-228600" algn="l" defTabSz="914400" eaLnBrk="0" fontAlgn="base" latinLnBrk="0" hangingPunct="0">
+              <a:lnSpc>
+                <a:spcPct val="90000"/>
+              </a:lnSpc>
+              <a:spcBef>
+                <a:spcPts val="500"/>
+              </a:spcBef>
+              <a:spcAft>
+                <a:spcPct val="0"/>
+              </a:spcAft>
+              <a:buFont typeface="Arial" panose="020B0604020202020204" pitchFamily="34" charset="0"/>
+              <a:buChar char="•"/>
+              <a:defRPr sz="1800" u="none" kern="1200" baseline="0">
+                <a:solidFill>
+                  <a:schemeClr val="tx1"/>
+                </a:solidFill>
+                <a:latin typeface="Calibri" panose="020F0502020204030204" pitchFamily="2" charset="0"/>
+                <a:ea typeface="宋体" panose="02010600030101010101" pitchFamily="2" charset="-122"/>
+              </a:defRPr>
+            </a:lvl4pPr>
+            <a:lvl5pPr marL="2057400" lvl="4" indent="-228600" algn="l" defTabSz="914400" eaLnBrk="0" fontAlgn="base" latinLnBrk="0" hangingPunct="0">
+              <a:lnSpc>
+                <a:spcPct val="90000"/>
+              </a:lnSpc>
+              <a:spcBef>
+                <a:spcPts val="500"/>
+              </a:spcBef>
+              <a:spcAft>
+                <a:spcPct val="0"/>
+              </a:spcAft>
+              <a:buFont typeface="Arial" panose="020B0604020202020204" pitchFamily="34" charset="0"/>
+              <a:buChar char="•"/>
+              <a:defRPr sz="1800" u="none" kern="1200" baseline="0">
+                <a:solidFill>
+                  <a:schemeClr val="tx1"/>
+                </a:solidFill>
+                <a:latin typeface="Calibri" panose="020F0502020204030204" pitchFamily="2" charset="0"/>
+                <a:ea typeface="宋体" panose="02010600030101010101" pitchFamily="2" charset="-122"/>
+              </a:defRPr>
+            </a:lvl5pPr>
+          </a:lstStyle>
+          <a:p>
+            <a:pPr marL="0" lvl="0" indent="0" eaLnBrk="1" hangingPunct="1">
+              <a:lnSpc>
+                <a:spcPct val="100000"/>
+              </a:lnSpc>
+              <a:spcBef>
+                <a:spcPct val="0"/>
+              </a:spcBef>
+              <a:buNone/>
+            </a:pPr>
+            <a:r>
+              <a:rPr lang="en-US" altLang="zh-CN" dirty="0">
+                <a:solidFill>
+                  <a:schemeClr val="bg1"/>
+                </a:solidFill>
+              </a:rPr>
+              <a:t>6</a:t>
+            </a:r>
+          </a:p>
+        </p:txBody>
+      </p:sp>
+    </p:spTree>
+  </p:cSld>
+  <p:clrMapOvr>
+    <a:masterClrMapping/>
+  </p:clrMapOvr>
+  <p:timing>
+    <p:tnLst>
+      <p:par>
+        <p:cTn id="1" dur="indefinite" restart="never" nodeType="tmRoot"/>
+      </p:par>
+    </p:tnLst>
+  </p:timing>
+</p:sld>
+</file>
+
+<file path=ppt/slides/slide20.xml><?xml version="1.0" encoding="utf-8"?>
 <p:sld xmlns:a="http://schemas.openxmlformats.org/drawingml/2006/main" xmlns:r="http://schemas.openxmlformats.org/officeDocument/2006/relationships" xmlns:p="http://schemas.openxmlformats.org/presentationml/2006/main">
   <p:cSld>
     <p:spTree>
@@ -22109,7 +25962,7 @@
 </p:sld>
 </file>
 
-<file path=ppt/slides/slide19.xml><?xml version="1.0" encoding="utf-8"?>
+<file path=ppt/slides/slide21.xml><?xml version="1.0" encoding="utf-8"?>
 <p:sld xmlns:a="http://schemas.openxmlformats.org/drawingml/2006/main" xmlns:r="http://schemas.openxmlformats.org/officeDocument/2006/relationships" xmlns:p="http://schemas.openxmlformats.org/presentationml/2006/main">
   <p:cSld>
     <p:spTree>
@@ -22627,2251 +26480,6 @@
                 </a:solidFill>
               </a:rPr>
               <a:t>概述</a:t>
-            </a:r>
-          </a:p>
-        </p:txBody>
-      </p:sp>
-    </p:spTree>
-  </p:cSld>
-  <p:clrMapOvr>
-    <a:masterClrMapping/>
-  </p:clrMapOvr>
-  <p:timing>
-    <p:tnLst>
-      <p:par>
-        <p:cTn id="1" dur="indefinite" restart="never" nodeType="tmRoot"/>
-      </p:par>
-    </p:tnLst>
-  </p:timing>
-</p:sld>
-</file>
-
-<file path=ppt/slides/slide2.xml><?xml version="1.0" encoding="utf-8"?>
-<p:sld xmlns:a="http://schemas.openxmlformats.org/drawingml/2006/main" xmlns:r="http://schemas.openxmlformats.org/officeDocument/2006/relationships" xmlns:p="http://schemas.openxmlformats.org/presentationml/2006/main">
-  <p:cSld>
-    <p:spTree>
-      <p:nvGrpSpPr>
-        <p:cNvPr id="1" name=""/>
-        <p:cNvGrpSpPr/>
-        <p:nvPr/>
-      </p:nvGrpSpPr>
-      <p:grpSpPr>
-        <a:xfrm>
-          <a:off x="0" y="0"/>
-          <a:ext cx="0" cy="0"/>
-          <a:chOff x="0" y="0"/>
-          <a:chExt cx="0" cy="0"/>
-        </a:xfrm>
-      </p:grpSpPr>
-      <p:sp>
-        <p:nvSpPr>
-          <p:cNvPr id="4098" name="文本框 14"/>
-          <p:cNvSpPr txBox="1"/>
-          <p:nvPr/>
-        </p:nvSpPr>
-        <p:spPr>
-          <a:xfrm>
-            <a:off x="1687830" y="706755"/>
-            <a:ext cx="1925955" cy="829945"/>
-          </a:xfrm>
-          <a:prstGeom prst="rect">
-            <a:avLst/>
-          </a:prstGeom>
-          <a:noFill/>
-          <a:ln w="9525">
-            <a:noFill/>
-          </a:ln>
-        </p:spPr>
-        <p:txBody>
-          <a:bodyPr wrap="square">
-            <a:spAutoFit/>
-          </a:bodyPr>
-          <a:lstStyle>
-            <a:lvl1pPr marL="228600" lvl="0" indent="-228600" algn="l" defTabSz="914400" eaLnBrk="0" fontAlgn="base" latinLnBrk="0" hangingPunct="0">
-              <a:lnSpc>
-                <a:spcPct val="90000"/>
-              </a:lnSpc>
-              <a:spcBef>
-                <a:spcPts val="1000"/>
-              </a:spcBef>
-              <a:spcAft>
-                <a:spcPct val="0"/>
-              </a:spcAft>
-              <a:buFont typeface="Arial" panose="020B0604020202020204" pitchFamily="34" charset="0"/>
-              <a:buChar char="•"/>
-              <a:defRPr sz="2800" u="none" kern="1200" baseline="0">
-                <a:solidFill>
-                  <a:schemeClr val="tx1"/>
-                </a:solidFill>
-                <a:latin typeface="Calibri" panose="020F0502020204030204" pitchFamily="2" charset="0"/>
-                <a:ea typeface="宋体" panose="02010600030101010101" pitchFamily="2" charset="-122"/>
-              </a:defRPr>
-            </a:lvl1pPr>
-            <a:lvl2pPr marL="685800" lvl="1" indent="-228600" algn="l" defTabSz="914400" eaLnBrk="0" fontAlgn="base" latinLnBrk="0" hangingPunct="0">
-              <a:lnSpc>
-                <a:spcPct val="90000"/>
-              </a:lnSpc>
-              <a:spcBef>
-                <a:spcPts val="500"/>
-              </a:spcBef>
-              <a:spcAft>
-                <a:spcPct val="0"/>
-              </a:spcAft>
-              <a:buFont typeface="Arial" panose="020B0604020202020204" pitchFamily="34" charset="0"/>
-              <a:buChar char="•"/>
-              <a:defRPr sz="2400" u="none" kern="1200" baseline="0">
-                <a:solidFill>
-                  <a:schemeClr val="tx1"/>
-                </a:solidFill>
-                <a:latin typeface="Calibri" panose="020F0502020204030204" pitchFamily="2" charset="0"/>
-                <a:ea typeface="宋体" panose="02010600030101010101" pitchFamily="2" charset="-122"/>
-              </a:defRPr>
-            </a:lvl2pPr>
-            <a:lvl3pPr marL="1143000" lvl="2" indent="-228600" algn="l" defTabSz="914400" eaLnBrk="0" fontAlgn="base" latinLnBrk="0" hangingPunct="0">
-              <a:lnSpc>
-                <a:spcPct val="90000"/>
-              </a:lnSpc>
-              <a:spcBef>
-                <a:spcPts val="500"/>
-              </a:spcBef>
-              <a:spcAft>
-                <a:spcPct val="0"/>
-              </a:spcAft>
-              <a:buFont typeface="Arial" panose="020B0604020202020204" pitchFamily="34" charset="0"/>
-              <a:buChar char="•"/>
-              <a:defRPr sz="2000" u="none" kern="1200" baseline="0">
-                <a:solidFill>
-                  <a:schemeClr val="tx1"/>
-                </a:solidFill>
-                <a:latin typeface="Calibri" panose="020F0502020204030204" pitchFamily="2" charset="0"/>
-                <a:ea typeface="宋体" panose="02010600030101010101" pitchFamily="2" charset="-122"/>
-              </a:defRPr>
-            </a:lvl3pPr>
-            <a:lvl4pPr marL="1600200" lvl="3" indent="-228600" algn="l" defTabSz="914400" eaLnBrk="0" fontAlgn="base" latinLnBrk="0" hangingPunct="0">
-              <a:lnSpc>
-                <a:spcPct val="90000"/>
-              </a:lnSpc>
-              <a:spcBef>
-                <a:spcPts val="500"/>
-              </a:spcBef>
-              <a:spcAft>
-                <a:spcPct val="0"/>
-              </a:spcAft>
-              <a:buFont typeface="Arial" panose="020B0604020202020204" pitchFamily="34" charset="0"/>
-              <a:buChar char="•"/>
-              <a:defRPr sz="1800" u="none" kern="1200" baseline="0">
-                <a:solidFill>
-                  <a:schemeClr val="tx1"/>
-                </a:solidFill>
-                <a:latin typeface="Calibri" panose="020F0502020204030204" pitchFamily="2" charset="0"/>
-                <a:ea typeface="宋体" panose="02010600030101010101" pitchFamily="2" charset="-122"/>
-              </a:defRPr>
-            </a:lvl4pPr>
-            <a:lvl5pPr marL="2057400" lvl="4" indent="-228600" algn="l" defTabSz="914400" eaLnBrk="0" fontAlgn="base" latinLnBrk="0" hangingPunct="0">
-              <a:lnSpc>
-                <a:spcPct val="90000"/>
-              </a:lnSpc>
-              <a:spcBef>
-                <a:spcPts val="500"/>
-              </a:spcBef>
-              <a:spcAft>
-                <a:spcPct val="0"/>
-              </a:spcAft>
-              <a:buFont typeface="Arial" panose="020B0604020202020204" pitchFamily="34" charset="0"/>
-              <a:buChar char="•"/>
-              <a:defRPr sz="1800" u="none" kern="1200" baseline="0">
-                <a:solidFill>
-                  <a:schemeClr val="tx1"/>
-                </a:solidFill>
-                <a:latin typeface="Calibri" panose="020F0502020204030204" pitchFamily="2" charset="0"/>
-                <a:ea typeface="宋体" panose="02010600030101010101" pitchFamily="2" charset="-122"/>
-              </a:defRPr>
-            </a:lvl5pPr>
-          </a:lstStyle>
-          <a:p>
-            <a:pPr marL="0" lvl="0" indent="0" eaLnBrk="1" hangingPunct="1">
-              <a:lnSpc>
-                <a:spcPct val="100000"/>
-              </a:lnSpc>
-              <a:spcBef>
-                <a:spcPct val="0"/>
-              </a:spcBef>
-              <a:buNone/>
-            </a:pPr>
-            <a:r>
-              <a:rPr lang="zh-CN" altLang="en-US" sz="4800">
-                <a:solidFill>
-                  <a:schemeClr val="bg1"/>
-                </a:solidFill>
-                <a:latin typeface="微软雅黑" panose="020B0503020204020204" pitchFamily="2" charset="-122"/>
-                <a:ea typeface="微软雅黑" panose="020B0503020204020204" pitchFamily="2" charset="-122"/>
-              </a:rPr>
-              <a:t>目录</a:t>
-            </a:r>
-          </a:p>
-        </p:txBody>
-      </p:sp>
-      <p:cxnSp>
-        <p:nvCxnSpPr>
-          <p:cNvPr id="4099" name="直接连接符 16"/>
-          <p:cNvCxnSpPr/>
-          <p:nvPr/>
-        </p:nvCxnSpPr>
-        <p:spPr>
-          <a:xfrm>
-            <a:off x="1687513" y="1678623"/>
-            <a:ext cx="3382962" cy="0"/>
-          </a:xfrm>
-          <a:prstGeom prst="line">
-            <a:avLst/>
-          </a:prstGeom>
-          <a:ln w="12700" cap="flat" cmpd="sng">
-            <a:solidFill>
-              <a:srgbClr val="FFC000"/>
-            </a:solidFill>
-            <a:prstDash val="solid"/>
-            <a:headEnd type="none" w="med" len="med"/>
-            <a:tailEnd type="none" w="med" len="med"/>
-          </a:ln>
-        </p:spPr>
-      </p:cxnSp>
-      <p:sp>
-        <p:nvSpPr>
-          <p:cNvPr id="4100" name="文本框 18"/>
-          <p:cNvSpPr txBox="1"/>
-          <p:nvPr/>
-        </p:nvSpPr>
-        <p:spPr>
-          <a:xfrm>
-            <a:off x="2319338" y="2621280"/>
-            <a:ext cx="3149600" cy="645160"/>
-          </a:xfrm>
-          <a:prstGeom prst="rect">
-            <a:avLst/>
-          </a:prstGeom>
-          <a:solidFill>
-            <a:schemeClr val="bg1">
-              <a:lumMod val="95000"/>
-            </a:schemeClr>
-          </a:solidFill>
-          <a:ln w="9525">
-            <a:noFill/>
-          </a:ln>
-        </p:spPr>
-        <p:txBody>
-          <a:bodyPr>
-            <a:spAutoFit/>
-          </a:bodyPr>
-          <a:lstStyle>
-            <a:lvl1pPr marL="228600" lvl="0" indent="-228600" algn="l" defTabSz="914400" eaLnBrk="0" fontAlgn="base" latinLnBrk="0" hangingPunct="0">
-              <a:lnSpc>
-                <a:spcPct val="90000"/>
-              </a:lnSpc>
-              <a:spcBef>
-                <a:spcPts val="1000"/>
-              </a:spcBef>
-              <a:spcAft>
-                <a:spcPct val="0"/>
-              </a:spcAft>
-              <a:buFont typeface="Arial" panose="020B0604020202020204" pitchFamily="34" charset="0"/>
-              <a:buChar char="•"/>
-              <a:defRPr sz="2800" u="none" kern="1200" baseline="0">
-                <a:solidFill>
-                  <a:schemeClr val="tx1"/>
-                </a:solidFill>
-                <a:latin typeface="Calibri" panose="020F0502020204030204" pitchFamily="2" charset="0"/>
-                <a:ea typeface="宋体" panose="02010600030101010101" pitchFamily="2" charset="-122"/>
-              </a:defRPr>
-            </a:lvl1pPr>
-            <a:lvl2pPr marL="685800" lvl="1" indent="-228600" algn="l" defTabSz="914400" eaLnBrk="0" fontAlgn="base" latinLnBrk="0" hangingPunct="0">
-              <a:lnSpc>
-                <a:spcPct val="90000"/>
-              </a:lnSpc>
-              <a:spcBef>
-                <a:spcPts val="500"/>
-              </a:spcBef>
-              <a:spcAft>
-                <a:spcPct val="0"/>
-              </a:spcAft>
-              <a:buFont typeface="Arial" panose="020B0604020202020204" pitchFamily="34" charset="0"/>
-              <a:buChar char="•"/>
-              <a:defRPr sz="2400" u="none" kern="1200" baseline="0">
-                <a:solidFill>
-                  <a:schemeClr val="tx1"/>
-                </a:solidFill>
-                <a:latin typeface="Calibri" panose="020F0502020204030204" pitchFamily="2" charset="0"/>
-                <a:ea typeface="宋体" panose="02010600030101010101" pitchFamily="2" charset="-122"/>
-              </a:defRPr>
-            </a:lvl2pPr>
-            <a:lvl3pPr marL="1143000" lvl="2" indent="-228600" algn="l" defTabSz="914400" eaLnBrk="0" fontAlgn="base" latinLnBrk="0" hangingPunct="0">
-              <a:lnSpc>
-                <a:spcPct val="90000"/>
-              </a:lnSpc>
-              <a:spcBef>
-                <a:spcPts val="500"/>
-              </a:spcBef>
-              <a:spcAft>
-                <a:spcPct val="0"/>
-              </a:spcAft>
-              <a:buFont typeface="Arial" panose="020B0604020202020204" pitchFamily="34" charset="0"/>
-              <a:buChar char="•"/>
-              <a:defRPr sz="2000" u="none" kern="1200" baseline="0">
-                <a:solidFill>
-                  <a:schemeClr val="tx1"/>
-                </a:solidFill>
-                <a:latin typeface="Calibri" panose="020F0502020204030204" pitchFamily="2" charset="0"/>
-                <a:ea typeface="宋体" panose="02010600030101010101" pitchFamily="2" charset="-122"/>
-              </a:defRPr>
-            </a:lvl3pPr>
-            <a:lvl4pPr marL="1600200" lvl="3" indent="-228600" algn="l" defTabSz="914400" eaLnBrk="0" fontAlgn="base" latinLnBrk="0" hangingPunct="0">
-              <a:lnSpc>
-                <a:spcPct val="90000"/>
-              </a:lnSpc>
-              <a:spcBef>
-                <a:spcPts val="500"/>
-              </a:spcBef>
-              <a:spcAft>
-                <a:spcPct val="0"/>
-              </a:spcAft>
-              <a:buFont typeface="Arial" panose="020B0604020202020204" pitchFamily="34" charset="0"/>
-              <a:buChar char="•"/>
-              <a:defRPr sz="1800" u="none" kern="1200" baseline="0">
-                <a:solidFill>
-                  <a:schemeClr val="tx1"/>
-                </a:solidFill>
-                <a:latin typeface="Calibri" panose="020F0502020204030204" pitchFamily="2" charset="0"/>
-                <a:ea typeface="宋体" panose="02010600030101010101" pitchFamily="2" charset="-122"/>
-              </a:defRPr>
-            </a:lvl4pPr>
-            <a:lvl5pPr marL="2057400" lvl="4" indent="-228600" algn="l" defTabSz="914400" eaLnBrk="0" fontAlgn="base" latinLnBrk="0" hangingPunct="0">
-              <a:lnSpc>
-                <a:spcPct val="90000"/>
-              </a:lnSpc>
-              <a:spcBef>
-                <a:spcPts val="500"/>
-              </a:spcBef>
-              <a:spcAft>
-                <a:spcPct val="0"/>
-              </a:spcAft>
-              <a:buFont typeface="Arial" panose="020B0604020202020204" pitchFamily="34" charset="0"/>
-              <a:buChar char="•"/>
-              <a:defRPr sz="1800" u="none" kern="1200" baseline="0">
-                <a:solidFill>
-                  <a:schemeClr val="tx1"/>
-                </a:solidFill>
-                <a:latin typeface="Calibri" panose="020F0502020204030204" pitchFamily="2" charset="0"/>
-                <a:ea typeface="宋体" panose="02010600030101010101" pitchFamily="2" charset="-122"/>
-              </a:defRPr>
-            </a:lvl5pPr>
-          </a:lstStyle>
-          <a:p>
-            <a:pPr marL="0" lvl="0" indent="0" eaLnBrk="1" hangingPunct="1">
-              <a:lnSpc>
-                <a:spcPct val="100000"/>
-              </a:lnSpc>
-              <a:spcBef>
-                <a:spcPct val="0"/>
-              </a:spcBef>
-              <a:buNone/>
-            </a:pPr>
-            <a:r>
-              <a:rPr lang="zh-CN" sz="3600" dirty="0">
-                <a:solidFill>
-                  <a:schemeClr val="bg1"/>
-                </a:solidFill>
-                <a:hlinkClick r:id="rId2" action="ppaction://hlinksldjump"/>
-              </a:rPr>
-              <a:t>什么是</a:t>
-            </a:r>
-            <a:r>
-              <a:rPr lang="en-US" altLang="zh-CN" sz="3600" dirty="0">
-                <a:solidFill>
-                  <a:schemeClr val="bg1"/>
-                </a:solidFill>
-                <a:hlinkClick r:id="rId2" action="ppaction://hlinksldjump"/>
-              </a:rPr>
-              <a:t>UML</a:t>
-            </a:r>
-            <a:endParaRPr lang="en-US" altLang="zh-CN" sz="3600" dirty="0">
-              <a:solidFill>
-                <a:schemeClr val="bg1"/>
-              </a:solidFill>
-            </a:endParaRPr>
-          </a:p>
-        </p:txBody>
-      </p:sp>
-      <p:cxnSp>
-        <p:nvCxnSpPr>
-          <p:cNvPr id="4101" name="直接连接符 2"/>
-          <p:cNvCxnSpPr/>
-          <p:nvPr/>
-        </p:nvCxnSpPr>
-        <p:spPr>
-          <a:xfrm flipH="1">
-            <a:off x="1971675" y="2719388"/>
-            <a:ext cx="347663" cy="447675"/>
-          </a:xfrm>
-          <a:prstGeom prst="line">
-            <a:avLst/>
-          </a:prstGeom>
-          <a:ln w="6350" cap="flat" cmpd="sng">
-            <a:solidFill>
-              <a:srgbClr val="FFC000"/>
-            </a:solidFill>
-            <a:prstDash val="solid"/>
-            <a:headEnd type="none" w="med" len="med"/>
-            <a:tailEnd type="none" w="med" len="med"/>
-          </a:ln>
-        </p:spPr>
-      </p:cxnSp>
-      <p:sp>
-        <p:nvSpPr>
-          <p:cNvPr id="4102" name="文本框 15"/>
-          <p:cNvSpPr txBox="1"/>
-          <p:nvPr/>
-        </p:nvSpPr>
-        <p:spPr>
-          <a:xfrm>
-            <a:off x="1687513" y="2614613"/>
-            <a:ext cx="325437" cy="522287"/>
-          </a:xfrm>
-          <a:prstGeom prst="rect">
-            <a:avLst/>
-          </a:prstGeom>
-          <a:noFill/>
-          <a:ln w="9525">
-            <a:noFill/>
-          </a:ln>
-        </p:spPr>
-        <p:txBody>
-          <a:bodyPr>
-            <a:spAutoFit/>
-          </a:bodyPr>
-          <a:lstStyle>
-            <a:lvl1pPr marL="228600" lvl="0" indent="-228600" algn="l" defTabSz="914400" eaLnBrk="0" fontAlgn="base" latinLnBrk="0" hangingPunct="0">
-              <a:lnSpc>
-                <a:spcPct val="90000"/>
-              </a:lnSpc>
-              <a:spcBef>
-                <a:spcPts val="1000"/>
-              </a:spcBef>
-              <a:spcAft>
-                <a:spcPct val="0"/>
-              </a:spcAft>
-              <a:buFont typeface="Arial" panose="020B0604020202020204" pitchFamily="34" charset="0"/>
-              <a:buChar char="•"/>
-              <a:defRPr sz="2800" u="none" kern="1200" baseline="0">
-                <a:solidFill>
-                  <a:schemeClr val="tx1"/>
-                </a:solidFill>
-                <a:latin typeface="Calibri" panose="020F0502020204030204" pitchFamily="2" charset="0"/>
-                <a:ea typeface="宋体" panose="02010600030101010101" pitchFamily="2" charset="-122"/>
-              </a:defRPr>
-            </a:lvl1pPr>
-            <a:lvl2pPr marL="685800" lvl="1" indent="-228600" algn="l" defTabSz="914400" eaLnBrk="0" fontAlgn="base" latinLnBrk="0" hangingPunct="0">
-              <a:lnSpc>
-                <a:spcPct val="90000"/>
-              </a:lnSpc>
-              <a:spcBef>
-                <a:spcPts val="500"/>
-              </a:spcBef>
-              <a:spcAft>
-                <a:spcPct val="0"/>
-              </a:spcAft>
-              <a:buFont typeface="Arial" panose="020B0604020202020204" pitchFamily="34" charset="0"/>
-              <a:buChar char="•"/>
-              <a:defRPr sz="2400" u="none" kern="1200" baseline="0">
-                <a:solidFill>
-                  <a:schemeClr val="tx1"/>
-                </a:solidFill>
-                <a:latin typeface="Calibri" panose="020F0502020204030204" pitchFamily="2" charset="0"/>
-                <a:ea typeface="宋体" panose="02010600030101010101" pitchFamily="2" charset="-122"/>
-              </a:defRPr>
-            </a:lvl2pPr>
-            <a:lvl3pPr marL="1143000" lvl="2" indent="-228600" algn="l" defTabSz="914400" eaLnBrk="0" fontAlgn="base" latinLnBrk="0" hangingPunct="0">
-              <a:lnSpc>
-                <a:spcPct val="90000"/>
-              </a:lnSpc>
-              <a:spcBef>
-                <a:spcPts val="500"/>
-              </a:spcBef>
-              <a:spcAft>
-                <a:spcPct val="0"/>
-              </a:spcAft>
-              <a:buFont typeface="Arial" panose="020B0604020202020204" pitchFamily="34" charset="0"/>
-              <a:buChar char="•"/>
-              <a:defRPr sz="2000" u="none" kern="1200" baseline="0">
-                <a:solidFill>
-                  <a:schemeClr val="tx1"/>
-                </a:solidFill>
-                <a:latin typeface="Calibri" panose="020F0502020204030204" pitchFamily="2" charset="0"/>
-                <a:ea typeface="宋体" panose="02010600030101010101" pitchFamily="2" charset="-122"/>
-              </a:defRPr>
-            </a:lvl3pPr>
-            <a:lvl4pPr marL="1600200" lvl="3" indent="-228600" algn="l" defTabSz="914400" eaLnBrk="0" fontAlgn="base" latinLnBrk="0" hangingPunct="0">
-              <a:lnSpc>
-                <a:spcPct val="90000"/>
-              </a:lnSpc>
-              <a:spcBef>
-                <a:spcPts val="500"/>
-              </a:spcBef>
-              <a:spcAft>
-                <a:spcPct val="0"/>
-              </a:spcAft>
-              <a:buFont typeface="Arial" panose="020B0604020202020204" pitchFamily="34" charset="0"/>
-              <a:buChar char="•"/>
-              <a:defRPr sz="1800" u="none" kern="1200" baseline="0">
-                <a:solidFill>
-                  <a:schemeClr val="tx1"/>
-                </a:solidFill>
-                <a:latin typeface="Calibri" panose="020F0502020204030204" pitchFamily="2" charset="0"/>
-                <a:ea typeface="宋体" panose="02010600030101010101" pitchFamily="2" charset="-122"/>
-              </a:defRPr>
-            </a:lvl4pPr>
-            <a:lvl5pPr marL="2057400" lvl="4" indent="-228600" algn="l" defTabSz="914400" eaLnBrk="0" fontAlgn="base" latinLnBrk="0" hangingPunct="0">
-              <a:lnSpc>
-                <a:spcPct val="90000"/>
-              </a:lnSpc>
-              <a:spcBef>
-                <a:spcPts val="500"/>
-              </a:spcBef>
-              <a:spcAft>
-                <a:spcPct val="0"/>
-              </a:spcAft>
-              <a:buFont typeface="Arial" panose="020B0604020202020204" pitchFamily="34" charset="0"/>
-              <a:buChar char="•"/>
-              <a:defRPr sz="1800" u="none" kern="1200" baseline="0">
-                <a:solidFill>
-                  <a:schemeClr val="tx1"/>
-                </a:solidFill>
-                <a:latin typeface="Calibri" panose="020F0502020204030204" pitchFamily="2" charset="0"/>
-                <a:ea typeface="宋体" panose="02010600030101010101" pitchFamily="2" charset="-122"/>
-              </a:defRPr>
-            </a:lvl5pPr>
-          </a:lstStyle>
-          <a:p>
-            <a:pPr marL="0" lvl="0" indent="0" eaLnBrk="1" hangingPunct="1">
-              <a:lnSpc>
-                <a:spcPct val="100000"/>
-              </a:lnSpc>
-              <a:spcBef>
-                <a:spcPct val="0"/>
-              </a:spcBef>
-              <a:buNone/>
-            </a:pPr>
-            <a:r>
-              <a:rPr lang="en-US" altLang="x-none" dirty="0">
-                <a:solidFill>
-                  <a:schemeClr val="bg1"/>
-                </a:solidFill>
-              </a:rPr>
-              <a:t>1</a:t>
-            </a:r>
-            <a:endParaRPr lang="zh-CN" altLang="en-US" dirty="0">
-              <a:solidFill>
-                <a:schemeClr val="bg1"/>
-              </a:solidFill>
-            </a:endParaRPr>
-          </a:p>
-        </p:txBody>
-      </p:sp>
-      <p:sp>
-        <p:nvSpPr>
-          <p:cNvPr id="4103" name="文本框 17"/>
-          <p:cNvSpPr txBox="1"/>
-          <p:nvPr/>
-        </p:nvSpPr>
-        <p:spPr>
-          <a:xfrm>
-            <a:off x="2319655" y="3507105"/>
-            <a:ext cx="3683000" cy="645160"/>
-          </a:xfrm>
-          <a:prstGeom prst="rect">
-            <a:avLst/>
-          </a:prstGeom>
-          <a:solidFill>
-            <a:schemeClr val="bg1">
-              <a:lumMod val="95000"/>
-            </a:schemeClr>
-          </a:solidFill>
-          <a:ln w="9525">
-            <a:noFill/>
-          </a:ln>
-        </p:spPr>
-        <p:txBody>
-          <a:bodyPr wrap="square">
-            <a:spAutoFit/>
-          </a:bodyPr>
-          <a:lstStyle>
-            <a:lvl1pPr marL="228600" lvl="0" indent="-228600" algn="l" defTabSz="914400" eaLnBrk="0" fontAlgn="base" latinLnBrk="0" hangingPunct="0">
-              <a:lnSpc>
-                <a:spcPct val="90000"/>
-              </a:lnSpc>
-              <a:spcBef>
-                <a:spcPts val="1000"/>
-              </a:spcBef>
-              <a:spcAft>
-                <a:spcPct val="0"/>
-              </a:spcAft>
-              <a:buFont typeface="Arial" panose="020B0604020202020204" pitchFamily="34" charset="0"/>
-              <a:buChar char="•"/>
-              <a:defRPr sz="2800" u="none" kern="1200" baseline="0">
-                <a:solidFill>
-                  <a:schemeClr val="tx1"/>
-                </a:solidFill>
-                <a:latin typeface="Calibri" panose="020F0502020204030204" pitchFamily="2" charset="0"/>
-                <a:ea typeface="宋体" panose="02010600030101010101" pitchFamily="2" charset="-122"/>
-              </a:defRPr>
-            </a:lvl1pPr>
-            <a:lvl2pPr marL="685800" lvl="1" indent="-228600" algn="l" defTabSz="914400" eaLnBrk="0" fontAlgn="base" latinLnBrk="0" hangingPunct="0">
-              <a:lnSpc>
-                <a:spcPct val="90000"/>
-              </a:lnSpc>
-              <a:spcBef>
-                <a:spcPts val="500"/>
-              </a:spcBef>
-              <a:spcAft>
-                <a:spcPct val="0"/>
-              </a:spcAft>
-              <a:buFont typeface="Arial" panose="020B0604020202020204" pitchFamily="34" charset="0"/>
-              <a:buChar char="•"/>
-              <a:defRPr sz="2400" u="none" kern="1200" baseline="0">
-                <a:solidFill>
-                  <a:schemeClr val="tx1"/>
-                </a:solidFill>
-                <a:latin typeface="Calibri" panose="020F0502020204030204" pitchFamily="2" charset="0"/>
-                <a:ea typeface="宋体" panose="02010600030101010101" pitchFamily="2" charset="-122"/>
-              </a:defRPr>
-            </a:lvl2pPr>
-            <a:lvl3pPr marL="1143000" lvl="2" indent="-228600" algn="l" defTabSz="914400" eaLnBrk="0" fontAlgn="base" latinLnBrk="0" hangingPunct="0">
-              <a:lnSpc>
-                <a:spcPct val="90000"/>
-              </a:lnSpc>
-              <a:spcBef>
-                <a:spcPts val="500"/>
-              </a:spcBef>
-              <a:spcAft>
-                <a:spcPct val="0"/>
-              </a:spcAft>
-              <a:buFont typeface="Arial" panose="020B0604020202020204" pitchFamily="34" charset="0"/>
-              <a:buChar char="•"/>
-              <a:defRPr sz="2000" u="none" kern="1200" baseline="0">
-                <a:solidFill>
-                  <a:schemeClr val="tx1"/>
-                </a:solidFill>
-                <a:latin typeface="Calibri" panose="020F0502020204030204" pitchFamily="2" charset="0"/>
-                <a:ea typeface="宋体" panose="02010600030101010101" pitchFamily="2" charset="-122"/>
-              </a:defRPr>
-            </a:lvl3pPr>
-            <a:lvl4pPr marL="1600200" lvl="3" indent="-228600" algn="l" defTabSz="914400" eaLnBrk="0" fontAlgn="base" latinLnBrk="0" hangingPunct="0">
-              <a:lnSpc>
-                <a:spcPct val="90000"/>
-              </a:lnSpc>
-              <a:spcBef>
-                <a:spcPts val="500"/>
-              </a:spcBef>
-              <a:spcAft>
-                <a:spcPct val="0"/>
-              </a:spcAft>
-              <a:buFont typeface="Arial" panose="020B0604020202020204" pitchFamily="34" charset="0"/>
-              <a:buChar char="•"/>
-              <a:defRPr sz="1800" u="none" kern="1200" baseline="0">
-                <a:solidFill>
-                  <a:schemeClr val="tx1"/>
-                </a:solidFill>
-                <a:latin typeface="Calibri" panose="020F0502020204030204" pitchFamily="2" charset="0"/>
-                <a:ea typeface="宋体" panose="02010600030101010101" pitchFamily="2" charset="-122"/>
-              </a:defRPr>
-            </a:lvl4pPr>
-            <a:lvl5pPr marL="2057400" lvl="4" indent="-228600" algn="l" defTabSz="914400" eaLnBrk="0" fontAlgn="base" latinLnBrk="0" hangingPunct="0">
-              <a:lnSpc>
-                <a:spcPct val="90000"/>
-              </a:lnSpc>
-              <a:spcBef>
-                <a:spcPts val="500"/>
-              </a:spcBef>
-              <a:spcAft>
-                <a:spcPct val="0"/>
-              </a:spcAft>
-              <a:buFont typeface="Arial" panose="020B0604020202020204" pitchFamily="34" charset="0"/>
-              <a:buChar char="•"/>
-              <a:defRPr sz="1800" u="none" kern="1200" baseline="0">
-                <a:solidFill>
-                  <a:schemeClr val="tx1"/>
-                </a:solidFill>
-                <a:latin typeface="Calibri" panose="020F0502020204030204" pitchFamily="2" charset="0"/>
-                <a:ea typeface="宋体" panose="02010600030101010101" pitchFamily="2" charset="-122"/>
-              </a:defRPr>
-            </a:lvl5pPr>
-          </a:lstStyle>
-          <a:p>
-            <a:pPr marL="0" lvl="0" indent="0" eaLnBrk="1" hangingPunct="1">
-              <a:lnSpc>
-                <a:spcPct val="100000"/>
-              </a:lnSpc>
-              <a:spcBef>
-                <a:spcPct val="0"/>
-              </a:spcBef>
-              <a:buNone/>
-            </a:pPr>
-            <a:r>
-              <a:rPr lang="en-US" sz="3600" dirty="0">
-                <a:solidFill>
-                  <a:schemeClr val="bg1"/>
-                </a:solidFill>
-                <a:hlinkClick r:id="rId3" action="ppaction://hlinksldjump"/>
-              </a:rPr>
-              <a:t>UML</a:t>
-            </a:r>
-            <a:r>
-              <a:rPr lang="zh-CN" altLang="en-US" sz="3600" dirty="0">
-                <a:solidFill>
-                  <a:schemeClr val="bg1"/>
-                </a:solidFill>
-                <a:hlinkClick r:id="rId3" action="ppaction://hlinksldjump"/>
-              </a:rPr>
-              <a:t>的发展历程</a:t>
-            </a:r>
-            <a:endParaRPr lang="zh-CN" altLang="en-US" sz="3600" dirty="0">
-              <a:solidFill>
-                <a:schemeClr val="bg1"/>
-              </a:solidFill>
-            </a:endParaRPr>
-          </a:p>
-        </p:txBody>
-      </p:sp>
-      <p:cxnSp>
-        <p:nvCxnSpPr>
-          <p:cNvPr id="4104" name="直接连接符 19"/>
-          <p:cNvCxnSpPr/>
-          <p:nvPr/>
-        </p:nvCxnSpPr>
-        <p:spPr>
-          <a:xfrm flipH="1">
-            <a:off x="1971675" y="3605213"/>
-            <a:ext cx="347663" cy="447675"/>
-          </a:xfrm>
-          <a:prstGeom prst="line">
-            <a:avLst/>
-          </a:prstGeom>
-          <a:ln w="6350" cap="flat" cmpd="sng">
-            <a:solidFill>
-              <a:srgbClr val="FFC000"/>
-            </a:solidFill>
-            <a:prstDash val="solid"/>
-            <a:headEnd type="none" w="med" len="med"/>
-            <a:tailEnd type="none" w="med" len="med"/>
-          </a:ln>
-        </p:spPr>
-      </p:cxnSp>
-      <p:sp>
-        <p:nvSpPr>
-          <p:cNvPr id="4105" name="文本框 25"/>
-          <p:cNvSpPr txBox="1"/>
-          <p:nvPr/>
-        </p:nvSpPr>
-        <p:spPr>
-          <a:xfrm>
-            <a:off x="1687513" y="3498850"/>
-            <a:ext cx="325437" cy="523875"/>
-          </a:xfrm>
-          <a:prstGeom prst="rect">
-            <a:avLst/>
-          </a:prstGeom>
-          <a:noFill/>
-          <a:ln w="9525">
-            <a:noFill/>
-          </a:ln>
-        </p:spPr>
-        <p:txBody>
-          <a:bodyPr>
-            <a:spAutoFit/>
-          </a:bodyPr>
-          <a:lstStyle>
-            <a:lvl1pPr marL="228600" lvl="0" indent="-228600" algn="l" defTabSz="914400" eaLnBrk="0" fontAlgn="base" latinLnBrk="0" hangingPunct="0">
-              <a:lnSpc>
-                <a:spcPct val="90000"/>
-              </a:lnSpc>
-              <a:spcBef>
-                <a:spcPts val="1000"/>
-              </a:spcBef>
-              <a:spcAft>
-                <a:spcPct val="0"/>
-              </a:spcAft>
-              <a:buFont typeface="Arial" panose="020B0604020202020204" pitchFamily="34" charset="0"/>
-              <a:buChar char="•"/>
-              <a:defRPr sz="2800" u="none" kern="1200" baseline="0">
-                <a:solidFill>
-                  <a:schemeClr val="tx1"/>
-                </a:solidFill>
-                <a:latin typeface="Calibri" panose="020F0502020204030204" pitchFamily="2" charset="0"/>
-                <a:ea typeface="宋体" panose="02010600030101010101" pitchFamily="2" charset="-122"/>
-              </a:defRPr>
-            </a:lvl1pPr>
-            <a:lvl2pPr marL="685800" lvl="1" indent="-228600" algn="l" defTabSz="914400" eaLnBrk="0" fontAlgn="base" latinLnBrk="0" hangingPunct="0">
-              <a:lnSpc>
-                <a:spcPct val="90000"/>
-              </a:lnSpc>
-              <a:spcBef>
-                <a:spcPts val="500"/>
-              </a:spcBef>
-              <a:spcAft>
-                <a:spcPct val="0"/>
-              </a:spcAft>
-              <a:buFont typeface="Arial" panose="020B0604020202020204" pitchFamily="34" charset="0"/>
-              <a:buChar char="•"/>
-              <a:defRPr sz="2400" u="none" kern="1200" baseline="0">
-                <a:solidFill>
-                  <a:schemeClr val="tx1"/>
-                </a:solidFill>
-                <a:latin typeface="Calibri" panose="020F0502020204030204" pitchFamily="2" charset="0"/>
-                <a:ea typeface="宋体" panose="02010600030101010101" pitchFamily="2" charset="-122"/>
-              </a:defRPr>
-            </a:lvl2pPr>
-            <a:lvl3pPr marL="1143000" lvl="2" indent="-228600" algn="l" defTabSz="914400" eaLnBrk="0" fontAlgn="base" latinLnBrk="0" hangingPunct="0">
-              <a:lnSpc>
-                <a:spcPct val="90000"/>
-              </a:lnSpc>
-              <a:spcBef>
-                <a:spcPts val="500"/>
-              </a:spcBef>
-              <a:spcAft>
-                <a:spcPct val="0"/>
-              </a:spcAft>
-              <a:buFont typeface="Arial" panose="020B0604020202020204" pitchFamily="34" charset="0"/>
-              <a:buChar char="•"/>
-              <a:defRPr sz="2000" u="none" kern="1200" baseline="0">
-                <a:solidFill>
-                  <a:schemeClr val="tx1"/>
-                </a:solidFill>
-                <a:latin typeface="Calibri" panose="020F0502020204030204" pitchFamily="2" charset="0"/>
-                <a:ea typeface="宋体" panose="02010600030101010101" pitchFamily="2" charset="-122"/>
-              </a:defRPr>
-            </a:lvl3pPr>
-            <a:lvl4pPr marL="1600200" lvl="3" indent="-228600" algn="l" defTabSz="914400" eaLnBrk="0" fontAlgn="base" latinLnBrk="0" hangingPunct="0">
-              <a:lnSpc>
-                <a:spcPct val="90000"/>
-              </a:lnSpc>
-              <a:spcBef>
-                <a:spcPts val="500"/>
-              </a:spcBef>
-              <a:spcAft>
-                <a:spcPct val="0"/>
-              </a:spcAft>
-              <a:buFont typeface="Arial" panose="020B0604020202020204" pitchFamily="34" charset="0"/>
-              <a:buChar char="•"/>
-              <a:defRPr sz="1800" u="none" kern="1200" baseline="0">
-                <a:solidFill>
-                  <a:schemeClr val="tx1"/>
-                </a:solidFill>
-                <a:latin typeface="Calibri" panose="020F0502020204030204" pitchFamily="2" charset="0"/>
-                <a:ea typeface="宋体" panose="02010600030101010101" pitchFamily="2" charset="-122"/>
-              </a:defRPr>
-            </a:lvl4pPr>
-            <a:lvl5pPr marL="2057400" lvl="4" indent="-228600" algn="l" defTabSz="914400" eaLnBrk="0" fontAlgn="base" latinLnBrk="0" hangingPunct="0">
-              <a:lnSpc>
-                <a:spcPct val="90000"/>
-              </a:lnSpc>
-              <a:spcBef>
-                <a:spcPts val="500"/>
-              </a:spcBef>
-              <a:spcAft>
-                <a:spcPct val="0"/>
-              </a:spcAft>
-              <a:buFont typeface="Arial" panose="020B0604020202020204" pitchFamily="34" charset="0"/>
-              <a:buChar char="•"/>
-              <a:defRPr sz="1800" u="none" kern="1200" baseline="0">
-                <a:solidFill>
-                  <a:schemeClr val="tx1"/>
-                </a:solidFill>
-                <a:latin typeface="Calibri" panose="020F0502020204030204" pitchFamily="2" charset="0"/>
-                <a:ea typeface="宋体" panose="02010600030101010101" pitchFamily="2" charset="-122"/>
-              </a:defRPr>
-            </a:lvl5pPr>
-          </a:lstStyle>
-          <a:p>
-            <a:pPr marL="0" lvl="0" indent="0" eaLnBrk="1" hangingPunct="1">
-              <a:lnSpc>
-                <a:spcPct val="100000"/>
-              </a:lnSpc>
-              <a:spcBef>
-                <a:spcPct val="0"/>
-              </a:spcBef>
-              <a:buNone/>
-            </a:pPr>
-            <a:r>
-              <a:rPr lang="en-US" altLang="x-none" dirty="0">
-                <a:solidFill>
-                  <a:schemeClr val="bg1"/>
-                </a:solidFill>
-              </a:rPr>
-              <a:t>2</a:t>
-            </a:r>
-            <a:endParaRPr lang="zh-CN" altLang="en-US" dirty="0">
-              <a:solidFill>
-                <a:schemeClr val="bg1"/>
-              </a:solidFill>
-            </a:endParaRPr>
-          </a:p>
-        </p:txBody>
-      </p:sp>
-      <p:sp>
-        <p:nvSpPr>
-          <p:cNvPr id="4106" name="文本框 26"/>
-          <p:cNvSpPr txBox="1"/>
-          <p:nvPr/>
-        </p:nvSpPr>
-        <p:spPr>
-          <a:xfrm>
-            <a:off x="2319338" y="4391025"/>
-            <a:ext cx="3149600" cy="645160"/>
-          </a:xfrm>
-          <a:prstGeom prst="rect">
-            <a:avLst/>
-          </a:prstGeom>
-          <a:solidFill>
-            <a:schemeClr val="bg1">
-              <a:lumMod val="95000"/>
-            </a:schemeClr>
-          </a:solidFill>
-          <a:ln w="9525">
-            <a:noFill/>
-          </a:ln>
-        </p:spPr>
-        <p:txBody>
-          <a:bodyPr>
-            <a:spAutoFit/>
-          </a:bodyPr>
-          <a:lstStyle>
-            <a:lvl1pPr marL="228600" lvl="0" indent="-228600" algn="l" defTabSz="914400" eaLnBrk="0" fontAlgn="base" latinLnBrk="0" hangingPunct="0">
-              <a:lnSpc>
-                <a:spcPct val="90000"/>
-              </a:lnSpc>
-              <a:spcBef>
-                <a:spcPts val="1000"/>
-              </a:spcBef>
-              <a:spcAft>
-                <a:spcPct val="0"/>
-              </a:spcAft>
-              <a:buFont typeface="Arial" panose="020B0604020202020204" pitchFamily="34" charset="0"/>
-              <a:buChar char="•"/>
-              <a:defRPr sz="2800" u="none" kern="1200" baseline="0">
-                <a:solidFill>
-                  <a:schemeClr val="tx1"/>
-                </a:solidFill>
-                <a:latin typeface="Calibri" panose="020F0502020204030204" pitchFamily="2" charset="0"/>
-                <a:ea typeface="宋体" panose="02010600030101010101" pitchFamily="2" charset="-122"/>
-              </a:defRPr>
-            </a:lvl1pPr>
-            <a:lvl2pPr marL="685800" lvl="1" indent="-228600" algn="l" defTabSz="914400" eaLnBrk="0" fontAlgn="base" latinLnBrk="0" hangingPunct="0">
-              <a:lnSpc>
-                <a:spcPct val="90000"/>
-              </a:lnSpc>
-              <a:spcBef>
-                <a:spcPts val="500"/>
-              </a:spcBef>
-              <a:spcAft>
-                <a:spcPct val="0"/>
-              </a:spcAft>
-              <a:buFont typeface="Arial" panose="020B0604020202020204" pitchFamily="34" charset="0"/>
-              <a:buChar char="•"/>
-              <a:defRPr sz="2400" u="none" kern="1200" baseline="0">
-                <a:solidFill>
-                  <a:schemeClr val="tx1"/>
-                </a:solidFill>
-                <a:latin typeface="Calibri" panose="020F0502020204030204" pitchFamily="2" charset="0"/>
-                <a:ea typeface="宋体" panose="02010600030101010101" pitchFamily="2" charset="-122"/>
-              </a:defRPr>
-            </a:lvl2pPr>
-            <a:lvl3pPr marL="1143000" lvl="2" indent="-228600" algn="l" defTabSz="914400" eaLnBrk="0" fontAlgn="base" latinLnBrk="0" hangingPunct="0">
-              <a:lnSpc>
-                <a:spcPct val="90000"/>
-              </a:lnSpc>
-              <a:spcBef>
-                <a:spcPts val="500"/>
-              </a:spcBef>
-              <a:spcAft>
-                <a:spcPct val="0"/>
-              </a:spcAft>
-              <a:buFont typeface="Arial" panose="020B0604020202020204" pitchFamily="34" charset="0"/>
-              <a:buChar char="•"/>
-              <a:defRPr sz="2000" u="none" kern="1200" baseline="0">
-                <a:solidFill>
-                  <a:schemeClr val="tx1"/>
-                </a:solidFill>
-                <a:latin typeface="Calibri" panose="020F0502020204030204" pitchFamily="2" charset="0"/>
-                <a:ea typeface="宋体" panose="02010600030101010101" pitchFamily="2" charset="-122"/>
-              </a:defRPr>
-            </a:lvl3pPr>
-            <a:lvl4pPr marL="1600200" lvl="3" indent="-228600" algn="l" defTabSz="914400" eaLnBrk="0" fontAlgn="base" latinLnBrk="0" hangingPunct="0">
-              <a:lnSpc>
-                <a:spcPct val="90000"/>
-              </a:lnSpc>
-              <a:spcBef>
-                <a:spcPts val="500"/>
-              </a:spcBef>
-              <a:spcAft>
-                <a:spcPct val="0"/>
-              </a:spcAft>
-              <a:buFont typeface="Arial" panose="020B0604020202020204" pitchFamily="34" charset="0"/>
-              <a:buChar char="•"/>
-              <a:defRPr sz="1800" u="none" kern="1200" baseline="0">
-                <a:solidFill>
-                  <a:schemeClr val="tx1"/>
-                </a:solidFill>
-                <a:latin typeface="Calibri" panose="020F0502020204030204" pitchFamily="2" charset="0"/>
-                <a:ea typeface="宋体" panose="02010600030101010101" pitchFamily="2" charset="-122"/>
-              </a:defRPr>
-            </a:lvl4pPr>
-            <a:lvl5pPr marL="2057400" lvl="4" indent="-228600" algn="l" defTabSz="914400" eaLnBrk="0" fontAlgn="base" latinLnBrk="0" hangingPunct="0">
-              <a:lnSpc>
-                <a:spcPct val="90000"/>
-              </a:lnSpc>
-              <a:spcBef>
-                <a:spcPts val="500"/>
-              </a:spcBef>
-              <a:spcAft>
-                <a:spcPct val="0"/>
-              </a:spcAft>
-              <a:buFont typeface="Arial" panose="020B0604020202020204" pitchFamily="34" charset="0"/>
-              <a:buChar char="•"/>
-              <a:defRPr sz="1800" u="none" kern="1200" baseline="0">
-                <a:solidFill>
-                  <a:schemeClr val="tx1"/>
-                </a:solidFill>
-                <a:latin typeface="Calibri" panose="020F0502020204030204" pitchFamily="2" charset="0"/>
-                <a:ea typeface="宋体" panose="02010600030101010101" pitchFamily="2" charset="-122"/>
-              </a:defRPr>
-            </a:lvl5pPr>
-          </a:lstStyle>
-          <a:p>
-            <a:pPr marL="0" lvl="0" indent="0" eaLnBrk="1" hangingPunct="1">
-              <a:lnSpc>
-                <a:spcPct val="100000"/>
-              </a:lnSpc>
-              <a:spcBef>
-                <a:spcPct val="0"/>
-              </a:spcBef>
-              <a:buNone/>
-            </a:pPr>
-            <a:r>
-              <a:rPr lang="en-US" sz="3600" dirty="0">
-                <a:solidFill>
-                  <a:schemeClr val="bg1"/>
-                </a:solidFill>
-                <a:hlinkClick r:id="rId4" action="ppaction://hlinksldjump"/>
-              </a:rPr>
-              <a:t>UML</a:t>
-            </a:r>
-            <a:r>
-              <a:rPr lang="zh-CN" altLang="en-US" sz="3600" dirty="0">
-                <a:solidFill>
-                  <a:schemeClr val="bg1"/>
-                </a:solidFill>
-                <a:hlinkClick r:id="rId4" action="ppaction://hlinksldjump"/>
-              </a:rPr>
-              <a:t>的特点</a:t>
-            </a:r>
-            <a:endParaRPr lang="zh-CN" altLang="en-US" sz="3600" dirty="0">
-              <a:solidFill>
-                <a:schemeClr val="bg1"/>
-              </a:solidFill>
-            </a:endParaRPr>
-          </a:p>
-        </p:txBody>
-      </p:sp>
-      <p:cxnSp>
-        <p:nvCxnSpPr>
-          <p:cNvPr id="4107" name="直接连接符 27"/>
-          <p:cNvCxnSpPr/>
-          <p:nvPr/>
-        </p:nvCxnSpPr>
-        <p:spPr>
-          <a:xfrm flipH="1">
-            <a:off x="1971675" y="4489450"/>
-            <a:ext cx="347663" cy="447675"/>
-          </a:xfrm>
-          <a:prstGeom prst="line">
-            <a:avLst/>
-          </a:prstGeom>
-          <a:ln w="6350" cap="flat" cmpd="sng">
-            <a:solidFill>
-              <a:srgbClr val="FFC000"/>
-            </a:solidFill>
-            <a:prstDash val="solid"/>
-            <a:headEnd type="none" w="med" len="med"/>
-            <a:tailEnd type="none" w="med" len="med"/>
-          </a:ln>
-        </p:spPr>
-      </p:cxnSp>
-      <p:sp>
-        <p:nvSpPr>
-          <p:cNvPr id="4108" name="文本框 28"/>
-          <p:cNvSpPr txBox="1"/>
-          <p:nvPr/>
-        </p:nvSpPr>
-        <p:spPr>
-          <a:xfrm>
-            <a:off x="1687513" y="4383088"/>
-            <a:ext cx="325437" cy="523875"/>
-          </a:xfrm>
-          <a:prstGeom prst="rect">
-            <a:avLst/>
-          </a:prstGeom>
-          <a:noFill/>
-          <a:ln w="9525">
-            <a:noFill/>
-          </a:ln>
-        </p:spPr>
-        <p:txBody>
-          <a:bodyPr>
-            <a:spAutoFit/>
-          </a:bodyPr>
-          <a:lstStyle>
-            <a:lvl1pPr marL="228600" lvl="0" indent="-228600" algn="l" defTabSz="914400" eaLnBrk="0" fontAlgn="base" latinLnBrk="0" hangingPunct="0">
-              <a:lnSpc>
-                <a:spcPct val="90000"/>
-              </a:lnSpc>
-              <a:spcBef>
-                <a:spcPts val="1000"/>
-              </a:spcBef>
-              <a:spcAft>
-                <a:spcPct val="0"/>
-              </a:spcAft>
-              <a:buFont typeface="Arial" panose="020B0604020202020204" pitchFamily="34" charset="0"/>
-              <a:buChar char="•"/>
-              <a:defRPr sz="2800" u="none" kern="1200" baseline="0">
-                <a:solidFill>
-                  <a:schemeClr val="tx1"/>
-                </a:solidFill>
-                <a:latin typeface="Calibri" panose="020F0502020204030204" pitchFamily="2" charset="0"/>
-                <a:ea typeface="宋体" panose="02010600030101010101" pitchFamily="2" charset="-122"/>
-              </a:defRPr>
-            </a:lvl1pPr>
-            <a:lvl2pPr marL="685800" lvl="1" indent="-228600" algn="l" defTabSz="914400" eaLnBrk="0" fontAlgn="base" latinLnBrk="0" hangingPunct="0">
-              <a:lnSpc>
-                <a:spcPct val="90000"/>
-              </a:lnSpc>
-              <a:spcBef>
-                <a:spcPts val="500"/>
-              </a:spcBef>
-              <a:spcAft>
-                <a:spcPct val="0"/>
-              </a:spcAft>
-              <a:buFont typeface="Arial" panose="020B0604020202020204" pitchFamily="34" charset="0"/>
-              <a:buChar char="•"/>
-              <a:defRPr sz="2400" u="none" kern="1200" baseline="0">
-                <a:solidFill>
-                  <a:schemeClr val="tx1"/>
-                </a:solidFill>
-                <a:latin typeface="Calibri" panose="020F0502020204030204" pitchFamily="2" charset="0"/>
-                <a:ea typeface="宋体" panose="02010600030101010101" pitchFamily="2" charset="-122"/>
-              </a:defRPr>
-            </a:lvl2pPr>
-            <a:lvl3pPr marL="1143000" lvl="2" indent="-228600" algn="l" defTabSz="914400" eaLnBrk="0" fontAlgn="base" latinLnBrk="0" hangingPunct="0">
-              <a:lnSpc>
-                <a:spcPct val="90000"/>
-              </a:lnSpc>
-              <a:spcBef>
-                <a:spcPts val="500"/>
-              </a:spcBef>
-              <a:spcAft>
-                <a:spcPct val="0"/>
-              </a:spcAft>
-              <a:buFont typeface="Arial" panose="020B0604020202020204" pitchFamily="34" charset="0"/>
-              <a:buChar char="•"/>
-              <a:defRPr sz="2000" u="none" kern="1200" baseline="0">
-                <a:solidFill>
-                  <a:schemeClr val="tx1"/>
-                </a:solidFill>
-                <a:latin typeface="Calibri" panose="020F0502020204030204" pitchFamily="2" charset="0"/>
-                <a:ea typeface="宋体" panose="02010600030101010101" pitchFamily="2" charset="-122"/>
-              </a:defRPr>
-            </a:lvl3pPr>
-            <a:lvl4pPr marL="1600200" lvl="3" indent="-228600" algn="l" defTabSz="914400" eaLnBrk="0" fontAlgn="base" latinLnBrk="0" hangingPunct="0">
-              <a:lnSpc>
-                <a:spcPct val="90000"/>
-              </a:lnSpc>
-              <a:spcBef>
-                <a:spcPts val="500"/>
-              </a:spcBef>
-              <a:spcAft>
-                <a:spcPct val="0"/>
-              </a:spcAft>
-              <a:buFont typeface="Arial" panose="020B0604020202020204" pitchFamily="34" charset="0"/>
-              <a:buChar char="•"/>
-              <a:defRPr sz="1800" u="none" kern="1200" baseline="0">
-                <a:solidFill>
-                  <a:schemeClr val="tx1"/>
-                </a:solidFill>
-                <a:latin typeface="Calibri" panose="020F0502020204030204" pitchFamily="2" charset="0"/>
-                <a:ea typeface="宋体" panose="02010600030101010101" pitchFamily="2" charset="-122"/>
-              </a:defRPr>
-            </a:lvl4pPr>
-            <a:lvl5pPr marL="2057400" lvl="4" indent="-228600" algn="l" defTabSz="914400" eaLnBrk="0" fontAlgn="base" latinLnBrk="0" hangingPunct="0">
-              <a:lnSpc>
-                <a:spcPct val="90000"/>
-              </a:lnSpc>
-              <a:spcBef>
-                <a:spcPts val="500"/>
-              </a:spcBef>
-              <a:spcAft>
-                <a:spcPct val="0"/>
-              </a:spcAft>
-              <a:buFont typeface="Arial" panose="020B0604020202020204" pitchFamily="34" charset="0"/>
-              <a:buChar char="•"/>
-              <a:defRPr sz="1800" u="none" kern="1200" baseline="0">
-                <a:solidFill>
-                  <a:schemeClr val="tx1"/>
-                </a:solidFill>
-                <a:latin typeface="Calibri" panose="020F0502020204030204" pitchFamily="2" charset="0"/>
-                <a:ea typeface="宋体" panose="02010600030101010101" pitchFamily="2" charset="-122"/>
-              </a:defRPr>
-            </a:lvl5pPr>
-          </a:lstStyle>
-          <a:p>
-            <a:pPr marL="0" lvl="0" indent="0" eaLnBrk="1" hangingPunct="1">
-              <a:lnSpc>
-                <a:spcPct val="100000"/>
-              </a:lnSpc>
-              <a:spcBef>
-                <a:spcPct val="0"/>
-              </a:spcBef>
-              <a:buNone/>
-            </a:pPr>
-            <a:r>
-              <a:rPr lang="en-US" altLang="x-none" dirty="0">
-                <a:solidFill>
-                  <a:schemeClr val="bg1"/>
-                </a:solidFill>
-              </a:rPr>
-              <a:t>3</a:t>
-            </a:r>
-            <a:endParaRPr lang="zh-CN" altLang="en-US" dirty="0">
-              <a:solidFill>
-                <a:schemeClr val="bg1"/>
-              </a:solidFill>
-            </a:endParaRPr>
-          </a:p>
-        </p:txBody>
-      </p:sp>
-      <p:sp>
-        <p:nvSpPr>
-          <p:cNvPr id="4109" name="文本框 29"/>
-          <p:cNvSpPr txBox="1"/>
-          <p:nvPr/>
-        </p:nvSpPr>
-        <p:spPr>
-          <a:xfrm>
-            <a:off x="7209155" y="2621280"/>
-            <a:ext cx="3958590" cy="645160"/>
-          </a:xfrm>
-          <a:prstGeom prst="rect">
-            <a:avLst/>
-          </a:prstGeom>
-          <a:solidFill>
-            <a:schemeClr val="bg1">
-              <a:lumMod val="95000"/>
-            </a:schemeClr>
-          </a:solidFill>
-          <a:ln w="9525">
-            <a:noFill/>
-          </a:ln>
-        </p:spPr>
-        <p:txBody>
-          <a:bodyPr wrap="square">
-            <a:spAutoFit/>
-          </a:bodyPr>
-          <a:lstStyle>
-            <a:lvl1pPr marL="228600" lvl="0" indent="-228600" algn="l" defTabSz="914400" eaLnBrk="0" fontAlgn="base" latinLnBrk="0" hangingPunct="0">
-              <a:lnSpc>
-                <a:spcPct val="90000"/>
-              </a:lnSpc>
-              <a:spcBef>
-                <a:spcPts val="1000"/>
-              </a:spcBef>
-              <a:spcAft>
-                <a:spcPct val="0"/>
-              </a:spcAft>
-              <a:buFont typeface="Arial" panose="020B0604020202020204" pitchFamily="34" charset="0"/>
-              <a:buChar char="•"/>
-              <a:defRPr sz="2800" u="none" kern="1200" baseline="0">
-                <a:solidFill>
-                  <a:schemeClr val="tx1"/>
-                </a:solidFill>
-                <a:latin typeface="Calibri" panose="020F0502020204030204" pitchFamily="2" charset="0"/>
-                <a:ea typeface="宋体" panose="02010600030101010101" pitchFamily="2" charset="-122"/>
-              </a:defRPr>
-            </a:lvl1pPr>
-            <a:lvl2pPr marL="685800" lvl="1" indent="-228600" algn="l" defTabSz="914400" eaLnBrk="0" fontAlgn="base" latinLnBrk="0" hangingPunct="0">
-              <a:lnSpc>
-                <a:spcPct val="90000"/>
-              </a:lnSpc>
-              <a:spcBef>
-                <a:spcPts val="500"/>
-              </a:spcBef>
-              <a:spcAft>
-                <a:spcPct val="0"/>
-              </a:spcAft>
-              <a:buFont typeface="Arial" panose="020B0604020202020204" pitchFamily="34" charset="0"/>
-              <a:buChar char="•"/>
-              <a:defRPr sz="2400" u="none" kern="1200" baseline="0">
-                <a:solidFill>
-                  <a:schemeClr val="tx1"/>
-                </a:solidFill>
-                <a:latin typeface="Calibri" panose="020F0502020204030204" pitchFamily="2" charset="0"/>
-                <a:ea typeface="宋体" panose="02010600030101010101" pitchFamily="2" charset="-122"/>
-              </a:defRPr>
-            </a:lvl2pPr>
-            <a:lvl3pPr marL="1143000" lvl="2" indent="-228600" algn="l" defTabSz="914400" eaLnBrk="0" fontAlgn="base" latinLnBrk="0" hangingPunct="0">
-              <a:lnSpc>
-                <a:spcPct val="90000"/>
-              </a:lnSpc>
-              <a:spcBef>
-                <a:spcPts val="500"/>
-              </a:spcBef>
-              <a:spcAft>
-                <a:spcPct val="0"/>
-              </a:spcAft>
-              <a:buFont typeface="Arial" panose="020B0604020202020204" pitchFamily="34" charset="0"/>
-              <a:buChar char="•"/>
-              <a:defRPr sz="2000" u="none" kern="1200" baseline="0">
-                <a:solidFill>
-                  <a:schemeClr val="tx1"/>
-                </a:solidFill>
-                <a:latin typeface="Calibri" panose="020F0502020204030204" pitchFamily="2" charset="0"/>
-                <a:ea typeface="宋体" panose="02010600030101010101" pitchFamily="2" charset="-122"/>
-              </a:defRPr>
-            </a:lvl3pPr>
-            <a:lvl4pPr marL="1600200" lvl="3" indent="-228600" algn="l" defTabSz="914400" eaLnBrk="0" fontAlgn="base" latinLnBrk="0" hangingPunct="0">
-              <a:lnSpc>
-                <a:spcPct val="90000"/>
-              </a:lnSpc>
-              <a:spcBef>
-                <a:spcPts val="500"/>
-              </a:spcBef>
-              <a:spcAft>
-                <a:spcPct val="0"/>
-              </a:spcAft>
-              <a:buFont typeface="Arial" panose="020B0604020202020204" pitchFamily="34" charset="0"/>
-              <a:buChar char="•"/>
-              <a:defRPr sz="1800" u="none" kern="1200" baseline="0">
-                <a:solidFill>
-                  <a:schemeClr val="tx1"/>
-                </a:solidFill>
-                <a:latin typeface="Calibri" panose="020F0502020204030204" pitchFamily="2" charset="0"/>
-                <a:ea typeface="宋体" panose="02010600030101010101" pitchFamily="2" charset="-122"/>
-              </a:defRPr>
-            </a:lvl4pPr>
-            <a:lvl5pPr marL="2057400" lvl="4" indent="-228600" algn="l" defTabSz="914400" eaLnBrk="0" fontAlgn="base" latinLnBrk="0" hangingPunct="0">
-              <a:lnSpc>
-                <a:spcPct val="90000"/>
-              </a:lnSpc>
-              <a:spcBef>
-                <a:spcPts val="500"/>
-              </a:spcBef>
-              <a:spcAft>
-                <a:spcPct val="0"/>
-              </a:spcAft>
-              <a:buFont typeface="Arial" panose="020B0604020202020204" pitchFamily="34" charset="0"/>
-              <a:buChar char="•"/>
-              <a:defRPr sz="1800" u="none" kern="1200" baseline="0">
-                <a:solidFill>
-                  <a:schemeClr val="tx1"/>
-                </a:solidFill>
-                <a:latin typeface="Calibri" panose="020F0502020204030204" pitchFamily="2" charset="0"/>
-                <a:ea typeface="宋体" panose="02010600030101010101" pitchFamily="2" charset="-122"/>
-              </a:defRPr>
-            </a:lvl5pPr>
-          </a:lstStyle>
-          <a:p>
-            <a:pPr marL="0" lvl="0" indent="0" eaLnBrk="1" hangingPunct="1">
-              <a:lnSpc>
-                <a:spcPct val="100000"/>
-              </a:lnSpc>
-              <a:spcBef>
-                <a:spcPct val="0"/>
-              </a:spcBef>
-              <a:buNone/>
-            </a:pPr>
-            <a:r>
-              <a:rPr lang="en-US" sz="3600" dirty="0">
-                <a:solidFill>
-                  <a:schemeClr val="bg1"/>
-                </a:solidFill>
-                <a:sym typeface="+mn-ea"/>
-                <a:hlinkClick r:id="rId5" action="ppaction://hlinksldjump"/>
-              </a:rPr>
-              <a:t>UML</a:t>
-            </a:r>
-            <a:r>
-              <a:rPr lang="zh-CN" altLang="en-US" sz="3600" dirty="0">
-                <a:solidFill>
-                  <a:schemeClr val="bg1"/>
-                </a:solidFill>
-                <a:sym typeface="+mn-ea"/>
-                <a:hlinkClick r:id="rId5" action="ppaction://hlinksldjump"/>
-              </a:rPr>
-              <a:t>的构造块</a:t>
-            </a:r>
-            <a:endParaRPr lang="zh-CN" altLang="en-US" sz="3600" dirty="0">
-              <a:solidFill>
-                <a:schemeClr val="bg1"/>
-              </a:solidFill>
-            </a:endParaRPr>
-          </a:p>
-        </p:txBody>
-      </p:sp>
-      <p:cxnSp>
-        <p:nvCxnSpPr>
-          <p:cNvPr id="4110" name="直接连接符 30"/>
-          <p:cNvCxnSpPr/>
-          <p:nvPr/>
-        </p:nvCxnSpPr>
-        <p:spPr>
-          <a:xfrm flipH="1">
-            <a:off x="6861175" y="2719388"/>
-            <a:ext cx="347663" cy="447675"/>
-          </a:xfrm>
-          <a:prstGeom prst="line">
-            <a:avLst/>
-          </a:prstGeom>
-          <a:ln w="6350" cap="flat" cmpd="sng">
-            <a:solidFill>
-              <a:srgbClr val="FFC000"/>
-            </a:solidFill>
-            <a:prstDash val="solid"/>
-            <a:headEnd type="none" w="med" len="med"/>
-            <a:tailEnd type="none" w="med" len="med"/>
-          </a:ln>
-        </p:spPr>
-      </p:cxnSp>
-      <p:sp>
-        <p:nvSpPr>
-          <p:cNvPr id="4111" name="文本框 31"/>
-          <p:cNvSpPr txBox="1"/>
-          <p:nvPr/>
-        </p:nvSpPr>
-        <p:spPr>
-          <a:xfrm>
-            <a:off x="6578600" y="2614613"/>
-            <a:ext cx="323850" cy="522287"/>
-          </a:xfrm>
-          <a:prstGeom prst="rect">
-            <a:avLst/>
-          </a:prstGeom>
-          <a:noFill/>
-          <a:ln w="9525">
-            <a:noFill/>
-          </a:ln>
-        </p:spPr>
-        <p:txBody>
-          <a:bodyPr>
-            <a:spAutoFit/>
-          </a:bodyPr>
-          <a:lstStyle>
-            <a:lvl1pPr marL="228600" lvl="0" indent="-228600" algn="l" defTabSz="914400" eaLnBrk="0" fontAlgn="base" latinLnBrk="0" hangingPunct="0">
-              <a:lnSpc>
-                <a:spcPct val="90000"/>
-              </a:lnSpc>
-              <a:spcBef>
-                <a:spcPts val="1000"/>
-              </a:spcBef>
-              <a:spcAft>
-                <a:spcPct val="0"/>
-              </a:spcAft>
-              <a:buFont typeface="Arial" panose="020B0604020202020204" pitchFamily="34" charset="0"/>
-              <a:buChar char="•"/>
-              <a:defRPr sz="2800" u="none" kern="1200" baseline="0">
-                <a:solidFill>
-                  <a:schemeClr val="tx1"/>
-                </a:solidFill>
-                <a:latin typeface="Calibri" panose="020F0502020204030204" pitchFamily="2" charset="0"/>
-                <a:ea typeface="宋体" panose="02010600030101010101" pitchFamily="2" charset="-122"/>
-              </a:defRPr>
-            </a:lvl1pPr>
-            <a:lvl2pPr marL="685800" lvl="1" indent="-228600" algn="l" defTabSz="914400" eaLnBrk="0" fontAlgn="base" latinLnBrk="0" hangingPunct="0">
-              <a:lnSpc>
-                <a:spcPct val="90000"/>
-              </a:lnSpc>
-              <a:spcBef>
-                <a:spcPts val="500"/>
-              </a:spcBef>
-              <a:spcAft>
-                <a:spcPct val="0"/>
-              </a:spcAft>
-              <a:buFont typeface="Arial" panose="020B0604020202020204" pitchFamily="34" charset="0"/>
-              <a:buChar char="•"/>
-              <a:defRPr sz="2400" u="none" kern="1200" baseline="0">
-                <a:solidFill>
-                  <a:schemeClr val="tx1"/>
-                </a:solidFill>
-                <a:latin typeface="Calibri" panose="020F0502020204030204" pitchFamily="2" charset="0"/>
-                <a:ea typeface="宋体" panose="02010600030101010101" pitchFamily="2" charset="-122"/>
-              </a:defRPr>
-            </a:lvl2pPr>
-            <a:lvl3pPr marL="1143000" lvl="2" indent="-228600" algn="l" defTabSz="914400" eaLnBrk="0" fontAlgn="base" latinLnBrk="0" hangingPunct="0">
-              <a:lnSpc>
-                <a:spcPct val="90000"/>
-              </a:lnSpc>
-              <a:spcBef>
-                <a:spcPts val="500"/>
-              </a:spcBef>
-              <a:spcAft>
-                <a:spcPct val="0"/>
-              </a:spcAft>
-              <a:buFont typeface="Arial" panose="020B0604020202020204" pitchFamily="34" charset="0"/>
-              <a:buChar char="•"/>
-              <a:defRPr sz="2000" u="none" kern="1200" baseline="0">
-                <a:solidFill>
-                  <a:schemeClr val="tx1"/>
-                </a:solidFill>
-                <a:latin typeface="Calibri" panose="020F0502020204030204" pitchFamily="2" charset="0"/>
-                <a:ea typeface="宋体" panose="02010600030101010101" pitchFamily="2" charset="-122"/>
-              </a:defRPr>
-            </a:lvl3pPr>
-            <a:lvl4pPr marL="1600200" lvl="3" indent="-228600" algn="l" defTabSz="914400" eaLnBrk="0" fontAlgn="base" latinLnBrk="0" hangingPunct="0">
-              <a:lnSpc>
-                <a:spcPct val="90000"/>
-              </a:lnSpc>
-              <a:spcBef>
-                <a:spcPts val="500"/>
-              </a:spcBef>
-              <a:spcAft>
-                <a:spcPct val="0"/>
-              </a:spcAft>
-              <a:buFont typeface="Arial" panose="020B0604020202020204" pitchFamily="34" charset="0"/>
-              <a:buChar char="•"/>
-              <a:defRPr sz="1800" u="none" kern="1200" baseline="0">
-                <a:solidFill>
-                  <a:schemeClr val="tx1"/>
-                </a:solidFill>
-                <a:latin typeface="Calibri" panose="020F0502020204030204" pitchFamily="2" charset="0"/>
-                <a:ea typeface="宋体" panose="02010600030101010101" pitchFamily="2" charset="-122"/>
-              </a:defRPr>
-            </a:lvl4pPr>
-            <a:lvl5pPr marL="2057400" lvl="4" indent="-228600" algn="l" defTabSz="914400" eaLnBrk="0" fontAlgn="base" latinLnBrk="0" hangingPunct="0">
-              <a:lnSpc>
-                <a:spcPct val="90000"/>
-              </a:lnSpc>
-              <a:spcBef>
-                <a:spcPts val="500"/>
-              </a:spcBef>
-              <a:spcAft>
-                <a:spcPct val="0"/>
-              </a:spcAft>
-              <a:buFont typeface="Arial" panose="020B0604020202020204" pitchFamily="34" charset="0"/>
-              <a:buChar char="•"/>
-              <a:defRPr sz="1800" u="none" kern="1200" baseline="0">
-                <a:solidFill>
-                  <a:schemeClr val="tx1"/>
-                </a:solidFill>
-                <a:latin typeface="Calibri" panose="020F0502020204030204" pitchFamily="2" charset="0"/>
-                <a:ea typeface="宋体" panose="02010600030101010101" pitchFamily="2" charset="-122"/>
-              </a:defRPr>
-            </a:lvl5pPr>
-          </a:lstStyle>
-          <a:p>
-            <a:pPr marL="0" lvl="0" indent="0" eaLnBrk="1" hangingPunct="1">
-              <a:lnSpc>
-                <a:spcPct val="100000"/>
-              </a:lnSpc>
-              <a:spcBef>
-                <a:spcPct val="0"/>
-              </a:spcBef>
-              <a:buNone/>
-            </a:pPr>
-            <a:r>
-              <a:rPr lang="en-US" altLang="x-none" dirty="0">
-                <a:solidFill>
-                  <a:schemeClr val="bg1"/>
-                </a:solidFill>
-              </a:rPr>
-              <a:t>4</a:t>
-            </a:r>
-            <a:endParaRPr lang="zh-CN" altLang="en-US" dirty="0">
-              <a:solidFill>
-                <a:schemeClr val="bg1"/>
-              </a:solidFill>
-            </a:endParaRPr>
-          </a:p>
-        </p:txBody>
-      </p:sp>
-      <p:sp>
-        <p:nvSpPr>
-          <p:cNvPr id="4112" name="文本框 32"/>
-          <p:cNvSpPr txBox="1"/>
-          <p:nvPr/>
-        </p:nvSpPr>
-        <p:spPr>
-          <a:xfrm>
-            <a:off x="7208838" y="3506788"/>
-            <a:ext cx="3151187" cy="645160"/>
-          </a:xfrm>
-          <a:prstGeom prst="rect">
-            <a:avLst/>
-          </a:prstGeom>
-          <a:solidFill>
-            <a:schemeClr val="bg1">
-              <a:lumMod val="95000"/>
-            </a:schemeClr>
-          </a:solidFill>
-          <a:ln w="9525">
-            <a:noFill/>
-          </a:ln>
-        </p:spPr>
-        <p:txBody>
-          <a:bodyPr>
-            <a:spAutoFit/>
-          </a:bodyPr>
-          <a:lstStyle>
-            <a:lvl1pPr marL="228600" lvl="0" indent="-228600" algn="l" defTabSz="914400" eaLnBrk="0" fontAlgn="base" latinLnBrk="0" hangingPunct="0">
-              <a:lnSpc>
-                <a:spcPct val="90000"/>
-              </a:lnSpc>
-              <a:spcBef>
-                <a:spcPts val="1000"/>
-              </a:spcBef>
-              <a:spcAft>
-                <a:spcPct val="0"/>
-              </a:spcAft>
-              <a:buFont typeface="Arial" panose="020B0604020202020204" pitchFamily="34" charset="0"/>
-              <a:buChar char="•"/>
-              <a:defRPr sz="2800" u="none" kern="1200" baseline="0">
-                <a:solidFill>
-                  <a:schemeClr val="tx1"/>
-                </a:solidFill>
-                <a:latin typeface="Calibri" panose="020F0502020204030204" pitchFamily="2" charset="0"/>
-                <a:ea typeface="宋体" panose="02010600030101010101" pitchFamily="2" charset="-122"/>
-              </a:defRPr>
-            </a:lvl1pPr>
-            <a:lvl2pPr marL="685800" lvl="1" indent="-228600" algn="l" defTabSz="914400" eaLnBrk="0" fontAlgn="base" latinLnBrk="0" hangingPunct="0">
-              <a:lnSpc>
-                <a:spcPct val="90000"/>
-              </a:lnSpc>
-              <a:spcBef>
-                <a:spcPts val="500"/>
-              </a:spcBef>
-              <a:spcAft>
-                <a:spcPct val="0"/>
-              </a:spcAft>
-              <a:buFont typeface="Arial" panose="020B0604020202020204" pitchFamily="34" charset="0"/>
-              <a:buChar char="•"/>
-              <a:defRPr sz="2400" u="none" kern="1200" baseline="0">
-                <a:solidFill>
-                  <a:schemeClr val="tx1"/>
-                </a:solidFill>
-                <a:latin typeface="Calibri" panose="020F0502020204030204" pitchFamily="2" charset="0"/>
-                <a:ea typeface="宋体" panose="02010600030101010101" pitchFamily="2" charset="-122"/>
-              </a:defRPr>
-            </a:lvl2pPr>
-            <a:lvl3pPr marL="1143000" lvl="2" indent="-228600" algn="l" defTabSz="914400" eaLnBrk="0" fontAlgn="base" latinLnBrk="0" hangingPunct="0">
-              <a:lnSpc>
-                <a:spcPct val="90000"/>
-              </a:lnSpc>
-              <a:spcBef>
-                <a:spcPts val="500"/>
-              </a:spcBef>
-              <a:spcAft>
-                <a:spcPct val="0"/>
-              </a:spcAft>
-              <a:buFont typeface="Arial" panose="020B0604020202020204" pitchFamily="34" charset="0"/>
-              <a:buChar char="•"/>
-              <a:defRPr sz="2000" u="none" kern="1200" baseline="0">
-                <a:solidFill>
-                  <a:schemeClr val="tx1"/>
-                </a:solidFill>
-                <a:latin typeface="Calibri" panose="020F0502020204030204" pitchFamily="2" charset="0"/>
-                <a:ea typeface="宋体" panose="02010600030101010101" pitchFamily="2" charset="-122"/>
-              </a:defRPr>
-            </a:lvl3pPr>
-            <a:lvl4pPr marL="1600200" lvl="3" indent="-228600" algn="l" defTabSz="914400" eaLnBrk="0" fontAlgn="base" latinLnBrk="0" hangingPunct="0">
-              <a:lnSpc>
-                <a:spcPct val="90000"/>
-              </a:lnSpc>
-              <a:spcBef>
-                <a:spcPts val="500"/>
-              </a:spcBef>
-              <a:spcAft>
-                <a:spcPct val="0"/>
-              </a:spcAft>
-              <a:buFont typeface="Arial" panose="020B0604020202020204" pitchFamily="34" charset="0"/>
-              <a:buChar char="•"/>
-              <a:defRPr sz="1800" u="none" kern="1200" baseline="0">
-                <a:solidFill>
-                  <a:schemeClr val="tx1"/>
-                </a:solidFill>
-                <a:latin typeface="Calibri" panose="020F0502020204030204" pitchFamily="2" charset="0"/>
-                <a:ea typeface="宋体" panose="02010600030101010101" pitchFamily="2" charset="-122"/>
-              </a:defRPr>
-            </a:lvl4pPr>
-            <a:lvl5pPr marL="2057400" lvl="4" indent="-228600" algn="l" defTabSz="914400" eaLnBrk="0" fontAlgn="base" latinLnBrk="0" hangingPunct="0">
-              <a:lnSpc>
-                <a:spcPct val="90000"/>
-              </a:lnSpc>
-              <a:spcBef>
-                <a:spcPts val="500"/>
-              </a:spcBef>
-              <a:spcAft>
-                <a:spcPct val="0"/>
-              </a:spcAft>
-              <a:buFont typeface="Arial" panose="020B0604020202020204" pitchFamily="34" charset="0"/>
-              <a:buChar char="•"/>
-              <a:defRPr sz="1800" u="none" kern="1200" baseline="0">
-                <a:solidFill>
-                  <a:schemeClr val="tx1"/>
-                </a:solidFill>
-                <a:latin typeface="Calibri" panose="020F0502020204030204" pitchFamily="2" charset="0"/>
-                <a:ea typeface="宋体" panose="02010600030101010101" pitchFamily="2" charset="-122"/>
-              </a:defRPr>
-            </a:lvl5pPr>
-          </a:lstStyle>
-          <a:p>
-            <a:pPr marL="0" lvl="0" indent="0" eaLnBrk="1" hangingPunct="1">
-              <a:lnSpc>
-                <a:spcPct val="100000"/>
-              </a:lnSpc>
-              <a:spcBef>
-                <a:spcPct val="0"/>
-              </a:spcBef>
-              <a:buNone/>
-            </a:pPr>
-            <a:r>
-              <a:rPr lang="en-US" sz="3600" dirty="0">
-                <a:solidFill>
-                  <a:schemeClr val="bg1"/>
-                </a:solidFill>
-                <a:sym typeface="+mn-ea"/>
-                <a:hlinkClick r:id="rId6" action="ppaction://hlinksldjump"/>
-              </a:rPr>
-              <a:t>UML</a:t>
-            </a:r>
-            <a:r>
-              <a:rPr lang="zh-CN" altLang="en-US" sz="3600" dirty="0">
-                <a:solidFill>
-                  <a:schemeClr val="bg1"/>
-                </a:solidFill>
-                <a:sym typeface="+mn-ea"/>
-                <a:hlinkClick r:id="rId6" action="ppaction://hlinksldjump"/>
-              </a:rPr>
-              <a:t>的规则</a:t>
-            </a:r>
-            <a:endParaRPr lang="zh-CN" sz="3600" dirty="0">
-              <a:solidFill>
-                <a:schemeClr val="bg1"/>
-              </a:solidFill>
-            </a:endParaRPr>
-          </a:p>
-        </p:txBody>
-      </p:sp>
-      <p:cxnSp>
-        <p:nvCxnSpPr>
-          <p:cNvPr id="4113" name="直接连接符 33"/>
-          <p:cNvCxnSpPr/>
-          <p:nvPr/>
-        </p:nvCxnSpPr>
-        <p:spPr>
-          <a:xfrm flipH="1">
-            <a:off x="6861175" y="3605213"/>
-            <a:ext cx="347663" cy="447675"/>
-          </a:xfrm>
-          <a:prstGeom prst="line">
-            <a:avLst/>
-          </a:prstGeom>
-          <a:ln w="6350" cap="flat" cmpd="sng">
-            <a:solidFill>
-              <a:srgbClr val="FFC000"/>
-            </a:solidFill>
-            <a:prstDash val="solid"/>
-            <a:headEnd type="none" w="med" len="med"/>
-            <a:tailEnd type="none" w="med" len="med"/>
-          </a:ln>
-        </p:spPr>
-      </p:cxnSp>
-      <p:sp>
-        <p:nvSpPr>
-          <p:cNvPr id="4114" name="文本框 34"/>
-          <p:cNvSpPr txBox="1"/>
-          <p:nvPr/>
-        </p:nvSpPr>
-        <p:spPr>
-          <a:xfrm>
-            <a:off x="6578600" y="3498850"/>
-            <a:ext cx="323850" cy="523875"/>
-          </a:xfrm>
-          <a:prstGeom prst="rect">
-            <a:avLst/>
-          </a:prstGeom>
-          <a:noFill/>
-          <a:ln w="9525">
-            <a:noFill/>
-          </a:ln>
-        </p:spPr>
-        <p:txBody>
-          <a:bodyPr>
-            <a:spAutoFit/>
-          </a:bodyPr>
-          <a:lstStyle>
-            <a:lvl1pPr marL="228600" lvl="0" indent="-228600" algn="l" defTabSz="914400" eaLnBrk="0" fontAlgn="base" latinLnBrk="0" hangingPunct="0">
-              <a:lnSpc>
-                <a:spcPct val="90000"/>
-              </a:lnSpc>
-              <a:spcBef>
-                <a:spcPts val="1000"/>
-              </a:spcBef>
-              <a:spcAft>
-                <a:spcPct val="0"/>
-              </a:spcAft>
-              <a:buFont typeface="Arial" panose="020B0604020202020204" pitchFamily="34" charset="0"/>
-              <a:buChar char="•"/>
-              <a:defRPr sz="2800" u="none" kern="1200" baseline="0">
-                <a:solidFill>
-                  <a:schemeClr val="tx1"/>
-                </a:solidFill>
-                <a:latin typeface="Calibri" panose="020F0502020204030204" pitchFamily="2" charset="0"/>
-                <a:ea typeface="宋体" panose="02010600030101010101" pitchFamily="2" charset="-122"/>
-              </a:defRPr>
-            </a:lvl1pPr>
-            <a:lvl2pPr marL="685800" lvl="1" indent="-228600" algn="l" defTabSz="914400" eaLnBrk="0" fontAlgn="base" latinLnBrk="0" hangingPunct="0">
-              <a:lnSpc>
-                <a:spcPct val="90000"/>
-              </a:lnSpc>
-              <a:spcBef>
-                <a:spcPts val="500"/>
-              </a:spcBef>
-              <a:spcAft>
-                <a:spcPct val="0"/>
-              </a:spcAft>
-              <a:buFont typeface="Arial" panose="020B0604020202020204" pitchFamily="34" charset="0"/>
-              <a:buChar char="•"/>
-              <a:defRPr sz="2400" u="none" kern="1200" baseline="0">
-                <a:solidFill>
-                  <a:schemeClr val="tx1"/>
-                </a:solidFill>
-                <a:latin typeface="Calibri" panose="020F0502020204030204" pitchFamily="2" charset="0"/>
-                <a:ea typeface="宋体" panose="02010600030101010101" pitchFamily="2" charset="-122"/>
-              </a:defRPr>
-            </a:lvl2pPr>
-            <a:lvl3pPr marL="1143000" lvl="2" indent="-228600" algn="l" defTabSz="914400" eaLnBrk="0" fontAlgn="base" latinLnBrk="0" hangingPunct="0">
-              <a:lnSpc>
-                <a:spcPct val="90000"/>
-              </a:lnSpc>
-              <a:spcBef>
-                <a:spcPts val="500"/>
-              </a:spcBef>
-              <a:spcAft>
-                <a:spcPct val="0"/>
-              </a:spcAft>
-              <a:buFont typeface="Arial" panose="020B0604020202020204" pitchFamily="34" charset="0"/>
-              <a:buChar char="•"/>
-              <a:defRPr sz="2000" u="none" kern="1200" baseline="0">
-                <a:solidFill>
-                  <a:schemeClr val="tx1"/>
-                </a:solidFill>
-                <a:latin typeface="Calibri" panose="020F0502020204030204" pitchFamily="2" charset="0"/>
-                <a:ea typeface="宋体" panose="02010600030101010101" pitchFamily="2" charset="-122"/>
-              </a:defRPr>
-            </a:lvl3pPr>
-            <a:lvl4pPr marL="1600200" lvl="3" indent="-228600" algn="l" defTabSz="914400" eaLnBrk="0" fontAlgn="base" latinLnBrk="0" hangingPunct="0">
-              <a:lnSpc>
-                <a:spcPct val="90000"/>
-              </a:lnSpc>
-              <a:spcBef>
-                <a:spcPts val="500"/>
-              </a:spcBef>
-              <a:spcAft>
-                <a:spcPct val="0"/>
-              </a:spcAft>
-              <a:buFont typeface="Arial" panose="020B0604020202020204" pitchFamily="34" charset="0"/>
-              <a:buChar char="•"/>
-              <a:defRPr sz="1800" u="none" kern="1200" baseline="0">
-                <a:solidFill>
-                  <a:schemeClr val="tx1"/>
-                </a:solidFill>
-                <a:latin typeface="Calibri" panose="020F0502020204030204" pitchFamily="2" charset="0"/>
-                <a:ea typeface="宋体" panose="02010600030101010101" pitchFamily="2" charset="-122"/>
-              </a:defRPr>
-            </a:lvl4pPr>
-            <a:lvl5pPr marL="2057400" lvl="4" indent="-228600" algn="l" defTabSz="914400" eaLnBrk="0" fontAlgn="base" latinLnBrk="0" hangingPunct="0">
-              <a:lnSpc>
-                <a:spcPct val="90000"/>
-              </a:lnSpc>
-              <a:spcBef>
-                <a:spcPts val="500"/>
-              </a:spcBef>
-              <a:spcAft>
-                <a:spcPct val="0"/>
-              </a:spcAft>
-              <a:buFont typeface="Arial" panose="020B0604020202020204" pitchFamily="34" charset="0"/>
-              <a:buChar char="•"/>
-              <a:defRPr sz="1800" u="none" kern="1200" baseline="0">
-                <a:solidFill>
-                  <a:schemeClr val="tx1"/>
-                </a:solidFill>
-                <a:latin typeface="Calibri" panose="020F0502020204030204" pitchFamily="2" charset="0"/>
-                <a:ea typeface="宋体" panose="02010600030101010101" pitchFamily="2" charset="-122"/>
-              </a:defRPr>
-            </a:lvl5pPr>
-          </a:lstStyle>
-          <a:p>
-            <a:pPr marL="0" lvl="0" indent="0" eaLnBrk="1" hangingPunct="1">
-              <a:lnSpc>
-                <a:spcPct val="100000"/>
-              </a:lnSpc>
-              <a:spcBef>
-                <a:spcPct val="0"/>
-              </a:spcBef>
-              <a:buNone/>
-            </a:pPr>
-            <a:r>
-              <a:rPr lang="en-US" altLang="x-none" dirty="0">
-                <a:solidFill>
-                  <a:schemeClr val="bg1"/>
-                </a:solidFill>
-              </a:rPr>
-              <a:t>5</a:t>
-            </a:r>
-            <a:endParaRPr lang="zh-CN" altLang="en-US" dirty="0">
-              <a:solidFill>
-                <a:schemeClr val="bg1"/>
-              </a:solidFill>
-            </a:endParaRPr>
-          </a:p>
-        </p:txBody>
-      </p:sp>
-      <p:sp>
-        <p:nvSpPr>
-          <p:cNvPr id="2" name="文本框 32"/>
-          <p:cNvSpPr txBox="1"/>
-          <p:nvPr/>
-        </p:nvSpPr>
-        <p:spPr>
-          <a:xfrm>
-            <a:off x="7209155" y="4489450"/>
-            <a:ext cx="3958590" cy="645160"/>
-          </a:xfrm>
-          <a:prstGeom prst="rect">
-            <a:avLst/>
-          </a:prstGeom>
-          <a:solidFill>
-            <a:schemeClr val="bg1">
-              <a:lumMod val="95000"/>
-            </a:schemeClr>
-          </a:solidFill>
-          <a:ln w="9525">
-            <a:noFill/>
-          </a:ln>
-        </p:spPr>
-        <p:txBody>
-          <a:bodyPr wrap="square">
-            <a:spAutoFit/>
-          </a:bodyPr>
-          <a:lstStyle>
-            <a:lvl1pPr marL="228600" lvl="0" indent="-228600" algn="l" defTabSz="914400" eaLnBrk="0" fontAlgn="base" latinLnBrk="0" hangingPunct="0">
-              <a:lnSpc>
-                <a:spcPct val="90000"/>
-              </a:lnSpc>
-              <a:spcBef>
-                <a:spcPts val="1000"/>
-              </a:spcBef>
-              <a:spcAft>
-                <a:spcPct val="0"/>
-              </a:spcAft>
-              <a:buFont typeface="Arial" panose="020B0604020202020204" pitchFamily="34" charset="0"/>
-              <a:buChar char="•"/>
-              <a:defRPr sz="2800" u="none" kern="1200" baseline="0">
-                <a:solidFill>
-                  <a:schemeClr val="tx1"/>
-                </a:solidFill>
-                <a:latin typeface="Calibri" panose="020F0502020204030204" pitchFamily="2" charset="0"/>
-                <a:ea typeface="宋体" panose="02010600030101010101" pitchFamily="2" charset="-122"/>
-              </a:defRPr>
-            </a:lvl1pPr>
-            <a:lvl2pPr marL="685800" lvl="1" indent="-228600" algn="l" defTabSz="914400" eaLnBrk="0" fontAlgn="base" latinLnBrk="0" hangingPunct="0">
-              <a:lnSpc>
-                <a:spcPct val="90000"/>
-              </a:lnSpc>
-              <a:spcBef>
-                <a:spcPts val="500"/>
-              </a:spcBef>
-              <a:spcAft>
-                <a:spcPct val="0"/>
-              </a:spcAft>
-              <a:buFont typeface="Arial" panose="020B0604020202020204" pitchFamily="34" charset="0"/>
-              <a:buChar char="•"/>
-              <a:defRPr sz="2400" u="none" kern="1200" baseline="0">
-                <a:solidFill>
-                  <a:schemeClr val="tx1"/>
-                </a:solidFill>
-                <a:latin typeface="Calibri" panose="020F0502020204030204" pitchFamily="2" charset="0"/>
-                <a:ea typeface="宋体" panose="02010600030101010101" pitchFamily="2" charset="-122"/>
-              </a:defRPr>
-            </a:lvl2pPr>
-            <a:lvl3pPr marL="1143000" lvl="2" indent="-228600" algn="l" defTabSz="914400" eaLnBrk="0" fontAlgn="base" latinLnBrk="0" hangingPunct="0">
-              <a:lnSpc>
-                <a:spcPct val="90000"/>
-              </a:lnSpc>
-              <a:spcBef>
-                <a:spcPts val="500"/>
-              </a:spcBef>
-              <a:spcAft>
-                <a:spcPct val="0"/>
-              </a:spcAft>
-              <a:buFont typeface="Arial" panose="020B0604020202020204" pitchFamily="34" charset="0"/>
-              <a:buChar char="•"/>
-              <a:defRPr sz="2000" u="none" kern="1200" baseline="0">
-                <a:solidFill>
-                  <a:schemeClr val="tx1"/>
-                </a:solidFill>
-                <a:latin typeface="Calibri" panose="020F0502020204030204" pitchFamily="2" charset="0"/>
-                <a:ea typeface="宋体" panose="02010600030101010101" pitchFamily="2" charset="-122"/>
-              </a:defRPr>
-            </a:lvl3pPr>
-            <a:lvl4pPr marL="1600200" lvl="3" indent="-228600" algn="l" defTabSz="914400" eaLnBrk="0" fontAlgn="base" latinLnBrk="0" hangingPunct="0">
-              <a:lnSpc>
-                <a:spcPct val="90000"/>
-              </a:lnSpc>
-              <a:spcBef>
-                <a:spcPts val="500"/>
-              </a:spcBef>
-              <a:spcAft>
-                <a:spcPct val="0"/>
-              </a:spcAft>
-              <a:buFont typeface="Arial" panose="020B0604020202020204" pitchFamily="34" charset="0"/>
-              <a:buChar char="•"/>
-              <a:defRPr sz="1800" u="none" kern="1200" baseline="0">
-                <a:solidFill>
-                  <a:schemeClr val="tx1"/>
-                </a:solidFill>
-                <a:latin typeface="Calibri" panose="020F0502020204030204" pitchFamily="2" charset="0"/>
-                <a:ea typeface="宋体" panose="02010600030101010101" pitchFamily="2" charset="-122"/>
-              </a:defRPr>
-            </a:lvl4pPr>
-            <a:lvl5pPr marL="2057400" lvl="4" indent="-228600" algn="l" defTabSz="914400" eaLnBrk="0" fontAlgn="base" latinLnBrk="0" hangingPunct="0">
-              <a:lnSpc>
-                <a:spcPct val="90000"/>
-              </a:lnSpc>
-              <a:spcBef>
-                <a:spcPts val="500"/>
-              </a:spcBef>
-              <a:spcAft>
-                <a:spcPct val="0"/>
-              </a:spcAft>
-              <a:buFont typeface="Arial" panose="020B0604020202020204" pitchFamily="34" charset="0"/>
-              <a:buChar char="•"/>
-              <a:defRPr sz="1800" u="none" kern="1200" baseline="0">
-                <a:solidFill>
-                  <a:schemeClr val="tx1"/>
-                </a:solidFill>
-                <a:latin typeface="Calibri" panose="020F0502020204030204" pitchFamily="2" charset="0"/>
-                <a:ea typeface="宋体" panose="02010600030101010101" pitchFamily="2" charset="-122"/>
-              </a:defRPr>
-            </a:lvl5pPr>
-          </a:lstStyle>
-          <a:p>
-            <a:pPr marL="0" lvl="0" indent="0" eaLnBrk="1" hangingPunct="1">
-              <a:lnSpc>
-                <a:spcPct val="100000"/>
-              </a:lnSpc>
-              <a:spcBef>
-                <a:spcPct val="0"/>
-              </a:spcBef>
-              <a:buNone/>
-            </a:pPr>
-            <a:r>
-              <a:rPr lang="en-US" sz="3600" dirty="0">
-                <a:solidFill>
-                  <a:schemeClr val="bg1"/>
-                </a:solidFill>
-                <a:sym typeface="+mn-ea"/>
-                <a:hlinkClick r:id="rId7" action="ppaction://hlinksldjump"/>
-              </a:rPr>
-              <a:t>UML</a:t>
-            </a:r>
-            <a:r>
-              <a:rPr lang="zh-CN" altLang="en-US" sz="3600" dirty="0">
-                <a:solidFill>
-                  <a:schemeClr val="bg1"/>
-                </a:solidFill>
-                <a:sym typeface="+mn-ea"/>
-                <a:hlinkClick r:id="rId7" action="ppaction://hlinksldjump"/>
-              </a:rPr>
-              <a:t>中的公共机制</a:t>
-            </a:r>
-            <a:endParaRPr lang="zh-CN" sz="3600" dirty="0">
-              <a:solidFill>
-                <a:schemeClr val="bg1"/>
-              </a:solidFill>
-            </a:endParaRPr>
-          </a:p>
-        </p:txBody>
-      </p:sp>
-      <p:cxnSp>
-        <p:nvCxnSpPr>
-          <p:cNvPr id="3" name="直接连接符 33"/>
-          <p:cNvCxnSpPr/>
-          <p:nvPr/>
-        </p:nvCxnSpPr>
-        <p:spPr>
-          <a:xfrm flipH="1">
-            <a:off x="6861175" y="4489768"/>
-            <a:ext cx="347663" cy="447675"/>
-          </a:xfrm>
-          <a:prstGeom prst="line">
-            <a:avLst/>
-          </a:prstGeom>
-          <a:ln w="6350" cap="flat" cmpd="sng">
-            <a:solidFill>
-              <a:srgbClr val="FFC000"/>
-            </a:solidFill>
-            <a:prstDash val="solid"/>
-            <a:headEnd type="none" w="med" len="med"/>
-            <a:tailEnd type="none" w="med" len="med"/>
-          </a:ln>
-        </p:spPr>
-      </p:cxnSp>
-      <p:sp>
-        <p:nvSpPr>
-          <p:cNvPr id="4" name="文本框 34"/>
-          <p:cNvSpPr txBox="1"/>
-          <p:nvPr/>
-        </p:nvSpPr>
-        <p:spPr>
-          <a:xfrm>
-            <a:off x="6578600" y="4390390"/>
-            <a:ext cx="282575" cy="521970"/>
-          </a:xfrm>
-          <a:prstGeom prst="rect">
-            <a:avLst/>
-          </a:prstGeom>
-          <a:noFill/>
-          <a:ln w="9525">
-            <a:noFill/>
-          </a:ln>
-        </p:spPr>
-        <p:txBody>
-          <a:bodyPr wrap="square">
-            <a:spAutoFit/>
-          </a:bodyPr>
-          <a:lstStyle>
-            <a:lvl1pPr marL="228600" lvl="0" indent="-228600" algn="l" defTabSz="914400" eaLnBrk="0" fontAlgn="base" latinLnBrk="0" hangingPunct="0">
-              <a:lnSpc>
-                <a:spcPct val="90000"/>
-              </a:lnSpc>
-              <a:spcBef>
-                <a:spcPts val="1000"/>
-              </a:spcBef>
-              <a:spcAft>
-                <a:spcPct val="0"/>
-              </a:spcAft>
-              <a:buFont typeface="Arial" panose="020B0604020202020204" pitchFamily="34" charset="0"/>
-              <a:buChar char="•"/>
-              <a:defRPr sz="2800" u="none" kern="1200" baseline="0">
-                <a:solidFill>
-                  <a:schemeClr val="tx1"/>
-                </a:solidFill>
-                <a:latin typeface="Calibri" panose="020F0502020204030204" pitchFamily="2" charset="0"/>
-                <a:ea typeface="宋体" panose="02010600030101010101" pitchFamily="2" charset="-122"/>
-              </a:defRPr>
-            </a:lvl1pPr>
-            <a:lvl2pPr marL="685800" lvl="1" indent="-228600" algn="l" defTabSz="914400" eaLnBrk="0" fontAlgn="base" latinLnBrk="0" hangingPunct="0">
-              <a:lnSpc>
-                <a:spcPct val="90000"/>
-              </a:lnSpc>
-              <a:spcBef>
-                <a:spcPts val="500"/>
-              </a:spcBef>
-              <a:spcAft>
-                <a:spcPct val="0"/>
-              </a:spcAft>
-              <a:buFont typeface="Arial" panose="020B0604020202020204" pitchFamily="34" charset="0"/>
-              <a:buChar char="•"/>
-              <a:defRPr sz="2400" u="none" kern="1200" baseline="0">
-                <a:solidFill>
-                  <a:schemeClr val="tx1"/>
-                </a:solidFill>
-                <a:latin typeface="Calibri" panose="020F0502020204030204" pitchFamily="2" charset="0"/>
-                <a:ea typeface="宋体" panose="02010600030101010101" pitchFamily="2" charset="-122"/>
-              </a:defRPr>
-            </a:lvl2pPr>
-            <a:lvl3pPr marL="1143000" lvl="2" indent="-228600" algn="l" defTabSz="914400" eaLnBrk="0" fontAlgn="base" latinLnBrk="0" hangingPunct="0">
-              <a:lnSpc>
-                <a:spcPct val="90000"/>
-              </a:lnSpc>
-              <a:spcBef>
-                <a:spcPts val="500"/>
-              </a:spcBef>
-              <a:spcAft>
-                <a:spcPct val="0"/>
-              </a:spcAft>
-              <a:buFont typeface="Arial" panose="020B0604020202020204" pitchFamily="34" charset="0"/>
-              <a:buChar char="•"/>
-              <a:defRPr sz="2000" u="none" kern="1200" baseline="0">
-                <a:solidFill>
-                  <a:schemeClr val="tx1"/>
-                </a:solidFill>
-                <a:latin typeface="Calibri" panose="020F0502020204030204" pitchFamily="2" charset="0"/>
-                <a:ea typeface="宋体" panose="02010600030101010101" pitchFamily="2" charset="-122"/>
-              </a:defRPr>
-            </a:lvl3pPr>
-            <a:lvl4pPr marL="1600200" lvl="3" indent="-228600" algn="l" defTabSz="914400" eaLnBrk="0" fontAlgn="base" latinLnBrk="0" hangingPunct="0">
-              <a:lnSpc>
-                <a:spcPct val="90000"/>
-              </a:lnSpc>
-              <a:spcBef>
-                <a:spcPts val="500"/>
-              </a:spcBef>
-              <a:spcAft>
-                <a:spcPct val="0"/>
-              </a:spcAft>
-              <a:buFont typeface="Arial" panose="020B0604020202020204" pitchFamily="34" charset="0"/>
-              <a:buChar char="•"/>
-              <a:defRPr sz="1800" u="none" kern="1200" baseline="0">
-                <a:solidFill>
-                  <a:schemeClr val="tx1"/>
-                </a:solidFill>
-                <a:latin typeface="Calibri" panose="020F0502020204030204" pitchFamily="2" charset="0"/>
-                <a:ea typeface="宋体" panose="02010600030101010101" pitchFamily="2" charset="-122"/>
-              </a:defRPr>
-            </a:lvl4pPr>
-            <a:lvl5pPr marL="2057400" lvl="4" indent="-228600" algn="l" defTabSz="914400" eaLnBrk="0" fontAlgn="base" latinLnBrk="0" hangingPunct="0">
-              <a:lnSpc>
-                <a:spcPct val="90000"/>
-              </a:lnSpc>
-              <a:spcBef>
-                <a:spcPts val="500"/>
-              </a:spcBef>
-              <a:spcAft>
-                <a:spcPct val="0"/>
-              </a:spcAft>
-              <a:buFont typeface="Arial" panose="020B0604020202020204" pitchFamily="34" charset="0"/>
-              <a:buChar char="•"/>
-              <a:defRPr sz="1800" u="none" kern="1200" baseline="0">
-                <a:solidFill>
-                  <a:schemeClr val="tx1"/>
-                </a:solidFill>
-                <a:latin typeface="Calibri" panose="020F0502020204030204" pitchFamily="2" charset="0"/>
-                <a:ea typeface="宋体" panose="02010600030101010101" pitchFamily="2" charset="-122"/>
-              </a:defRPr>
-            </a:lvl5pPr>
-          </a:lstStyle>
-          <a:p>
-            <a:pPr marL="0" lvl="0" indent="0" eaLnBrk="1" hangingPunct="1">
-              <a:lnSpc>
-                <a:spcPct val="100000"/>
-              </a:lnSpc>
-              <a:spcBef>
-                <a:spcPct val="0"/>
-              </a:spcBef>
-              <a:buNone/>
-            </a:pPr>
-            <a:r>
-              <a:rPr lang="en-US" altLang="zh-CN" dirty="0">
-                <a:solidFill>
-                  <a:schemeClr val="bg1"/>
-                </a:solidFill>
-              </a:rPr>
-              <a:t>6</a:t>
             </a:r>
           </a:p>
         </p:txBody>
@@ -30011,13 +31619,6 @@
                 </a:rPr>
                 <a:t>构件事物</a:t>
               </a:r>
-              <a:endParaRPr lang="zh-CN" altLang="en-US" sz="2800" dirty="0" smtClean="0">
-                <a:solidFill>
-                  <a:srgbClr val="DEAB81">
-                    <a:lumMod val="50000"/>
-                  </a:srgbClr>
-                </a:solidFill>
-              </a:endParaRPr>
             </a:p>
           </p:txBody>
         </p:sp>

--- a/0PPT/UML概述.pptx
+++ b/0PPT/UML概述.pptx
@@ -376,7 +376,7 @@
               <a:rPr lang="zh-CN" altLang="en-US" dirty="0">
                 <a:latin typeface="Calibri" panose="020F0502020204030204" pitchFamily="2" charset="0"/>
               </a:rPr>
-              <a:t>2017/11/1</a:t>
+              <a:t>2017/11/2</a:t>
             </a:fld>
             <a:endParaRPr lang="zh-CN" altLang="en-US" dirty="0">
               <a:latin typeface="Calibri" panose="020F0502020204030204" pitchFamily="2" charset="0"/>
@@ -554,7 +554,7 @@
               <a:rPr lang="zh-CN" altLang="en-US" dirty="0">
                 <a:latin typeface="Calibri" panose="020F0502020204030204" pitchFamily="2" charset="0"/>
               </a:rPr>
-              <a:t>2017/11/1</a:t>
+              <a:t>2017/11/2</a:t>
             </a:fld>
             <a:endParaRPr lang="zh-CN" altLang="en-US" dirty="0">
               <a:latin typeface="Calibri" panose="020F0502020204030204" pitchFamily="2" charset="0"/>
@@ -742,7 +742,7 @@
               <a:rPr lang="zh-CN" altLang="en-US" dirty="0">
                 <a:latin typeface="Calibri" panose="020F0502020204030204" pitchFamily="2" charset="0"/>
               </a:rPr>
-              <a:t>2017/11/1</a:t>
+              <a:t>2017/11/2</a:t>
             </a:fld>
             <a:endParaRPr lang="zh-CN" altLang="en-US" dirty="0">
               <a:latin typeface="Calibri" panose="020F0502020204030204" pitchFamily="2" charset="0"/>
@@ -920,7 +920,7 @@
               <a:rPr lang="zh-CN" altLang="en-US" dirty="0">
                 <a:latin typeface="Calibri" panose="020F0502020204030204" pitchFamily="2" charset="0"/>
               </a:rPr>
-              <a:t>2017/11/1</a:t>
+              <a:t>2017/11/2</a:t>
             </a:fld>
             <a:endParaRPr lang="zh-CN" altLang="en-US" dirty="0">
               <a:latin typeface="Calibri" panose="020F0502020204030204" pitchFamily="2" charset="0"/>
@@ -1174,7 +1174,7 @@
               <a:rPr lang="zh-CN" altLang="en-US" dirty="0">
                 <a:latin typeface="Calibri" panose="020F0502020204030204" pitchFamily="2" charset="0"/>
               </a:rPr>
-              <a:t>2017/11/1</a:t>
+              <a:t>2017/11/2</a:t>
             </a:fld>
             <a:endParaRPr lang="zh-CN" altLang="en-US" dirty="0">
               <a:latin typeface="Calibri" panose="020F0502020204030204" pitchFamily="2" charset="0"/>
@@ -1414,7 +1414,7 @@
               <a:rPr lang="zh-CN" altLang="en-US" dirty="0">
                 <a:latin typeface="Calibri" panose="020F0502020204030204" pitchFamily="2" charset="0"/>
               </a:rPr>
-              <a:t>2017/11/1</a:t>
+              <a:t>2017/11/2</a:t>
             </a:fld>
             <a:endParaRPr lang="zh-CN" altLang="en-US" dirty="0">
               <a:latin typeface="Calibri" panose="020F0502020204030204" pitchFamily="2" charset="0"/>
@@ -1789,7 +1789,7 @@
               <a:rPr lang="zh-CN" altLang="en-US" dirty="0">
                 <a:latin typeface="Calibri" panose="020F0502020204030204" pitchFamily="2" charset="0"/>
               </a:rPr>
-              <a:t>2017/11/1</a:t>
+              <a:t>2017/11/2</a:t>
             </a:fld>
             <a:endParaRPr lang="zh-CN" altLang="en-US" dirty="0">
               <a:latin typeface="Calibri" panose="020F0502020204030204" pitchFamily="2" charset="0"/>
@@ -1915,7 +1915,7 @@
               <a:rPr lang="zh-CN" altLang="en-US" dirty="0">
                 <a:latin typeface="Calibri" panose="020F0502020204030204" pitchFamily="2" charset="0"/>
               </a:rPr>
-              <a:t>2017/11/1</a:t>
+              <a:t>2017/11/2</a:t>
             </a:fld>
             <a:endParaRPr lang="zh-CN" altLang="en-US" dirty="0">
               <a:latin typeface="Calibri" panose="020F0502020204030204" pitchFamily="2" charset="0"/>
@@ -2018,7 +2018,7 @@
               <a:rPr lang="zh-CN" altLang="en-US" dirty="0">
                 <a:latin typeface="Calibri" panose="020F0502020204030204" pitchFamily="2" charset="0"/>
               </a:rPr>
-              <a:t>2017/11/1</a:t>
+              <a:t>2017/11/2</a:t>
             </a:fld>
             <a:endParaRPr lang="zh-CN" altLang="en-US" dirty="0">
               <a:latin typeface="Calibri" panose="020F0502020204030204" pitchFamily="2" charset="0"/>
@@ -2303,7 +2303,7 @@
               <a:rPr lang="zh-CN" altLang="en-US" dirty="0">
                 <a:latin typeface="Calibri" panose="020F0502020204030204" pitchFamily="2" charset="0"/>
               </a:rPr>
-              <a:t>2017/11/1</a:t>
+              <a:t>2017/11/2</a:t>
             </a:fld>
             <a:endParaRPr lang="zh-CN" altLang="en-US" dirty="0">
               <a:latin typeface="Calibri" panose="020F0502020204030204" pitchFamily="2" charset="0"/>
@@ -2564,7 +2564,7 @@
               <a:rPr lang="zh-CN" altLang="en-US" dirty="0">
                 <a:latin typeface="Calibri" panose="020F0502020204030204" pitchFamily="2" charset="0"/>
               </a:rPr>
-              <a:t>2017/11/1</a:t>
+              <a:t>2017/11/2</a:t>
             </a:fld>
             <a:endParaRPr lang="zh-CN" altLang="en-US" dirty="0">
               <a:latin typeface="Calibri" panose="020F0502020204030204" pitchFamily="2" charset="0"/>
@@ -2795,7 +2795,7 @@
               <a:rPr lang="zh-CN" altLang="en-US" dirty="0">
                 <a:latin typeface="Calibri" panose="020F0502020204030204" pitchFamily="2" charset="0"/>
               </a:rPr>
-              <a:t>2017/11/1</a:t>
+              <a:t>2017/11/2</a:t>
             </a:fld>
             <a:endParaRPr lang="zh-CN" altLang="en-US" dirty="0">
               <a:latin typeface="Calibri" panose="020F0502020204030204" pitchFamily="2" charset="0"/>
@@ -7647,13 +7647,6 @@
                 </a:rPr>
                 <a:t>顺序图</a:t>
               </a:r>
-              <a:endParaRPr lang="zh-CN" altLang="en-US" sz="2800" dirty="0" smtClean="0">
-                <a:solidFill>
-                  <a:srgbClr val="DEAB81">
-                    <a:lumMod val="50000"/>
-                  </a:srgbClr>
-                </a:solidFill>
-              </a:endParaRPr>
             </a:p>
           </p:txBody>
         </p:sp>
@@ -8348,13 +8341,6 @@
                 </a:rPr>
                 <a:t>部署图</a:t>
               </a:r>
-              <a:endParaRPr lang="zh-CN" altLang="en-US" sz="2800" dirty="0" smtClean="0">
-                <a:solidFill>
-                  <a:srgbClr val="DEAB81">
-                    <a:lumMod val="50000"/>
-                  </a:srgbClr>
-                </a:solidFill>
-              </a:endParaRPr>
             </a:p>
           </p:txBody>
         </p:sp>
@@ -8879,13 +8865,6 @@
                 </a:rPr>
                 <a:t>组件图</a:t>
               </a:r>
-              <a:endParaRPr lang="zh-CN" altLang="en-US" sz="2800" dirty="0" smtClean="0">
-                <a:solidFill>
-                  <a:srgbClr val="DEAB81">
-                    <a:lumMod val="50000"/>
-                  </a:srgbClr>
-                </a:solidFill>
-              </a:endParaRPr>
             </a:p>
           </p:txBody>
         </p:sp>
@@ -9410,13 +9389,6 @@
                 </a:rPr>
                 <a:t>包图</a:t>
               </a:r>
-              <a:endParaRPr lang="zh-CN" altLang="en-US" sz="2800" dirty="0" smtClean="0">
-                <a:solidFill>
-                  <a:srgbClr val="DEAB81">
-                    <a:lumMod val="50000"/>
-                  </a:srgbClr>
-                </a:solidFill>
-              </a:endParaRPr>
             </a:p>
           </p:txBody>
         </p:sp>
@@ -9941,13 +9913,6 @@
                 </a:rPr>
                 <a:t>交互图</a:t>
               </a:r>
-              <a:endParaRPr lang="zh-CN" altLang="en-US" sz="2800" dirty="0" smtClean="0">
-                <a:solidFill>
-                  <a:srgbClr val="DEAB81">
-                    <a:lumMod val="50000"/>
-                  </a:srgbClr>
-                </a:solidFill>
-              </a:endParaRPr>
             </a:p>
           </p:txBody>
         </p:sp>
@@ -10472,13 +10437,6 @@
                 </a:rPr>
                 <a:t>时间图</a:t>
               </a:r>
-              <a:endParaRPr lang="zh-CN" altLang="en-US" sz="2800" dirty="0" smtClean="0">
-                <a:solidFill>
-                  <a:srgbClr val="DEAB81">
-                    <a:lumMod val="50000"/>
-                  </a:srgbClr>
-                </a:solidFill>
-              </a:endParaRPr>
             </a:p>
           </p:txBody>
         </p:sp>
@@ -11003,13 +10961,6 @@
                 </a:rPr>
                 <a:t>复合结构图</a:t>
               </a:r>
-              <a:endParaRPr lang="zh-CN" altLang="en-US" sz="2800" dirty="0" smtClean="0">
-                <a:solidFill>
-                  <a:srgbClr val="DEAB81">
-                    <a:lumMod val="50000"/>
-                  </a:srgbClr>
-                </a:solidFill>
-              </a:endParaRPr>
             </a:p>
           </p:txBody>
         </p:sp>
@@ -11534,13 +11485,6 @@
                 </a:rPr>
                 <a:t>通信图</a:t>
               </a:r>
-              <a:endParaRPr lang="zh-CN" altLang="en-US" sz="2800" dirty="0" smtClean="0">
-                <a:solidFill>
-                  <a:srgbClr val="DEAB81">
-                    <a:lumMod val="50000"/>
-                  </a:srgbClr>
-                </a:solidFill>
-              </a:endParaRPr>
             </a:p>
           </p:txBody>
         </p:sp>
@@ -12065,13 +12009,6 @@
                 </a:rPr>
                 <a:t>对象图</a:t>
               </a:r>
-              <a:endParaRPr lang="zh-CN" altLang="en-US" sz="2800" dirty="0" smtClean="0">
-                <a:solidFill>
-                  <a:srgbClr val="DEAB81">
-                    <a:lumMod val="50000"/>
-                  </a:srgbClr>
-                </a:solidFill>
-              </a:endParaRPr>
             </a:p>
           </p:txBody>
         </p:sp>
@@ -12596,13 +12533,6 @@
                 </a:rPr>
                 <a:t>状态肌图</a:t>
               </a:r>
-              <a:endParaRPr lang="zh-CN" altLang="en-US" sz="2800" dirty="0" smtClean="0">
-                <a:solidFill>
-                  <a:srgbClr val="DEAB81">
-                    <a:lumMod val="50000"/>
-                  </a:srgbClr>
-                </a:solidFill>
-              </a:endParaRPr>
             </a:p>
           </p:txBody>
         </p:sp>
@@ -13127,13 +13057,6 @@
                 </a:rPr>
                 <a:t>类图</a:t>
               </a:r>
-              <a:endParaRPr lang="zh-CN" altLang="en-US" sz="2800" dirty="0" smtClean="0">
-                <a:solidFill>
-                  <a:srgbClr val="DEAB81">
-                    <a:lumMod val="50000"/>
-                  </a:srgbClr>
-                </a:solidFill>
-              </a:endParaRPr>
             </a:p>
           </p:txBody>
         </p:sp>
@@ -13658,13 +13581,6 @@
                 </a:rPr>
                 <a:t>活动图</a:t>
               </a:r>
-              <a:endParaRPr lang="zh-CN" altLang="en-US" sz="2800" dirty="0" smtClean="0">
-                <a:solidFill>
-                  <a:srgbClr val="DEAB81">
-                    <a:lumMod val="50000"/>
-                  </a:srgbClr>
-                </a:solidFill>
-              </a:endParaRPr>
             </a:p>
           </p:txBody>
         </p:sp>
@@ -14189,13 +14105,6 @@
                 </a:rPr>
                 <a:t>用例图</a:t>
               </a:r>
-              <a:endParaRPr lang="zh-CN" altLang="en-US" sz="2800" dirty="0" smtClean="0">
-                <a:solidFill>
-                  <a:srgbClr val="DEAB81">
-                    <a:lumMod val="50000"/>
-                  </a:srgbClr>
-                </a:solidFill>
-              </a:endParaRPr>
             </a:p>
           </p:txBody>
         </p:sp>
@@ -15566,11 +15475,6 @@
               </a:rPr>
               <a:t>动态图包括活动图，状态图，时序图，协作图。</a:t>
             </a:r>
-            <a:endParaRPr lang="zh-CN" altLang="en-US" sz="2400" dirty="0">
-              <a:solidFill>
-                <a:schemeClr val="bg1"/>
-              </a:solidFill>
-            </a:endParaRPr>
           </a:p>
         </p:txBody>
       </p:sp>
@@ -15901,11 +15805,6 @@
               </a:rPr>
               <a:t>描述系统的动态行为</a:t>
             </a:r>
-            <a:endParaRPr lang="zh-CN" altLang="en-US" sz="2400" dirty="0">
-              <a:solidFill>
-                <a:schemeClr val="bg1"/>
-              </a:solidFill>
-            </a:endParaRPr>
           </a:p>
         </p:txBody>
       </p:sp>
@@ -19370,15 +19269,7 @@
                   <a:srgbClr val="FF0000"/>
                 </a:solidFill>
               </a:rPr>
-              <a:t>部署视图</a:t>
-            </a:r>
-            <a:r>
-              <a:rPr lang="zh-CN" altLang="en-US" b="1" dirty="0" smtClean="0">
-                <a:solidFill>
-                  <a:srgbClr val="FF0000"/>
-                </a:solidFill>
-              </a:rPr>
-              <a:t>：</a:t>
+              <a:t>部署视图：</a:t>
             </a:r>
             <a:r>
               <a:rPr lang="zh-CN" altLang="en-US" dirty="0" smtClean="0">
@@ -26271,8 +26162,8 @@
         </p:nvSpPr>
         <p:spPr>
           <a:xfrm>
-            <a:off x="3023235" y="2829560"/>
-            <a:ext cx="6144895" cy="1198880"/>
+            <a:off x="3013985" y="2535496"/>
+            <a:ext cx="6144895" cy="2862322"/>
           </a:xfrm>
           <a:prstGeom prst="rect">
             <a:avLst/>
@@ -26399,7 +26290,7 @@
               <a:buNone/>
             </a:pPr>
             <a:r>
-              <a:rPr lang="zh-CN" sz="3600" dirty="0">
+              <a:rPr lang="zh-CN" sz="3600" dirty="0" smtClean="0">
                 <a:solidFill>
                   <a:schemeClr val="bg1"/>
                 </a:solidFill>
@@ -26407,12 +26298,12 @@
               <a:t>周雨璐</a:t>
             </a:r>
             <a:r>
-              <a:rPr lang="en-US" altLang="zh-CN" sz="3600" dirty="0">
+              <a:rPr lang="en-US" altLang="zh-CN" sz="3600" dirty="0" smtClean="0">
                 <a:solidFill>
                   <a:schemeClr val="bg1"/>
                 </a:solidFill>
               </a:rPr>
-              <a:t>——</a:t>
+              <a:t>9.0——</a:t>
             </a:r>
             <a:r>
               <a:rPr lang="zh-CN" altLang="en-US" sz="3600" dirty="0">
@@ -26423,7 +26314,7 @@
               <a:t>制作</a:t>
             </a:r>
             <a:r>
-              <a:rPr lang="en-US" altLang="zh-CN" sz="3600" dirty="0">
+              <a:rPr lang="en-US" altLang="zh-CN" sz="3600" dirty="0" smtClean="0">
                 <a:solidFill>
                   <a:schemeClr val="bg1"/>
                 </a:solidFill>
@@ -26442,45 +26333,154 @@
               <a:buNone/>
             </a:pPr>
             <a:r>
-              <a:rPr lang="zh-CN" altLang="en-US" sz="3600" dirty="0">
+              <a:rPr lang="zh-CN" altLang="en-US" sz="3600" dirty="0" smtClean="0">
                 <a:solidFill>
                   <a:schemeClr val="bg1"/>
                 </a:solidFill>
               </a:rPr>
-              <a:t>全体组员</a:t>
+              <a:t>葛倍良</a:t>
             </a:r>
             <a:r>
-              <a:rPr lang="en-US" altLang="zh-CN" sz="3600" dirty="0">
+              <a:rPr lang="en-US" altLang="zh-CN" sz="3600" dirty="0" smtClean="0">
                 <a:solidFill>
                   <a:schemeClr val="bg1"/>
                 </a:solidFill>
               </a:rPr>
-              <a:t>——</a:t>
+              <a:t>8.8——PPT</a:t>
             </a:r>
             <a:r>
-              <a:rPr lang="zh-CN" altLang="en-US" sz="3600" dirty="0">
+              <a:rPr lang="zh-CN" altLang="en-US" sz="3600" dirty="0" smtClean="0">
                 <a:solidFill>
                   <a:schemeClr val="bg1"/>
                 </a:solidFill>
               </a:rPr>
-              <a:t>学习</a:t>
+              <a:t>审核修改</a:t>
+            </a:r>
+            <a:endParaRPr lang="en-US" altLang="zh-CN" sz="3600" dirty="0">
+              <a:solidFill>
+                <a:schemeClr val="bg1"/>
+              </a:solidFill>
+            </a:endParaRPr>
+          </a:p>
+          <a:p>
+            <a:pPr marL="0" lvl="0" indent="0" eaLnBrk="1" hangingPunct="1">
+              <a:lnSpc>
+                <a:spcPct val="100000"/>
+              </a:lnSpc>
+              <a:spcBef>
+                <a:spcPct val="0"/>
+              </a:spcBef>
+              <a:buNone/>
+            </a:pPr>
+            <a:r>
+              <a:rPr lang="zh-CN" altLang="en-US" sz="3600" dirty="0" smtClean="0">
+                <a:solidFill>
+                  <a:schemeClr val="bg1"/>
+                </a:solidFill>
+              </a:rPr>
+              <a:t>黄鹏羽</a:t>
             </a:r>
             <a:r>
-              <a:rPr lang="en-US" altLang="zh-CN" sz="3600" dirty="0">
+              <a:rPr lang="en-US" altLang="zh-CN" sz="3600" dirty="0" smtClean="0">
                 <a:solidFill>
                   <a:schemeClr val="bg1"/>
                 </a:solidFill>
               </a:rPr>
-              <a:t>UML</a:t>
+              <a:t>8.0——PPT</a:t>
             </a:r>
             <a:r>
-              <a:rPr lang="zh-CN" altLang="en-US" sz="3600" dirty="0">
+              <a:rPr lang="zh-CN" altLang="en-US" sz="3600" dirty="0" smtClean="0">
                 <a:solidFill>
                   <a:schemeClr val="bg1"/>
                 </a:solidFill>
               </a:rPr>
-              <a:t>概述</a:t>
+              <a:t>审核</a:t>
             </a:r>
+            <a:endParaRPr lang="en-US" altLang="zh-CN" sz="3600" dirty="0" smtClean="0">
+              <a:solidFill>
+                <a:schemeClr val="bg1"/>
+              </a:solidFill>
+            </a:endParaRPr>
+          </a:p>
+          <a:p>
+            <a:pPr marL="0" lvl="0" indent="0" eaLnBrk="1" hangingPunct="1">
+              <a:lnSpc>
+                <a:spcPct val="100000"/>
+              </a:lnSpc>
+              <a:spcBef>
+                <a:spcPct val="0"/>
+              </a:spcBef>
+              <a:buNone/>
+            </a:pPr>
+            <a:r>
+              <a:rPr lang="zh-CN" altLang="en-US" sz="3600" dirty="0" smtClean="0">
+                <a:solidFill>
+                  <a:schemeClr val="bg1"/>
+                </a:solidFill>
+              </a:rPr>
+              <a:t>金浩楠</a:t>
+            </a:r>
+            <a:r>
+              <a:rPr lang="en-US" altLang="zh-CN" sz="3600" dirty="0" smtClean="0">
+                <a:solidFill>
+                  <a:schemeClr val="bg1"/>
+                </a:solidFill>
+              </a:rPr>
+              <a:t>8.0——PPT</a:t>
+            </a:r>
+            <a:r>
+              <a:rPr lang="zh-CN" altLang="en-US" sz="3600" dirty="0" smtClean="0">
+                <a:solidFill>
+                  <a:schemeClr val="bg1"/>
+                </a:solidFill>
+              </a:rPr>
+              <a:t>审核</a:t>
+            </a:r>
+            <a:endParaRPr lang="en-US" altLang="zh-CN" sz="3600" dirty="0" smtClean="0">
+              <a:solidFill>
+                <a:schemeClr val="bg1"/>
+              </a:solidFill>
+            </a:endParaRPr>
+          </a:p>
+          <a:p>
+            <a:pPr marL="0" lvl="0" indent="0" eaLnBrk="1" hangingPunct="1">
+              <a:lnSpc>
+                <a:spcPct val="100000"/>
+              </a:lnSpc>
+              <a:spcBef>
+                <a:spcPct val="0"/>
+              </a:spcBef>
+              <a:buNone/>
+            </a:pPr>
+            <a:r>
+              <a:rPr lang="zh-CN" altLang="en-US" sz="3600" dirty="0" smtClean="0">
+                <a:solidFill>
+                  <a:schemeClr val="bg1"/>
+                </a:solidFill>
+              </a:rPr>
+              <a:t>余倩</a:t>
+            </a:r>
+            <a:r>
+              <a:rPr lang="en-US" altLang="zh-CN" sz="3600" dirty="0" smtClean="0">
+                <a:solidFill>
+                  <a:schemeClr val="bg1"/>
+                </a:solidFill>
+              </a:rPr>
+              <a:t>8.0——PPT</a:t>
+            </a:r>
+            <a:r>
+              <a:rPr lang="zh-CN" altLang="en-US" sz="3600" smtClean="0">
+                <a:solidFill>
+                  <a:schemeClr val="bg1"/>
+                </a:solidFill>
+              </a:rPr>
+              <a:t>审核</a:t>
+            </a:r>
+            <a:endParaRPr lang="zh-CN" altLang="en-US" sz="3600" dirty="0">
+              <a:solidFill>
+                <a:schemeClr val="bg1"/>
+              </a:solidFill>
+            </a:endParaRPr>
           </a:p>
         </p:txBody>
       </p:sp>
